--- a/BioITWorld2019HackathonJAXTeamv1.pptx
+++ b/BioITWorld2019HackathonJAXTeamv1.pptx
@@ -5,7 +5,7 @@
     <p:sldMasterId id="2147483661" r:id="rId1"/>
   </p:sldMasterIdLst>
   <p:notesMasterIdLst>
-    <p:notesMasterId r:id="rId13"/>
+    <p:notesMasterId r:id="rId14"/>
   </p:notesMasterIdLst>
   <p:sldIdLst>
     <p:sldId id="256" r:id="rId2"/>
@@ -18,17 +18,18 @@
     <p:sldId id="375" r:id="rId9"/>
     <p:sldId id="376" r:id="rId10"/>
     <p:sldId id="379" r:id="rId11"/>
-    <p:sldId id="377" r:id="rId12"/>
+    <p:sldId id="381" r:id="rId12"/>
+    <p:sldId id="377" r:id="rId13"/>
   </p:sldIdLst>
   <p:sldSz cx="10080625" cy="7559675"/>
   <p:notesSz cx="7559675" cy="10691813"/>
   <p:embeddedFontLst>
     <p:embeddedFont>
       <p:font typeface="Calibri" panose="020F0502020204030204" pitchFamily="34" charset="0"/>
-      <p:regular r:id="rId14"/>
-      <p:bold r:id="rId15"/>
-      <p:italic r:id="rId16"/>
-      <p:boldItalic r:id="rId17"/>
+      <p:regular r:id="rId15"/>
+      <p:bold r:id="rId16"/>
+      <p:italic r:id="rId17"/>
+      <p:boldItalic r:id="rId18"/>
     </p:embeddedFont>
   </p:embeddedFontLst>
   <p:defaultTextStyle>
@@ -2424,6 +2425,199 @@
     </p:spTree>
     <p:extLst>
       <p:ext uri="{BB962C8B-B14F-4D97-AF65-F5344CB8AC3E}">
+        <p14:creationId xmlns:p14="http://schemas.microsoft.com/office/powerpoint/2010/main" val="8307953"/>
+      </p:ext>
+    </p:extLst>
+  </p:cSld>
+  <p:clrMapOvr>
+    <a:masterClrMapping/>
+  </p:clrMapOvr>
+</p:notes>
+</file>
+
+<file path=ppt/notesSlides/notesSlide12.xml><?xml version="1.0" encoding="utf-8"?>
+<p:notes xmlns:a="http://schemas.openxmlformats.org/drawingml/2006/main" xmlns:r="http://schemas.openxmlformats.org/officeDocument/2006/relationships" xmlns:p="http://schemas.openxmlformats.org/presentationml/2006/main" showMasterSp="0" showMasterPhAnim="0">
+  <p:cSld>
+    <p:spTree>
+      <p:nvGrpSpPr>
+        <p:cNvPr id="1" name="Shape 91"/>
+        <p:cNvGrpSpPr/>
+        <p:nvPr/>
+      </p:nvGrpSpPr>
+      <p:grpSpPr>
+        <a:xfrm>
+          <a:off x="0" y="0"/>
+          <a:ext cx="0" cy="0"/>
+          <a:chOff x="0" y="0"/>
+          <a:chExt cx="0" cy="0"/>
+        </a:xfrm>
+      </p:grpSpPr>
+      <p:sp>
+        <p:nvSpPr>
+          <p:cNvPr id="92" name="Shape 92"/>
+          <p:cNvSpPr>
+            <a:spLocks noGrp="1" noRot="1" noChangeAspect="1"/>
+          </p:cNvSpPr>
+          <p:nvPr>
+            <p:ph type="sldImg" idx="2"/>
+          </p:nvPr>
+        </p:nvSpPr>
+        <p:spPr>
+          <a:xfrm>
+            <a:off x="1374775" y="1336675"/>
+            <a:ext cx="4810125" cy="3608388"/>
+          </a:xfrm>
+          <a:custGeom>
+            <a:avLst/>
+            <a:gdLst/>
+            <a:ahLst/>
+            <a:cxnLst/>
+            <a:rect l="0" t="0" r="0" b="0"/>
+            <a:pathLst>
+              <a:path w="120000" h="120000" extrusionOk="0">
+                <a:moveTo>
+                  <a:pt x="0" y="0"/>
+                </a:moveTo>
+                <a:lnTo>
+                  <a:pt x="120000" y="0"/>
+                </a:lnTo>
+                <a:lnTo>
+                  <a:pt x="120000" y="120000"/>
+                </a:lnTo>
+                <a:lnTo>
+                  <a:pt x="0" y="120000"/>
+                </a:lnTo>
+                <a:close/>
+              </a:path>
+            </a:pathLst>
+          </a:custGeom>
+          <a:noFill/>
+          <a:ln w="12700" cap="flat" cmpd="sng">
+            <a:solidFill>
+              <a:srgbClr val="000000"/>
+            </a:solidFill>
+            <a:prstDash val="solid"/>
+            <a:round/>
+            <a:headEnd type="none" w="sm" len="sm"/>
+            <a:tailEnd type="none" w="sm" len="sm"/>
+          </a:ln>
+        </p:spPr>
+      </p:sp>
+      <p:sp>
+        <p:nvSpPr>
+          <p:cNvPr id="93" name="Shape 93"/>
+          <p:cNvSpPr txBox="1">
+            <a:spLocks noGrp="1"/>
+          </p:cNvSpPr>
+          <p:nvPr>
+            <p:ph type="body" idx="1"/>
+          </p:nvPr>
+        </p:nvSpPr>
+        <p:spPr>
+          <a:xfrm>
+            <a:off x="755650" y="5145088"/>
+            <a:ext cx="6048375" cy="4210050"/>
+          </a:xfrm>
+          <a:prstGeom prst="rect">
+            <a:avLst/>
+          </a:prstGeom>
+          <a:noFill/>
+          <a:ln>
+            <a:noFill/>
+          </a:ln>
+        </p:spPr>
+        <p:txBody>
+          <a:bodyPr spcFirstLastPara="1" wrap="square" lIns="91425" tIns="45700" rIns="91425" bIns="45700" anchor="t" anchorCtr="0">
+            <a:noAutofit/>
+          </a:bodyPr>
+          <a:lstStyle/>
+          <a:p>
+            <a:pPr marL="457200" marR="0" lvl="1" indent="0" algn="l" rtl="0">
+              <a:spcBef>
+                <a:spcPts val="0"/>
+              </a:spcBef>
+              <a:spcAft>
+                <a:spcPts val="0"/>
+              </a:spcAft>
+              <a:buNone/>
+            </a:pPr>
+            <a:endParaRPr sz="1200" b="0" i="0" u="none" strike="noStrike" cap="none">
+              <a:solidFill>
+                <a:schemeClr val="dk1"/>
+              </a:solidFill>
+              <a:latin typeface="Calibri"/>
+              <a:ea typeface="Calibri"/>
+              <a:cs typeface="Calibri"/>
+              <a:sym typeface="Calibri"/>
+            </a:endParaRPr>
+          </a:p>
+        </p:txBody>
+      </p:sp>
+      <p:sp>
+        <p:nvSpPr>
+          <p:cNvPr id="94" name="Shape 94"/>
+          <p:cNvSpPr txBox="1">
+            <a:spLocks noGrp="1"/>
+          </p:cNvSpPr>
+          <p:nvPr>
+            <p:ph type="sldNum" idx="12"/>
+          </p:nvPr>
+        </p:nvSpPr>
+        <p:spPr>
+          <a:xfrm>
+            <a:off x="4281488" y="10155238"/>
+            <a:ext cx="3276600" cy="536575"/>
+          </a:xfrm>
+          <a:prstGeom prst="rect">
+            <a:avLst/>
+          </a:prstGeom>
+          <a:noFill/>
+          <a:ln>
+            <a:noFill/>
+          </a:ln>
+        </p:spPr>
+        <p:txBody>
+          <a:bodyPr spcFirstLastPara="1" wrap="square" lIns="91425" tIns="45700" rIns="91425" bIns="45700" anchor="b" anchorCtr="0">
+            <a:noAutofit/>
+          </a:bodyPr>
+          <a:lstStyle/>
+          <a:p>
+            <a:pPr marL="0" marR="0" lvl="0" indent="0" algn="r" rtl="0">
+              <a:spcBef>
+                <a:spcPts val="0"/>
+              </a:spcBef>
+              <a:spcAft>
+                <a:spcPts val="0"/>
+              </a:spcAft>
+              <a:buNone/>
+            </a:pPr>
+            <a:fld id="{00000000-1234-1234-1234-123412341234}" type="slidenum">
+              <a:rPr lang="en-US" sz="1200">
+                <a:solidFill>
+                  <a:schemeClr val="dk1"/>
+                </a:solidFill>
+                <a:latin typeface="Calibri"/>
+                <a:ea typeface="Calibri"/>
+                <a:cs typeface="Calibri"/>
+                <a:sym typeface="Calibri"/>
+              </a:rPr>
+              <a:t>12</a:t>
+            </a:fld>
+            <a:endParaRPr sz="1200">
+              <a:solidFill>
+                <a:schemeClr val="dk1"/>
+              </a:solidFill>
+              <a:latin typeface="Calibri"/>
+              <a:ea typeface="Calibri"/>
+              <a:cs typeface="Calibri"/>
+              <a:sym typeface="Calibri"/>
+            </a:endParaRPr>
+          </a:p>
+        </p:txBody>
+      </p:sp>
+    </p:spTree>
+    <p:extLst>
+      <p:ext uri="{BB962C8B-B14F-4D97-AF65-F5344CB8AC3E}">
         <p14:creationId xmlns:p14="http://schemas.microsoft.com/office/powerpoint/2010/main" val="1542314923"/>
       </p:ext>
     </p:extLst>
@@ -4224,7 +4418,7 @@
           <a:p>
             <a:fld id="{0D7B9BF3-D4BC-5F44-AF30-BE74C1EA0BD4}" type="datetime1">
               <a:rPr lang="en-US" smtClean="0"/>
-              <a:t>4/15/2019</a:t>
+              <a:t>4/16/2019</a:t>
             </a:fld>
             <a:endParaRPr/>
           </a:p>
@@ -4591,6 +4785,3822 @@
 </file>
 
 <file path=ppt/slideLayouts/slideLayout10.xml><?xml version="1.0" encoding="utf-8"?>
+<p:sldLayout xmlns:a="http://schemas.openxmlformats.org/drawingml/2006/main" xmlns:r="http://schemas.openxmlformats.org/officeDocument/2006/relationships" xmlns:p="http://schemas.openxmlformats.org/presentationml/2006/main" matchingName="Title, 4 Content" type="fourObj">
+  <p:cSld name="FOUR_OBJECTS">
+    <p:spTree>
+      <p:nvGrpSpPr>
+        <p:cNvPr id="1" name="Shape 56"/>
+        <p:cNvGrpSpPr/>
+        <p:nvPr/>
+      </p:nvGrpSpPr>
+      <p:grpSpPr>
+        <a:xfrm>
+          <a:off x="0" y="0"/>
+          <a:ext cx="0" cy="0"/>
+          <a:chOff x="0" y="0"/>
+          <a:chExt cx="0" cy="0"/>
+        </a:xfrm>
+      </p:grpSpPr>
+      <p:sp>
+        <p:nvSpPr>
+          <p:cNvPr id="57" name="Shape 57"/>
+          <p:cNvSpPr txBox="1">
+            <a:spLocks noGrp="1"/>
+          </p:cNvSpPr>
+          <p:nvPr>
+            <p:ph type="title"/>
+          </p:nvPr>
+        </p:nvSpPr>
+        <p:spPr>
+          <a:xfrm>
+            <a:off x="504000" y="301320"/>
+            <a:ext cx="9071640" cy="1262160"/>
+          </a:xfrm>
+          <a:prstGeom prst="rect">
+            <a:avLst/>
+          </a:prstGeom>
+          <a:noFill/>
+          <a:ln>
+            <a:noFill/>
+          </a:ln>
+        </p:spPr>
+        <p:txBody>
+          <a:bodyPr spcFirstLastPara="1" wrap="square" lIns="0" tIns="0" rIns="0" bIns="0" anchor="ctr" anchorCtr="0"/>
+          <a:lstStyle>
+            <a:lvl1pPr lvl="0">
+              <a:spcBef>
+                <a:spcPts val="0"/>
+              </a:spcBef>
+              <a:spcAft>
+                <a:spcPts val="0"/>
+              </a:spcAft>
+              <a:buSzPts val="1400"/>
+              <a:buNone/>
+              <a:defRPr sz="1800"/>
+            </a:lvl1pPr>
+            <a:lvl2pPr lvl="1">
+              <a:spcBef>
+                <a:spcPts val="0"/>
+              </a:spcBef>
+              <a:spcAft>
+                <a:spcPts val="0"/>
+              </a:spcAft>
+              <a:buSzPts val="1400"/>
+              <a:buNone/>
+              <a:defRPr sz="1800"/>
+            </a:lvl2pPr>
+            <a:lvl3pPr lvl="2">
+              <a:spcBef>
+                <a:spcPts val="0"/>
+              </a:spcBef>
+              <a:spcAft>
+                <a:spcPts val="0"/>
+              </a:spcAft>
+              <a:buSzPts val="1400"/>
+              <a:buNone/>
+              <a:defRPr sz="1800"/>
+            </a:lvl3pPr>
+            <a:lvl4pPr lvl="3">
+              <a:spcBef>
+                <a:spcPts val="0"/>
+              </a:spcBef>
+              <a:spcAft>
+                <a:spcPts val="0"/>
+              </a:spcAft>
+              <a:buSzPts val="1400"/>
+              <a:buNone/>
+              <a:defRPr sz="1800"/>
+            </a:lvl4pPr>
+            <a:lvl5pPr lvl="4">
+              <a:spcBef>
+                <a:spcPts val="0"/>
+              </a:spcBef>
+              <a:spcAft>
+                <a:spcPts val="0"/>
+              </a:spcAft>
+              <a:buSzPts val="1400"/>
+              <a:buNone/>
+              <a:defRPr sz="1800"/>
+            </a:lvl5pPr>
+            <a:lvl6pPr lvl="5">
+              <a:spcBef>
+                <a:spcPts val="0"/>
+              </a:spcBef>
+              <a:spcAft>
+                <a:spcPts val="0"/>
+              </a:spcAft>
+              <a:buSzPts val="1400"/>
+              <a:buNone/>
+              <a:defRPr sz="1800"/>
+            </a:lvl6pPr>
+            <a:lvl7pPr lvl="6">
+              <a:spcBef>
+                <a:spcPts val="0"/>
+              </a:spcBef>
+              <a:spcAft>
+                <a:spcPts val="0"/>
+              </a:spcAft>
+              <a:buSzPts val="1400"/>
+              <a:buNone/>
+              <a:defRPr sz="1800"/>
+            </a:lvl7pPr>
+            <a:lvl8pPr lvl="7">
+              <a:spcBef>
+                <a:spcPts val="0"/>
+              </a:spcBef>
+              <a:spcAft>
+                <a:spcPts val="0"/>
+              </a:spcAft>
+              <a:buSzPts val="1400"/>
+              <a:buNone/>
+              <a:defRPr sz="1800"/>
+            </a:lvl8pPr>
+            <a:lvl9pPr lvl="8">
+              <a:spcBef>
+                <a:spcPts val="0"/>
+              </a:spcBef>
+              <a:spcAft>
+                <a:spcPts val="0"/>
+              </a:spcAft>
+              <a:buSzPts val="1400"/>
+              <a:buNone/>
+              <a:defRPr sz="1800"/>
+            </a:lvl9pPr>
+          </a:lstStyle>
+          <a:p>
+            <a:endParaRPr/>
+          </a:p>
+        </p:txBody>
+      </p:sp>
+      <p:sp>
+        <p:nvSpPr>
+          <p:cNvPr id="58" name="Shape 58"/>
+          <p:cNvSpPr txBox="1">
+            <a:spLocks noGrp="1"/>
+          </p:cNvSpPr>
+          <p:nvPr>
+            <p:ph type="body" idx="1"/>
+          </p:nvPr>
+        </p:nvSpPr>
+        <p:spPr>
+          <a:xfrm>
+            <a:off x="504000" y="1769040"/>
+            <a:ext cx="4426920" cy="2091240"/>
+          </a:xfrm>
+          <a:prstGeom prst="rect">
+            <a:avLst/>
+          </a:prstGeom>
+          <a:noFill/>
+          <a:ln>
+            <a:noFill/>
+          </a:ln>
+        </p:spPr>
+        <p:txBody>
+          <a:bodyPr spcFirstLastPara="1" wrap="square" lIns="0" tIns="0" rIns="0" bIns="0" anchor="t" anchorCtr="0"/>
+          <a:lstStyle>
+            <a:lvl1pPr marL="457200" lvl="0" indent="-228600">
+              <a:spcBef>
+                <a:spcPts val="0"/>
+              </a:spcBef>
+              <a:spcAft>
+                <a:spcPts val="0"/>
+              </a:spcAft>
+              <a:buSzPts val="1400"/>
+              <a:buNone/>
+              <a:defRPr sz="1800"/>
+            </a:lvl1pPr>
+            <a:lvl2pPr marL="914400" lvl="1" indent="-228600">
+              <a:spcBef>
+                <a:spcPts val="0"/>
+              </a:spcBef>
+              <a:spcAft>
+                <a:spcPts val="0"/>
+              </a:spcAft>
+              <a:buSzPts val="1400"/>
+              <a:buNone/>
+              <a:defRPr sz="1800"/>
+            </a:lvl2pPr>
+            <a:lvl3pPr marL="1371600" lvl="2" indent="-228600">
+              <a:spcBef>
+                <a:spcPts val="0"/>
+              </a:spcBef>
+              <a:spcAft>
+                <a:spcPts val="0"/>
+              </a:spcAft>
+              <a:buSzPts val="1400"/>
+              <a:buNone/>
+              <a:defRPr sz="1800"/>
+            </a:lvl3pPr>
+            <a:lvl4pPr marL="1828800" lvl="3" indent="-228600">
+              <a:spcBef>
+                <a:spcPts val="0"/>
+              </a:spcBef>
+              <a:spcAft>
+                <a:spcPts val="0"/>
+              </a:spcAft>
+              <a:buSzPts val="1400"/>
+              <a:buNone/>
+              <a:defRPr sz="1800"/>
+            </a:lvl4pPr>
+            <a:lvl5pPr marL="2286000" lvl="4" indent="-228600">
+              <a:spcBef>
+                <a:spcPts val="0"/>
+              </a:spcBef>
+              <a:spcAft>
+                <a:spcPts val="0"/>
+              </a:spcAft>
+              <a:buSzPts val="1400"/>
+              <a:buNone/>
+              <a:defRPr sz="1800"/>
+            </a:lvl5pPr>
+            <a:lvl6pPr marL="2743200" lvl="5" indent="-228600">
+              <a:spcBef>
+                <a:spcPts val="0"/>
+              </a:spcBef>
+              <a:spcAft>
+                <a:spcPts val="0"/>
+              </a:spcAft>
+              <a:buSzPts val="1400"/>
+              <a:buNone/>
+              <a:defRPr sz="1800"/>
+            </a:lvl6pPr>
+            <a:lvl7pPr marL="3200400" lvl="6" indent="-228600">
+              <a:spcBef>
+                <a:spcPts val="0"/>
+              </a:spcBef>
+              <a:spcAft>
+                <a:spcPts val="0"/>
+              </a:spcAft>
+              <a:buSzPts val="1400"/>
+              <a:buNone/>
+              <a:defRPr sz="1800"/>
+            </a:lvl7pPr>
+            <a:lvl8pPr marL="3657600" lvl="7" indent="-228600">
+              <a:spcBef>
+                <a:spcPts val="0"/>
+              </a:spcBef>
+              <a:spcAft>
+                <a:spcPts val="0"/>
+              </a:spcAft>
+              <a:buSzPts val="1400"/>
+              <a:buNone/>
+              <a:defRPr sz="1800"/>
+            </a:lvl8pPr>
+            <a:lvl9pPr marL="4114800" lvl="8" indent="-228600">
+              <a:spcBef>
+                <a:spcPts val="0"/>
+              </a:spcBef>
+              <a:spcAft>
+                <a:spcPts val="0"/>
+              </a:spcAft>
+              <a:buSzPts val="1400"/>
+              <a:buNone/>
+              <a:defRPr sz="1800"/>
+            </a:lvl9pPr>
+          </a:lstStyle>
+          <a:p>
+            <a:endParaRPr/>
+          </a:p>
+        </p:txBody>
+      </p:sp>
+      <p:sp>
+        <p:nvSpPr>
+          <p:cNvPr id="59" name="Shape 59"/>
+          <p:cNvSpPr txBox="1">
+            <a:spLocks noGrp="1"/>
+          </p:cNvSpPr>
+          <p:nvPr>
+            <p:ph type="body" idx="2"/>
+          </p:nvPr>
+        </p:nvSpPr>
+        <p:spPr>
+          <a:xfrm>
+            <a:off x="5152680" y="1769040"/>
+            <a:ext cx="4426920" cy="2091240"/>
+          </a:xfrm>
+          <a:prstGeom prst="rect">
+            <a:avLst/>
+          </a:prstGeom>
+          <a:noFill/>
+          <a:ln>
+            <a:noFill/>
+          </a:ln>
+        </p:spPr>
+        <p:txBody>
+          <a:bodyPr spcFirstLastPara="1" wrap="square" lIns="0" tIns="0" rIns="0" bIns="0" anchor="t" anchorCtr="0"/>
+          <a:lstStyle>
+            <a:lvl1pPr marL="457200" lvl="0" indent="-228600">
+              <a:spcBef>
+                <a:spcPts val="0"/>
+              </a:spcBef>
+              <a:spcAft>
+                <a:spcPts val="0"/>
+              </a:spcAft>
+              <a:buSzPts val="1400"/>
+              <a:buNone/>
+              <a:defRPr sz="1800"/>
+            </a:lvl1pPr>
+            <a:lvl2pPr marL="914400" lvl="1" indent="-228600">
+              <a:spcBef>
+                <a:spcPts val="0"/>
+              </a:spcBef>
+              <a:spcAft>
+                <a:spcPts val="0"/>
+              </a:spcAft>
+              <a:buSzPts val="1400"/>
+              <a:buNone/>
+              <a:defRPr sz="1800"/>
+            </a:lvl2pPr>
+            <a:lvl3pPr marL="1371600" lvl="2" indent="-228600">
+              <a:spcBef>
+                <a:spcPts val="0"/>
+              </a:spcBef>
+              <a:spcAft>
+                <a:spcPts val="0"/>
+              </a:spcAft>
+              <a:buSzPts val="1400"/>
+              <a:buNone/>
+              <a:defRPr sz="1800"/>
+            </a:lvl3pPr>
+            <a:lvl4pPr marL="1828800" lvl="3" indent="-228600">
+              <a:spcBef>
+                <a:spcPts val="0"/>
+              </a:spcBef>
+              <a:spcAft>
+                <a:spcPts val="0"/>
+              </a:spcAft>
+              <a:buSzPts val="1400"/>
+              <a:buNone/>
+              <a:defRPr sz="1800"/>
+            </a:lvl4pPr>
+            <a:lvl5pPr marL="2286000" lvl="4" indent="-228600">
+              <a:spcBef>
+                <a:spcPts val="0"/>
+              </a:spcBef>
+              <a:spcAft>
+                <a:spcPts val="0"/>
+              </a:spcAft>
+              <a:buSzPts val="1400"/>
+              <a:buNone/>
+              <a:defRPr sz="1800"/>
+            </a:lvl5pPr>
+            <a:lvl6pPr marL="2743200" lvl="5" indent="-228600">
+              <a:spcBef>
+                <a:spcPts val="0"/>
+              </a:spcBef>
+              <a:spcAft>
+                <a:spcPts val="0"/>
+              </a:spcAft>
+              <a:buSzPts val="1400"/>
+              <a:buNone/>
+              <a:defRPr sz="1800"/>
+            </a:lvl6pPr>
+            <a:lvl7pPr marL="3200400" lvl="6" indent="-228600">
+              <a:spcBef>
+                <a:spcPts val="0"/>
+              </a:spcBef>
+              <a:spcAft>
+                <a:spcPts val="0"/>
+              </a:spcAft>
+              <a:buSzPts val="1400"/>
+              <a:buNone/>
+              <a:defRPr sz="1800"/>
+            </a:lvl7pPr>
+            <a:lvl8pPr marL="3657600" lvl="7" indent="-228600">
+              <a:spcBef>
+                <a:spcPts val="0"/>
+              </a:spcBef>
+              <a:spcAft>
+                <a:spcPts val="0"/>
+              </a:spcAft>
+              <a:buSzPts val="1400"/>
+              <a:buNone/>
+              <a:defRPr sz="1800"/>
+            </a:lvl8pPr>
+            <a:lvl9pPr marL="4114800" lvl="8" indent="-228600">
+              <a:spcBef>
+                <a:spcPts val="0"/>
+              </a:spcBef>
+              <a:spcAft>
+                <a:spcPts val="0"/>
+              </a:spcAft>
+              <a:buSzPts val="1400"/>
+              <a:buNone/>
+              <a:defRPr sz="1800"/>
+            </a:lvl9pPr>
+          </a:lstStyle>
+          <a:p>
+            <a:endParaRPr/>
+          </a:p>
+        </p:txBody>
+      </p:sp>
+      <p:sp>
+        <p:nvSpPr>
+          <p:cNvPr id="60" name="Shape 60"/>
+          <p:cNvSpPr txBox="1">
+            <a:spLocks noGrp="1"/>
+          </p:cNvSpPr>
+          <p:nvPr>
+            <p:ph type="body" idx="3"/>
+          </p:nvPr>
+        </p:nvSpPr>
+        <p:spPr>
+          <a:xfrm>
+            <a:off x="5152680" y="4059360"/>
+            <a:ext cx="4426920" cy="2091240"/>
+          </a:xfrm>
+          <a:prstGeom prst="rect">
+            <a:avLst/>
+          </a:prstGeom>
+          <a:noFill/>
+          <a:ln>
+            <a:noFill/>
+          </a:ln>
+        </p:spPr>
+        <p:txBody>
+          <a:bodyPr spcFirstLastPara="1" wrap="square" lIns="0" tIns="0" rIns="0" bIns="0" anchor="t" anchorCtr="0"/>
+          <a:lstStyle>
+            <a:lvl1pPr marL="457200" lvl="0" indent="-228600">
+              <a:spcBef>
+                <a:spcPts val="0"/>
+              </a:spcBef>
+              <a:spcAft>
+                <a:spcPts val="0"/>
+              </a:spcAft>
+              <a:buSzPts val="1400"/>
+              <a:buNone/>
+              <a:defRPr sz="1800"/>
+            </a:lvl1pPr>
+            <a:lvl2pPr marL="914400" lvl="1" indent="-228600">
+              <a:spcBef>
+                <a:spcPts val="0"/>
+              </a:spcBef>
+              <a:spcAft>
+                <a:spcPts val="0"/>
+              </a:spcAft>
+              <a:buSzPts val="1400"/>
+              <a:buNone/>
+              <a:defRPr sz="1800"/>
+            </a:lvl2pPr>
+            <a:lvl3pPr marL="1371600" lvl="2" indent="-228600">
+              <a:spcBef>
+                <a:spcPts val="0"/>
+              </a:spcBef>
+              <a:spcAft>
+                <a:spcPts val="0"/>
+              </a:spcAft>
+              <a:buSzPts val="1400"/>
+              <a:buNone/>
+              <a:defRPr sz="1800"/>
+            </a:lvl3pPr>
+            <a:lvl4pPr marL="1828800" lvl="3" indent="-228600">
+              <a:spcBef>
+                <a:spcPts val="0"/>
+              </a:spcBef>
+              <a:spcAft>
+                <a:spcPts val="0"/>
+              </a:spcAft>
+              <a:buSzPts val="1400"/>
+              <a:buNone/>
+              <a:defRPr sz="1800"/>
+            </a:lvl4pPr>
+            <a:lvl5pPr marL="2286000" lvl="4" indent="-228600">
+              <a:spcBef>
+                <a:spcPts val="0"/>
+              </a:spcBef>
+              <a:spcAft>
+                <a:spcPts val="0"/>
+              </a:spcAft>
+              <a:buSzPts val="1400"/>
+              <a:buNone/>
+              <a:defRPr sz="1800"/>
+            </a:lvl5pPr>
+            <a:lvl6pPr marL="2743200" lvl="5" indent="-228600">
+              <a:spcBef>
+                <a:spcPts val="0"/>
+              </a:spcBef>
+              <a:spcAft>
+                <a:spcPts val="0"/>
+              </a:spcAft>
+              <a:buSzPts val="1400"/>
+              <a:buNone/>
+              <a:defRPr sz="1800"/>
+            </a:lvl6pPr>
+            <a:lvl7pPr marL="3200400" lvl="6" indent="-228600">
+              <a:spcBef>
+                <a:spcPts val="0"/>
+              </a:spcBef>
+              <a:spcAft>
+                <a:spcPts val="0"/>
+              </a:spcAft>
+              <a:buSzPts val="1400"/>
+              <a:buNone/>
+              <a:defRPr sz="1800"/>
+            </a:lvl7pPr>
+            <a:lvl8pPr marL="3657600" lvl="7" indent="-228600">
+              <a:spcBef>
+                <a:spcPts val="0"/>
+              </a:spcBef>
+              <a:spcAft>
+                <a:spcPts val="0"/>
+              </a:spcAft>
+              <a:buSzPts val="1400"/>
+              <a:buNone/>
+              <a:defRPr sz="1800"/>
+            </a:lvl8pPr>
+            <a:lvl9pPr marL="4114800" lvl="8" indent="-228600">
+              <a:spcBef>
+                <a:spcPts val="0"/>
+              </a:spcBef>
+              <a:spcAft>
+                <a:spcPts val="0"/>
+              </a:spcAft>
+              <a:buSzPts val="1400"/>
+              <a:buNone/>
+              <a:defRPr sz="1800"/>
+            </a:lvl9pPr>
+          </a:lstStyle>
+          <a:p>
+            <a:endParaRPr/>
+          </a:p>
+        </p:txBody>
+      </p:sp>
+      <p:sp>
+        <p:nvSpPr>
+          <p:cNvPr id="61" name="Shape 61"/>
+          <p:cNvSpPr txBox="1">
+            <a:spLocks noGrp="1"/>
+          </p:cNvSpPr>
+          <p:nvPr>
+            <p:ph type="body" idx="4"/>
+          </p:nvPr>
+        </p:nvSpPr>
+        <p:spPr>
+          <a:xfrm>
+            <a:off x="504000" y="4059360"/>
+            <a:ext cx="4426920" cy="2091240"/>
+          </a:xfrm>
+          <a:prstGeom prst="rect">
+            <a:avLst/>
+          </a:prstGeom>
+          <a:noFill/>
+          <a:ln>
+            <a:noFill/>
+          </a:ln>
+        </p:spPr>
+        <p:txBody>
+          <a:bodyPr spcFirstLastPara="1" wrap="square" lIns="0" tIns="0" rIns="0" bIns="0" anchor="t" anchorCtr="0"/>
+          <a:lstStyle>
+            <a:lvl1pPr marL="457200" lvl="0" indent="-228600">
+              <a:spcBef>
+                <a:spcPts val="0"/>
+              </a:spcBef>
+              <a:spcAft>
+                <a:spcPts val="0"/>
+              </a:spcAft>
+              <a:buSzPts val="1400"/>
+              <a:buNone/>
+              <a:defRPr sz="1800"/>
+            </a:lvl1pPr>
+            <a:lvl2pPr marL="914400" lvl="1" indent="-228600">
+              <a:spcBef>
+                <a:spcPts val="0"/>
+              </a:spcBef>
+              <a:spcAft>
+                <a:spcPts val="0"/>
+              </a:spcAft>
+              <a:buSzPts val="1400"/>
+              <a:buNone/>
+              <a:defRPr sz="1800"/>
+            </a:lvl2pPr>
+            <a:lvl3pPr marL="1371600" lvl="2" indent="-228600">
+              <a:spcBef>
+                <a:spcPts val="0"/>
+              </a:spcBef>
+              <a:spcAft>
+                <a:spcPts val="0"/>
+              </a:spcAft>
+              <a:buSzPts val="1400"/>
+              <a:buNone/>
+              <a:defRPr sz="1800"/>
+            </a:lvl3pPr>
+            <a:lvl4pPr marL="1828800" lvl="3" indent="-228600">
+              <a:spcBef>
+                <a:spcPts val="0"/>
+              </a:spcBef>
+              <a:spcAft>
+                <a:spcPts val="0"/>
+              </a:spcAft>
+              <a:buSzPts val="1400"/>
+              <a:buNone/>
+              <a:defRPr sz="1800"/>
+            </a:lvl4pPr>
+            <a:lvl5pPr marL="2286000" lvl="4" indent="-228600">
+              <a:spcBef>
+                <a:spcPts val="0"/>
+              </a:spcBef>
+              <a:spcAft>
+                <a:spcPts val="0"/>
+              </a:spcAft>
+              <a:buSzPts val="1400"/>
+              <a:buNone/>
+              <a:defRPr sz="1800"/>
+            </a:lvl5pPr>
+            <a:lvl6pPr marL="2743200" lvl="5" indent="-228600">
+              <a:spcBef>
+                <a:spcPts val="0"/>
+              </a:spcBef>
+              <a:spcAft>
+                <a:spcPts val="0"/>
+              </a:spcAft>
+              <a:buSzPts val="1400"/>
+              <a:buNone/>
+              <a:defRPr sz="1800"/>
+            </a:lvl6pPr>
+            <a:lvl7pPr marL="3200400" lvl="6" indent="-228600">
+              <a:spcBef>
+                <a:spcPts val="0"/>
+              </a:spcBef>
+              <a:spcAft>
+                <a:spcPts val="0"/>
+              </a:spcAft>
+              <a:buSzPts val="1400"/>
+              <a:buNone/>
+              <a:defRPr sz="1800"/>
+            </a:lvl7pPr>
+            <a:lvl8pPr marL="3657600" lvl="7" indent="-228600">
+              <a:spcBef>
+                <a:spcPts val="0"/>
+              </a:spcBef>
+              <a:spcAft>
+                <a:spcPts val="0"/>
+              </a:spcAft>
+              <a:buSzPts val="1400"/>
+              <a:buNone/>
+              <a:defRPr sz="1800"/>
+            </a:lvl8pPr>
+            <a:lvl9pPr marL="4114800" lvl="8" indent="-228600">
+              <a:spcBef>
+                <a:spcPts val="0"/>
+              </a:spcBef>
+              <a:spcAft>
+                <a:spcPts val="0"/>
+              </a:spcAft>
+              <a:buSzPts val="1400"/>
+              <a:buNone/>
+              <a:defRPr sz="1800"/>
+            </a:lvl9pPr>
+          </a:lstStyle>
+          <a:p>
+            <a:endParaRPr/>
+          </a:p>
+        </p:txBody>
+      </p:sp>
+    </p:spTree>
+  </p:cSld>
+  <p:clrMapOvr>
+    <a:masterClrMapping/>
+  </p:clrMapOvr>
+</p:sldLayout>
+</file>
+
+<file path=ppt/slideLayouts/slideLayout11.xml><?xml version="1.0" encoding="utf-8"?>
+<p:sldLayout xmlns:a="http://schemas.openxmlformats.org/drawingml/2006/main" xmlns:r="http://schemas.openxmlformats.org/officeDocument/2006/relationships" xmlns:p="http://schemas.openxmlformats.org/presentationml/2006/main" matchingName="Title, 6 Content">
+  <p:cSld name="Title, 6 Content">
+    <p:spTree>
+      <p:nvGrpSpPr>
+        <p:cNvPr id="1" name="Shape 62"/>
+        <p:cNvGrpSpPr/>
+        <p:nvPr/>
+      </p:nvGrpSpPr>
+      <p:grpSpPr>
+        <a:xfrm>
+          <a:off x="0" y="0"/>
+          <a:ext cx="0" cy="0"/>
+          <a:chOff x="0" y="0"/>
+          <a:chExt cx="0" cy="0"/>
+        </a:xfrm>
+      </p:grpSpPr>
+      <p:sp>
+        <p:nvSpPr>
+          <p:cNvPr id="63" name="Shape 63"/>
+          <p:cNvSpPr txBox="1">
+            <a:spLocks noGrp="1"/>
+          </p:cNvSpPr>
+          <p:nvPr>
+            <p:ph type="title"/>
+          </p:nvPr>
+        </p:nvSpPr>
+        <p:spPr>
+          <a:xfrm>
+            <a:off x="504000" y="301320"/>
+            <a:ext cx="9071640" cy="1262160"/>
+          </a:xfrm>
+          <a:prstGeom prst="rect">
+            <a:avLst/>
+          </a:prstGeom>
+          <a:noFill/>
+          <a:ln>
+            <a:noFill/>
+          </a:ln>
+        </p:spPr>
+        <p:txBody>
+          <a:bodyPr spcFirstLastPara="1" wrap="square" lIns="0" tIns="0" rIns="0" bIns="0" anchor="ctr" anchorCtr="0"/>
+          <a:lstStyle>
+            <a:lvl1pPr lvl="0">
+              <a:spcBef>
+                <a:spcPts val="0"/>
+              </a:spcBef>
+              <a:spcAft>
+                <a:spcPts val="0"/>
+              </a:spcAft>
+              <a:buSzPts val="1400"/>
+              <a:buNone/>
+              <a:defRPr sz="1800"/>
+            </a:lvl1pPr>
+            <a:lvl2pPr lvl="1">
+              <a:spcBef>
+                <a:spcPts val="0"/>
+              </a:spcBef>
+              <a:spcAft>
+                <a:spcPts val="0"/>
+              </a:spcAft>
+              <a:buSzPts val="1400"/>
+              <a:buNone/>
+              <a:defRPr sz="1800"/>
+            </a:lvl2pPr>
+            <a:lvl3pPr lvl="2">
+              <a:spcBef>
+                <a:spcPts val="0"/>
+              </a:spcBef>
+              <a:spcAft>
+                <a:spcPts val="0"/>
+              </a:spcAft>
+              <a:buSzPts val="1400"/>
+              <a:buNone/>
+              <a:defRPr sz="1800"/>
+            </a:lvl3pPr>
+            <a:lvl4pPr lvl="3">
+              <a:spcBef>
+                <a:spcPts val="0"/>
+              </a:spcBef>
+              <a:spcAft>
+                <a:spcPts val="0"/>
+              </a:spcAft>
+              <a:buSzPts val="1400"/>
+              <a:buNone/>
+              <a:defRPr sz="1800"/>
+            </a:lvl4pPr>
+            <a:lvl5pPr lvl="4">
+              <a:spcBef>
+                <a:spcPts val="0"/>
+              </a:spcBef>
+              <a:spcAft>
+                <a:spcPts val="0"/>
+              </a:spcAft>
+              <a:buSzPts val="1400"/>
+              <a:buNone/>
+              <a:defRPr sz="1800"/>
+            </a:lvl5pPr>
+            <a:lvl6pPr lvl="5">
+              <a:spcBef>
+                <a:spcPts val="0"/>
+              </a:spcBef>
+              <a:spcAft>
+                <a:spcPts val="0"/>
+              </a:spcAft>
+              <a:buSzPts val="1400"/>
+              <a:buNone/>
+              <a:defRPr sz="1800"/>
+            </a:lvl6pPr>
+            <a:lvl7pPr lvl="6">
+              <a:spcBef>
+                <a:spcPts val="0"/>
+              </a:spcBef>
+              <a:spcAft>
+                <a:spcPts val="0"/>
+              </a:spcAft>
+              <a:buSzPts val="1400"/>
+              <a:buNone/>
+              <a:defRPr sz="1800"/>
+            </a:lvl7pPr>
+            <a:lvl8pPr lvl="7">
+              <a:spcBef>
+                <a:spcPts val="0"/>
+              </a:spcBef>
+              <a:spcAft>
+                <a:spcPts val="0"/>
+              </a:spcAft>
+              <a:buSzPts val="1400"/>
+              <a:buNone/>
+              <a:defRPr sz="1800"/>
+            </a:lvl8pPr>
+            <a:lvl9pPr lvl="8">
+              <a:spcBef>
+                <a:spcPts val="0"/>
+              </a:spcBef>
+              <a:spcAft>
+                <a:spcPts val="0"/>
+              </a:spcAft>
+              <a:buSzPts val="1400"/>
+              <a:buNone/>
+              <a:defRPr sz="1800"/>
+            </a:lvl9pPr>
+          </a:lstStyle>
+          <a:p>
+            <a:endParaRPr/>
+          </a:p>
+        </p:txBody>
+      </p:sp>
+      <p:sp>
+        <p:nvSpPr>
+          <p:cNvPr id="64" name="Shape 64"/>
+          <p:cNvSpPr txBox="1">
+            <a:spLocks noGrp="1"/>
+          </p:cNvSpPr>
+          <p:nvPr>
+            <p:ph type="body" idx="1"/>
+          </p:nvPr>
+        </p:nvSpPr>
+        <p:spPr>
+          <a:xfrm>
+            <a:off x="504000" y="1769040"/>
+            <a:ext cx="9071640" cy="4384440"/>
+          </a:xfrm>
+          <a:prstGeom prst="rect">
+            <a:avLst/>
+          </a:prstGeom>
+          <a:noFill/>
+          <a:ln>
+            <a:noFill/>
+          </a:ln>
+        </p:spPr>
+        <p:txBody>
+          <a:bodyPr spcFirstLastPara="1" wrap="square" lIns="0" tIns="0" rIns="0" bIns="0" anchor="t" anchorCtr="0"/>
+          <a:lstStyle>
+            <a:lvl1pPr marL="457200" lvl="0" indent="-228600">
+              <a:spcBef>
+                <a:spcPts val="0"/>
+              </a:spcBef>
+              <a:spcAft>
+                <a:spcPts val="0"/>
+              </a:spcAft>
+              <a:buSzPts val="1400"/>
+              <a:buNone/>
+              <a:defRPr sz="1800"/>
+            </a:lvl1pPr>
+            <a:lvl2pPr marL="914400" lvl="1" indent="-228600">
+              <a:spcBef>
+                <a:spcPts val="0"/>
+              </a:spcBef>
+              <a:spcAft>
+                <a:spcPts val="0"/>
+              </a:spcAft>
+              <a:buSzPts val="1400"/>
+              <a:buNone/>
+              <a:defRPr sz="1800"/>
+            </a:lvl2pPr>
+            <a:lvl3pPr marL="1371600" lvl="2" indent="-228600">
+              <a:spcBef>
+                <a:spcPts val="0"/>
+              </a:spcBef>
+              <a:spcAft>
+                <a:spcPts val="0"/>
+              </a:spcAft>
+              <a:buSzPts val="1400"/>
+              <a:buNone/>
+              <a:defRPr sz="1800"/>
+            </a:lvl3pPr>
+            <a:lvl4pPr marL="1828800" lvl="3" indent="-228600">
+              <a:spcBef>
+                <a:spcPts val="0"/>
+              </a:spcBef>
+              <a:spcAft>
+                <a:spcPts val="0"/>
+              </a:spcAft>
+              <a:buSzPts val="1400"/>
+              <a:buNone/>
+              <a:defRPr sz="1800"/>
+            </a:lvl4pPr>
+            <a:lvl5pPr marL="2286000" lvl="4" indent="-228600">
+              <a:spcBef>
+                <a:spcPts val="0"/>
+              </a:spcBef>
+              <a:spcAft>
+                <a:spcPts val="0"/>
+              </a:spcAft>
+              <a:buSzPts val="1400"/>
+              <a:buNone/>
+              <a:defRPr sz="1800"/>
+            </a:lvl5pPr>
+            <a:lvl6pPr marL="2743200" lvl="5" indent="-228600">
+              <a:spcBef>
+                <a:spcPts val="0"/>
+              </a:spcBef>
+              <a:spcAft>
+                <a:spcPts val="0"/>
+              </a:spcAft>
+              <a:buSzPts val="1400"/>
+              <a:buNone/>
+              <a:defRPr sz="1800"/>
+            </a:lvl6pPr>
+            <a:lvl7pPr marL="3200400" lvl="6" indent="-228600">
+              <a:spcBef>
+                <a:spcPts val="0"/>
+              </a:spcBef>
+              <a:spcAft>
+                <a:spcPts val="0"/>
+              </a:spcAft>
+              <a:buSzPts val="1400"/>
+              <a:buNone/>
+              <a:defRPr sz="1800"/>
+            </a:lvl7pPr>
+            <a:lvl8pPr marL="3657600" lvl="7" indent="-228600">
+              <a:spcBef>
+                <a:spcPts val="0"/>
+              </a:spcBef>
+              <a:spcAft>
+                <a:spcPts val="0"/>
+              </a:spcAft>
+              <a:buSzPts val="1400"/>
+              <a:buNone/>
+              <a:defRPr sz="1800"/>
+            </a:lvl8pPr>
+            <a:lvl9pPr marL="4114800" lvl="8" indent="-228600">
+              <a:spcBef>
+                <a:spcPts val="0"/>
+              </a:spcBef>
+              <a:spcAft>
+                <a:spcPts val="0"/>
+              </a:spcAft>
+              <a:buSzPts val="1400"/>
+              <a:buNone/>
+              <a:defRPr sz="1800"/>
+            </a:lvl9pPr>
+          </a:lstStyle>
+          <a:p>
+            <a:endParaRPr/>
+          </a:p>
+        </p:txBody>
+      </p:sp>
+      <p:sp>
+        <p:nvSpPr>
+          <p:cNvPr id="65" name="Shape 65"/>
+          <p:cNvSpPr txBox="1">
+            <a:spLocks noGrp="1"/>
+          </p:cNvSpPr>
+          <p:nvPr>
+            <p:ph type="body" idx="2"/>
+          </p:nvPr>
+        </p:nvSpPr>
+        <p:spPr>
+          <a:xfrm>
+            <a:off x="504000" y="1769040"/>
+            <a:ext cx="9071640" cy="4384440"/>
+          </a:xfrm>
+          <a:prstGeom prst="rect">
+            <a:avLst/>
+          </a:prstGeom>
+          <a:noFill/>
+          <a:ln>
+            <a:noFill/>
+          </a:ln>
+        </p:spPr>
+        <p:txBody>
+          <a:bodyPr spcFirstLastPara="1" wrap="square" lIns="0" tIns="0" rIns="0" bIns="0" anchor="t" anchorCtr="0"/>
+          <a:lstStyle>
+            <a:lvl1pPr marL="457200" lvl="0" indent="-228600">
+              <a:spcBef>
+                <a:spcPts val="0"/>
+              </a:spcBef>
+              <a:spcAft>
+                <a:spcPts val="0"/>
+              </a:spcAft>
+              <a:buSzPts val="1400"/>
+              <a:buNone/>
+              <a:defRPr sz="1800"/>
+            </a:lvl1pPr>
+            <a:lvl2pPr marL="914400" lvl="1" indent="-228600">
+              <a:spcBef>
+                <a:spcPts val="0"/>
+              </a:spcBef>
+              <a:spcAft>
+                <a:spcPts val="0"/>
+              </a:spcAft>
+              <a:buSzPts val="1400"/>
+              <a:buNone/>
+              <a:defRPr sz="1800"/>
+            </a:lvl2pPr>
+            <a:lvl3pPr marL="1371600" lvl="2" indent="-228600">
+              <a:spcBef>
+                <a:spcPts val="0"/>
+              </a:spcBef>
+              <a:spcAft>
+                <a:spcPts val="0"/>
+              </a:spcAft>
+              <a:buSzPts val="1400"/>
+              <a:buNone/>
+              <a:defRPr sz="1800"/>
+            </a:lvl3pPr>
+            <a:lvl4pPr marL="1828800" lvl="3" indent="-228600">
+              <a:spcBef>
+                <a:spcPts val="0"/>
+              </a:spcBef>
+              <a:spcAft>
+                <a:spcPts val="0"/>
+              </a:spcAft>
+              <a:buSzPts val="1400"/>
+              <a:buNone/>
+              <a:defRPr sz="1800"/>
+            </a:lvl4pPr>
+            <a:lvl5pPr marL="2286000" lvl="4" indent="-228600">
+              <a:spcBef>
+                <a:spcPts val="0"/>
+              </a:spcBef>
+              <a:spcAft>
+                <a:spcPts val="0"/>
+              </a:spcAft>
+              <a:buSzPts val="1400"/>
+              <a:buNone/>
+              <a:defRPr sz="1800"/>
+            </a:lvl5pPr>
+            <a:lvl6pPr marL="2743200" lvl="5" indent="-228600">
+              <a:spcBef>
+                <a:spcPts val="0"/>
+              </a:spcBef>
+              <a:spcAft>
+                <a:spcPts val="0"/>
+              </a:spcAft>
+              <a:buSzPts val="1400"/>
+              <a:buNone/>
+              <a:defRPr sz="1800"/>
+            </a:lvl6pPr>
+            <a:lvl7pPr marL="3200400" lvl="6" indent="-228600">
+              <a:spcBef>
+                <a:spcPts val="0"/>
+              </a:spcBef>
+              <a:spcAft>
+                <a:spcPts val="0"/>
+              </a:spcAft>
+              <a:buSzPts val="1400"/>
+              <a:buNone/>
+              <a:defRPr sz="1800"/>
+            </a:lvl7pPr>
+            <a:lvl8pPr marL="3657600" lvl="7" indent="-228600">
+              <a:spcBef>
+                <a:spcPts val="0"/>
+              </a:spcBef>
+              <a:spcAft>
+                <a:spcPts val="0"/>
+              </a:spcAft>
+              <a:buSzPts val="1400"/>
+              <a:buNone/>
+              <a:defRPr sz="1800"/>
+            </a:lvl8pPr>
+            <a:lvl9pPr marL="4114800" lvl="8" indent="-228600">
+              <a:spcBef>
+                <a:spcPts val="0"/>
+              </a:spcBef>
+              <a:spcAft>
+                <a:spcPts val="0"/>
+              </a:spcAft>
+              <a:buSzPts val="1400"/>
+              <a:buNone/>
+              <a:defRPr sz="1800"/>
+            </a:lvl9pPr>
+          </a:lstStyle>
+          <a:p>
+            <a:endParaRPr/>
+          </a:p>
+        </p:txBody>
+      </p:sp>
+      <p:pic>
+        <p:nvPicPr>
+          <p:cNvPr id="66" name="Shape 66"/>
+          <p:cNvPicPr preferRelativeResize="0"/>
+          <p:nvPr/>
+        </p:nvPicPr>
+        <p:blipFill rotWithShape="1">
+          <a:blip r:embed="rId2">
+            <a:alphaModFix/>
+          </a:blip>
+          <a:srcRect/>
+          <a:stretch/>
+        </p:blipFill>
+        <p:spPr>
+          <a:xfrm>
+            <a:off x="2292120" y="1768680"/>
+            <a:ext cx="5495040" cy="4384440"/>
+          </a:xfrm>
+          <a:prstGeom prst="rect">
+            <a:avLst/>
+          </a:prstGeom>
+          <a:noFill/>
+          <a:ln>
+            <a:noFill/>
+          </a:ln>
+        </p:spPr>
+      </p:pic>
+      <p:pic>
+        <p:nvPicPr>
+          <p:cNvPr id="67" name="Shape 67"/>
+          <p:cNvPicPr preferRelativeResize="0"/>
+          <p:nvPr/>
+        </p:nvPicPr>
+        <p:blipFill rotWithShape="1">
+          <a:blip r:embed="rId2">
+            <a:alphaModFix/>
+          </a:blip>
+          <a:srcRect/>
+          <a:stretch/>
+        </p:blipFill>
+        <p:spPr>
+          <a:xfrm>
+            <a:off x="2292120" y="1768680"/>
+            <a:ext cx="5495040" cy="4384440"/>
+          </a:xfrm>
+          <a:prstGeom prst="rect">
+            <a:avLst/>
+          </a:prstGeom>
+          <a:noFill/>
+          <a:ln>
+            <a:noFill/>
+          </a:ln>
+        </p:spPr>
+      </p:pic>
+    </p:spTree>
+  </p:cSld>
+  <p:clrMapOvr>
+    <a:masterClrMapping/>
+  </p:clrMapOvr>
+</p:sldLayout>
+</file>
+
+<file path=ppt/slideLayouts/slideLayout2.xml><?xml version="1.0" encoding="utf-8"?>
+<p:sldLayout xmlns:a="http://schemas.openxmlformats.org/drawingml/2006/main" xmlns:r="http://schemas.openxmlformats.org/officeDocument/2006/relationships" xmlns:p="http://schemas.openxmlformats.org/presentationml/2006/main" matchingName="Title, Content" type="obj">
+  <p:cSld name="OBJECT">
+    <p:spTree>
+      <p:nvGrpSpPr>
+        <p:cNvPr id="1" name="Shape 26"/>
+        <p:cNvGrpSpPr/>
+        <p:nvPr/>
+      </p:nvGrpSpPr>
+      <p:grpSpPr>
+        <a:xfrm>
+          <a:off x="0" y="0"/>
+          <a:ext cx="0" cy="0"/>
+          <a:chOff x="0" y="0"/>
+          <a:chExt cx="0" cy="0"/>
+        </a:xfrm>
+      </p:grpSpPr>
+      <p:sp>
+        <p:nvSpPr>
+          <p:cNvPr id="27" name="Shape 27"/>
+          <p:cNvSpPr txBox="1">
+            <a:spLocks noGrp="1"/>
+          </p:cNvSpPr>
+          <p:nvPr>
+            <p:ph type="title"/>
+          </p:nvPr>
+        </p:nvSpPr>
+        <p:spPr>
+          <a:xfrm>
+            <a:off x="504000" y="301320"/>
+            <a:ext cx="9071640" cy="1262160"/>
+          </a:xfrm>
+          <a:prstGeom prst="rect">
+            <a:avLst/>
+          </a:prstGeom>
+          <a:noFill/>
+          <a:ln>
+            <a:noFill/>
+          </a:ln>
+        </p:spPr>
+        <p:txBody>
+          <a:bodyPr spcFirstLastPara="1" wrap="square" lIns="0" tIns="0" rIns="0" bIns="0" anchor="ctr" anchorCtr="0"/>
+          <a:lstStyle>
+            <a:lvl1pPr lvl="0">
+              <a:spcBef>
+                <a:spcPts val="0"/>
+              </a:spcBef>
+              <a:spcAft>
+                <a:spcPts val="0"/>
+              </a:spcAft>
+              <a:buSzPts val="1400"/>
+              <a:buNone/>
+              <a:defRPr sz="1800"/>
+            </a:lvl1pPr>
+            <a:lvl2pPr lvl="1">
+              <a:spcBef>
+                <a:spcPts val="0"/>
+              </a:spcBef>
+              <a:spcAft>
+                <a:spcPts val="0"/>
+              </a:spcAft>
+              <a:buSzPts val="1400"/>
+              <a:buNone/>
+              <a:defRPr sz="1800"/>
+            </a:lvl2pPr>
+            <a:lvl3pPr lvl="2">
+              <a:spcBef>
+                <a:spcPts val="0"/>
+              </a:spcBef>
+              <a:spcAft>
+                <a:spcPts val="0"/>
+              </a:spcAft>
+              <a:buSzPts val="1400"/>
+              <a:buNone/>
+              <a:defRPr sz="1800"/>
+            </a:lvl3pPr>
+            <a:lvl4pPr lvl="3">
+              <a:spcBef>
+                <a:spcPts val="0"/>
+              </a:spcBef>
+              <a:spcAft>
+                <a:spcPts val="0"/>
+              </a:spcAft>
+              <a:buSzPts val="1400"/>
+              <a:buNone/>
+              <a:defRPr sz="1800"/>
+            </a:lvl4pPr>
+            <a:lvl5pPr lvl="4">
+              <a:spcBef>
+                <a:spcPts val="0"/>
+              </a:spcBef>
+              <a:spcAft>
+                <a:spcPts val="0"/>
+              </a:spcAft>
+              <a:buSzPts val="1400"/>
+              <a:buNone/>
+              <a:defRPr sz="1800"/>
+            </a:lvl5pPr>
+            <a:lvl6pPr lvl="5">
+              <a:spcBef>
+                <a:spcPts val="0"/>
+              </a:spcBef>
+              <a:spcAft>
+                <a:spcPts val="0"/>
+              </a:spcAft>
+              <a:buSzPts val="1400"/>
+              <a:buNone/>
+              <a:defRPr sz="1800"/>
+            </a:lvl6pPr>
+            <a:lvl7pPr lvl="6">
+              <a:spcBef>
+                <a:spcPts val="0"/>
+              </a:spcBef>
+              <a:spcAft>
+                <a:spcPts val="0"/>
+              </a:spcAft>
+              <a:buSzPts val="1400"/>
+              <a:buNone/>
+              <a:defRPr sz="1800"/>
+            </a:lvl7pPr>
+            <a:lvl8pPr lvl="7">
+              <a:spcBef>
+                <a:spcPts val="0"/>
+              </a:spcBef>
+              <a:spcAft>
+                <a:spcPts val="0"/>
+              </a:spcAft>
+              <a:buSzPts val="1400"/>
+              <a:buNone/>
+              <a:defRPr sz="1800"/>
+            </a:lvl8pPr>
+            <a:lvl9pPr lvl="8">
+              <a:spcBef>
+                <a:spcPts val="0"/>
+              </a:spcBef>
+              <a:spcAft>
+                <a:spcPts val="0"/>
+              </a:spcAft>
+              <a:buSzPts val="1400"/>
+              <a:buNone/>
+              <a:defRPr sz="1800"/>
+            </a:lvl9pPr>
+          </a:lstStyle>
+          <a:p>
+            <a:endParaRPr/>
+          </a:p>
+        </p:txBody>
+      </p:sp>
+      <p:sp>
+        <p:nvSpPr>
+          <p:cNvPr id="28" name="Shape 28"/>
+          <p:cNvSpPr txBox="1">
+            <a:spLocks noGrp="1"/>
+          </p:cNvSpPr>
+          <p:nvPr>
+            <p:ph type="body" idx="1"/>
+          </p:nvPr>
+        </p:nvSpPr>
+        <p:spPr>
+          <a:xfrm>
+            <a:off x="504000" y="1769040"/>
+            <a:ext cx="9071640" cy="4384440"/>
+          </a:xfrm>
+          <a:prstGeom prst="rect">
+            <a:avLst/>
+          </a:prstGeom>
+          <a:noFill/>
+          <a:ln>
+            <a:noFill/>
+          </a:ln>
+        </p:spPr>
+        <p:txBody>
+          <a:bodyPr spcFirstLastPara="1" wrap="square" lIns="0" tIns="0" rIns="0" bIns="0" anchor="t" anchorCtr="0"/>
+          <a:lstStyle>
+            <a:lvl1pPr marL="457200" lvl="0" indent="-228600">
+              <a:spcBef>
+                <a:spcPts val="0"/>
+              </a:spcBef>
+              <a:spcAft>
+                <a:spcPts val="0"/>
+              </a:spcAft>
+              <a:buSzPts val="1400"/>
+              <a:buNone/>
+              <a:defRPr sz="1800"/>
+            </a:lvl1pPr>
+            <a:lvl2pPr marL="914400" lvl="1" indent="-228600">
+              <a:spcBef>
+                <a:spcPts val="0"/>
+              </a:spcBef>
+              <a:spcAft>
+                <a:spcPts val="0"/>
+              </a:spcAft>
+              <a:buSzPts val="1400"/>
+              <a:buNone/>
+              <a:defRPr sz="1800"/>
+            </a:lvl2pPr>
+            <a:lvl3pPr marL="1371600" lvl="2" indent="-228600">
+              <a:spcBef>
+                <a:spcPts val="0"/>
+              </a:spcBef>
+              <a:spcAft>
+                <a:spcPts val="0"/>
+              </a:spcAft>
+              <a:buSzPts val="1400"/>
+              <a:buNone/>
+              <a:defRPr sz="1800"/>
+            </a:lvl3pPr>
+            <a:lvl4pPr marL="1828800" lvl="3" indent="-228600">
+              <a:spcBef>
+                <a:spcPts val="0"/>
+              </a:spcBef>
+              <a:spcAft>
+                <a:spcPts val="0"/>
+              </a:spcAft>
+              <a:buSzPts val="1400"/>
+              <a:buNone/>
+              <a:defRPr sz="1800"/>
+            </a:lvl4pPr>
+            <a:lvl5pPr marL="2286000" lvl="4" indent="-228600">
+              <a:spcBef>
+                <a:spcPts val="0"/>
+              </a:spcBef>
+              <a:spcAft>
+                <a:spcPts val="0"/>
+              </a:spcAft>
+              <a:buSzPts val="1400"/>
+              <a:buNone/>
+              <a:defRPr sz="1800"/>
+            </a:lvl5pPr>
+            <a:lvl6pPr marL="2743200" lvl="5" indent="-228600">
+              <a:spcBef>
+                <a:spcPts val="0"/>
+              </a:spcBef>
+              <a:spcAft>
+                <a:spcPts val="0"/>
+              </a:spcAft>
+              <a:buSzPts val="1400"/>
+              <a:buNone/>
+              <a:defRPr sz="1800"/>
+            </a:lvl6pPr>
+            <a:lvl7pPr marL="3200400" lvl="6" indent="-228600">
+              <a:spcBef>
+                <a:spcPts val="0"/>
+              </a:spcBef>
+              <a:spcAft>
+                <a:spcPts val="0"/>
+              </a:spcAft>
+              <a:buSzPts val="1400"/>
+              <a:buNone/>
+              <a:defRPr sz="1800"/>
+            </a:lvl7pPr>
+            <a:lvl8pPr marL="3657600" lvl="7" indent="-228600">
+              <a:spcBef>
+                <a:spcPts val="0"/>
+              </a:spcBef>
+              <a:spcAft>
+                <a:spcPts val="0"/>
+              </a:spcAft>
+              <a:buSzPts val="1400"/>
+              <a:buNone/>
+              <a:defRPr sz="1800"/>
+            </a:lvl8pPr>
+            <a:lvl9pPr marL="4114800" lvl="8" indent="-228600">
+              <a:spcBef>
+                <a:spcPts val="0"/>
+              </a:spcBef>
+              <a:spcAft>
+                <a:spcPts val="0"/>
+              </a:spcAft>
+              <a:buSzPts val="1400"/>
+              <a:buNone/>
+              <a:defRPr sz="1800"/>
+            </a:lvl9pPr>
+          </a:lstStyle>
+          <a:p>
+            <a:endParaRPr/>
+          </a:p>
+        </p:txBody>
+      </p:sp>
+    </p:spTree>
+  </p:cSld>
+  <p:clrMapOvr>
+    <a:masterClrMapping/>
+  </p:clrMapOvr>
+</p:sldLayout>
+</file>
+
+<file path=ppt/slideLayouts/slideLayout3.xml><?xml version="1.0" encoding="utf-8"?>
+<p:sldLayout xmlns:a="http://schemas.openxmlformats.org/drawingml/2006/main" xmlns:r="http://schemas.openxmlformats.org/officeDocument/2006/relationships" xmlns:p="http://schemas.openxmlformats.org/presentationml/2006/main" matchingName="Title, 2 Content" type="twoObj">
+  <p:cSld name="TWO_OBJECTS">
+    <p:spTree>
+      <p:nvGrpSpPr>
+        <p:cNvPr id="1" name="Shape 29"/>
+        <p:cNvGrpSpPr/>
+        <p:nvPr/>
+      </p:nvGrpSpPr>
+      <p:grpSpPr>
+        <a:xfrm>
+          <a:off x="0" y="0"/>
+          <a:ext cx="0" cy="0"/>
+          <a:chOff x="0" y="0"/>
+          <a:chExt cx="0" cy="0"/>
+        </a:xfrm>
+      </p:grpSpPr>
+      <p:sp>
+        <p:nvSpPr>
+          <p:cNvPr id="30" name="Shape 30"/>
+          <p:cNvSpPr txBox="1">
+            <a:spLocks noGrp="1"/>
+          </p:cNvSpPr>
+          <p:nvPr>
+            <p:ph type="title"/>
+          </p:nvPr>
+        </p:nvSpPr>
+        <p:spPr>
+          <a:xfrm>
+            <a:off x="504000" y="301320"/>
+            <a:ext cx="9071640" cy="1262160"/>
+          </a:xfrm>
+          <a:prstGeom prst="rect">
+            <a:avLst/>
+          </a:prstGeom>
+          <a:noFill/>
+          <a:ln>
+            <a:noFill/>
+          </a:ln>
+        </p:spPr>
+        <p:txBody>
+          <a:bodyPr spcFirstLastPara="1" wrap="square" lIns="0" tIns="0" rIns="0" bIns="0" anchor="ctr" anchorCtr="0"/>
+          <a:lstStyle>
+            <a:lvl1pPr lvl="0">
+              <a:spcBef>
+                <a:spcPts val="0"/>
+              </a:spcBef>
+              <a:spcAft>
+                <a:spcPts val="0"/>
+              </a:spcAft>
+              <a:buSzPts val="1400"/>
+              <a:buNone/>
+              <a:defRPr sz="1800"/>
+            </a:lvl1pPr>
+            <a:lvl2pPr lvl="1">
+              <a:spcBef>
+                <a:spcPts val="0"/>
+              </a:spcBef>
+              <a:spcAft>
+                <a:spcPts val="0"/>
+              </a:spcAft>
+              <a:buSzPts val="1400"/>
+              <a:buNone/>
+              <a:defRPr sz="1800"/>
+            </a:lvl2pPr>
+            <a:lvl3pPr lvl="2">
+              <a:spcBef>
+                <a:spcPts val="0"/>
+              </a:spcBef>
+              <a:spcAft>
+                <a:spcPts val="0"/>
+              </a:spcAft>
+              <a:buSzPts val="1400"/>
+              <a:buNone/>
+              <a:defRPr sz="1800"/>
+            </a:lvl3pPr>
+            <a:lvl4pPr lvl="3">
+              <a:spcBef>
+                <a:spcPts val="0"/>
+              </a:spcBef>
+              <a:spcAft>
+                <a:spcPts val="0"/>
+              </a:spcAft>
+              <a:buSzPts val="1400"/>
+              <a:buNone/>
+              <a:defRPr sz="1800"/>
+            </a:lvl4pPr>
+            <a:lvl5pPr lvl="4">
+              <a:spcBef>
+                <a:spcPts val="0"/>
+              </a:spcBef>
+              <a:spcAft>
+                <a:spcPts val="0"/>
+              </a:spcAft>
+              <a:buSzPts val="1400"/>
+              <a:buNone/>
+              <a:defRPr sz="1800"/>
+            </a:lvl5pPr>
+            <a:lvl6pPr lvl="5">
+              <a:spcBef>
+                <a:spcPts val="0"/>
+              </a:spcBef>
+              <a:spcAft>
+                <a:spcPts val="0"/>
+              </a:spcAft>
+              <a:buSzPts val="1400"/>
+              <a:buNone/>
+              <a:defRPr sz="1800"/>
+            </a:lvl6pPr>
+            <a:lvl7pPr lvl="6">
+              <a:spcBef>
+                <a:spcPts val="0"/>
+              </a:spcBef>
+              <a:spcAft>
+                <a:spcPts val="0"/>
+              </a:spcAft>
+              <a:buSzPts val="1400"/>
+              <a:buNone/>
+              <a:defRPr sz="1800"/>
+            </a:lvl7pPr>
+            <a:lvl8pPr lvl="7">
+              <a:spcBef>
+                <a:spcPts val="0"/>
+              </a:spcBef>
+              <a:spcAft>
+                <a:spcPts val="0"/>
+              </a:spcAft>
+              <a:buSzPts val="1400"/>
+              <a:buNone/>
+              <a:defRPr sz="1800"/>
+            </a:lvl8pPr>
+            <a:lvl9pPr lvl="8">
+              <a:spcBef>
+                <a:spcPts val="0"/>
+              </a:spcBef>
+              <a:spcAft>
+                <a:spcPts val="0"/>
+              </a:spcAft>
+              <a:buSzPts val="1400"/>
+              <a:buNone/>
+              <a:defRPr sz="1800"/>
+            </a:lvl9pPr>
+          </a:lstStyle>
+          <a:p>
+            <a:endParaRPr/>
+          </a:p>
+        </p:txBody>
+      </p:sp>
+      <p:sp>
+        <p:nvSpPr>
+          <p:cNvPr id="31" name="Shape 31"/>
+          <p:cNvSpPr txBox="1">
+            <a:spLocks noGrp="1"/>
+          </p:cNvSpPr>
+          <p:nvPr>
+            <p:ph type="body" idx="1"/>
+          </p:nvPr>
+        </p:nvSpPr>
+        <p:spPr>
+          <a:xfrm>
+            <a:off x="504000" y="1769040"/>
+            <a:ext cx="4426920" cy="4384440"/>
+          </a:xfrm>
+          <a:prstGeom prst="rect">
+            <a:avLst/>
+          </a:prstGeom>
+          <a:noFill/>
+          <a:ln>
+            <a:noFill/>
+          </a:ln>
+        </p:spPr>
+        <p:txBody>
+          <a:bodyPr spcFirstLastPara="1" wrap="square" lIns="0" tIns="0" rIns="0" bIns="0" anchor="t" anchorCtr="0"/>
+          <a:lstStyle>
+            <a:lvl1pPr marL="457200" lvl="0" indent="-228600">
+              <a:spcBef>
+                <a:spcPts val="0"/>
+              </a:spcBef>
+              <a:spcAft>
+                <a:spcPts val="0"/>
+              </a:spcAft>
+              <a:buSzPts val="1400"/>
+              <a:buNone/>
+              <a:defRPr sz="1800"/>
+            </a:lvl1pPr>
+            <a:lvl2pPr marL="914400" lvl="1" indent="-228600">
+              <a:spcBef>
+                <a:spcPts val="0"/>
+              </a:spcBef>
+              <a:spcAft>
+                <a:spcPts val="0"/>
+              </a:spcAft>
+              <a:buSzPts val="1400"/>
+              <a:buNone/>
+              <a:defRPr sz="1800"/>
+            </a:lvl2pPr>
+            <a:lvl3pPr marL="1371600" lvl="2" indent="-228600">
+              <a:spcBef>
+                <a:spcPts val="0"/>
+              </a:spcBef>
+              <a:spcAft>
+                <a:spcPts val="0"/>
+              </a:spcAft>
+              <a:buSzPts val="1400"/>
+              <a:buNone/>
+              <a:defRPr sz="1800"/>
+            </a:lvl3pPr>
+            <a:lvl4pPr marL="1828800" lvl="3" indent="-228600">
+              <a:spcBef>
+                <a:spcPts val="0"/>
+              </a:spcBef>
+              <a:spcAft>
+                <a:spcPts val="0"/>
+              </a:spcAft>
+              <a:buSzPts val="1400"/>
+              <a:buNone/>
+              <a:defRPr sz="1800"/>
+            </a:lvl4pPr>
+            <a:lvl5pPr marL="2286000" lvl="4" indent="-228600">
+              <a:spcBef>
+                <a:spcPts val="0"/>
+              </a:spcBef>
+              <a:spcAft>
+                <a:spcPts val="0"/>
+              </a:spcAft>
+              <a:buSzPts val="1400"/>
+              <a:buNone/>
+              <a:defRPr sz="1800"/>
+            </a:lvl5pPr>
+            <a:lvl6pPr marL="2743200" lvl="5" indent="-228600">
+              <a:spcBef>
+                <a:spcPts val="0"/>
+              </a:spcBef>
+              <a:spcAft>
+                <a:spcPts val="0"/>
+              </a:spcAft>
+              <a:buSzPts val="1400"/>
+              <a:buNone/>
+              <a:defRPr sz="1800"/>
+            </a:lvl6pPr>
+            <a:lvl7pPr marL="3200400" lvl="6" indent="-228600">
+              <a:spcBef>
+                <a:spcPts val="0"/>
+              </a:spcBef>
+              <a:spcAft>
+                <a:spcPts val="0"/>
+              </a:spcAft>
+              <a:buSzPts val="1400"/>
+              <a:buNone/>
+              <a:defRPr sz="1800"/>
+            </a:lvl7pPr>
+            <a:lvl8pPr marL="3657600" lvl="7" indent="-228600">
+              <a:spcBef>
+                <a:spcPts val="0"/>
+              </a:spcBef>
+              <a:spcAft>
+                <a:spcPts val="0"/>
+              </a:spcAft>
+              <a:buSzPts val="1400"/>
+              <a:buNone/>
+              <a:defRPr sz="1800"/>
+            </a:lvl8pPr>
+            <a:lvl9pPr marL="4114800" lvl="8" indent="-228600">
+              <a:spcBef>
+                <a:spcPts val="0"/>
+              </a:spcBef>
+              <a:spcAft>
+                <a:spcPts val="0"/>
+              </a:spcAft>
+              <a:buSzPts val="1400"/>
+              <a:buNone/>
+              <a:defRPr sz="1800"/>
+            </a:lvl9pPr>
+          </a:lstStyle>
+          <a:p>
+            <a:endParaRPr/>
+          </a:p>
+        </p:txBody>
+      </p:sp>
+      <p:sp>
+        <p:nvSpPr>
+          <p:cNvPr id="32" name="Shape 32"/>
+          <p:cNvSpPr txBox="1">
+            <a:spLocks noGrp="1"/>
+          </p:cNvSpPr>
+          <p:nvPr>
+            <p:ph type="body" idx="2"/>
+          </p:nvPr>
+        </p:nvSpPr>
+        <p:spPr>
+          <a:xfrm>
+            <a:off x="5152680" y="1769040"/>
+            <a:ext cx="4426920" cy="4384440"/>
+          </a:xfrm>
+          <a:prstGeom prst="rect">
+            <a:avLst/>
+          </a:prstGeom>
+          <a:noFill/>
+          <a:ln>
+            <a:noFill/>
+          </a:ln>
+        </p:spPr>
+        <p:txBody>
+          <a:bodyPr spcFirstLastPara="1" wrap="square" lIns="0" tIns="0" rIns="0" bIns="0" anchor="t" anchorCtr="0"/>
+          <a:lstStyle>
+            <a:lvl1pPr marL="457200" lvl="0" indent="-228600">
+              <a:spcBef>
+                <a:spcPts val="0"/>
+              </a:spcBef>
+              <a:spcAft>
+                <a:spcPts val="0"/>
+              </a:spcAft>
+              <a:buSzPts val="1400"/>
+              <a:buNone/>
+              <a:defRPr sz="1800"/>
+            </a:lvl1pPr>
+            <a:lvl2pPr marL="914400" lvl="1" indent="-228600">
+              <a:spcBef>
+                <a:spcPts val="0"/>
+              </a:spcBef>
+              <a:spcAft>
+                <a:spcPts val="0"/>
+              </a:spcAft>
+              <a:buSzPts val="1400"/>
+              <a:buNone/>
+              <a:defRPr sz="1800"/>
+            </a:lvl2pPr>
+            <a:lvl3pPr marL="1371600" lvl="2" indent="-228600">
+              <a:spcBef>
+                <a:spcPts val="0"/>
+              </a:spcBef>
+              <a:spcAft>
+                <a:spcPts val="0"/>
+              </a:spcAft>
+              <a:buSzPts val="1400"/>
+              <a:buNone/>
+              <a:defRPr sz="1800"/>
+            </a:lvl3pPr>
+            <a:lvl4pPr marL="1828800" lvl="3" indent="-228600">
+              <a:spcBef>
+                <a:spcPts val="0"/>
+              </a:spcBef>
+              <a:spcAft>
+                <a:spcPts val="0"/>
+              </a:spcAft>
+              <a:buSzPts val="1400"/>
+              <a:buNone/>
+              <a:defRPr sz="1800"/>
+            </a:lvl4pPr>
+            <a:lvl5pPr marL="2286000" lvl="4" indent="-228600">
+              <a:spcBef>
+                <a:spcPts val="0"/>
+              </a:spcBef>
+              <a:spcAft>
+                <a:spcPts val="0"/>
+              </a:spcAft>
+              <a:buSzPts val="1400"/>
+              <a:buNone/>
+              <a:defRPr sz="1800"/>
+            </a:lvl5pPr>
+            <a:lvl6pPr marL="2743200" lvl="5" indent="-228600">
+              <a:spcBef>
+                <a:spcPts val="0"/>
+              </a:spcBef>
+              <a:spcAft>
+                <a:spcPts val="0"/>
+              </a:spcAft>
+              <a:buSzPts val="1400"/>
+              <a:buNone/>
+              <a:defRPr sz="1800"/>
+            </a:lvl6pPr>
+            <a:lvl7pPr marL="3200400" lvl="6" indent="-228600">
+              <a:spcBef>
+                <a:spcPts val="0"/>
+              </a:spcBef>
+              <a:spcAft>
+                <a:spcPts val="0"/>
+              </a:spcAft>
+              <a:buSzPts val="1400"/>
+              <a:buNone/>
+              <a:defRPr sz="1800"/>
+            </a:lvl7pPr>
+            <a:lvl8pPr marL="3657600" lvl="7" indent="-228600">
+              <a:spcBef>
+                <a:spcPts val="0"/>
+              </a:spcBef>
+              <a:spcAft>
+                <a:spcPts val="0"/>
+              </a:spcAft>
+              <a:buSzPts val="1400"/>
+              <a:buNone/>
+              <a:defRPr sz="1800"/>
+            </a:lvl8pPr>
+            <a:lvl9pPr marL="4114800" lvl="8" indent="-228600">
+              <a:spcBef>
+                <a:spcPts val="0"/>
+              </a:spcBef>
+              <a:spcAft>
+                <a:spcPts val="0"/>
+              </a:spcAft>
+              <a:buSzPts val="1400"/>
+              <a:buNone/>
+              <a:defRPr sz="1800"/>
+            </a:lvl9pPr>
+          </a:lstStyle>
+          <a:p>
+            <a:endParaRPr/>
+          </a:p>
+        </p:txBody>
+      </p:sp>
+    </p:spTree>
+  </p:cSld>
+  <p:clrMapOvr>
+    <a:masterClrMapping/>
+  </p:clrMapOvr>
+</p:sldLayout>
+</file>
+
+<file path=ppt/slideLayouts/slideLayout4.xml><?xml version="1.0" encoding="utf-8"?>
+<p:sldLayout xmlns:a="http://schemas.openxmlformats.org/drawingml/2006/main" xmlns:r="http://schemas.openxmlformats.org/officeDocument/2006/relationships" xmlns:p="http://schemas.openxmlformats.org/presentationml/2006/main" matchingName="Title Only" type="titleOnly">
+  <p:cSld name="TITLE_ONLY">
+    <p:spTree>
+      <p:nvGrpSpPr>
+        <p:cNvPr id="1" name="Shape 33"/>
+        <p:cNvGrpSpPr/>
+        <p:nvPr/>
+      </p:nvGrpSpPr>
+      <p:grpSpPr>
+        <a:xfrm>
+          <a:off x="0" y="0"/>
+          <a:ext cx="0" cy="0"/>
+          <a:chOff x="0" y="0"/>
+          <a:chExt cx="0" cy="0"/>
+        </a:xfrm>
+      </p:grpSpPr>
+      <p:sp>
+        <p:nvSpPr>
+          <p:cNvPr id="34" name="Shape 34"/>
+          <p:cNvSpPr txBox="1">
+            <a:spLocks noGrp="1"/>
+          </p:cNvSpPr>
+          <p:nvPr>
+            <p:ph type="title"/>
+          </p:nvPr>
+        </p:nvSpPr>
+        <p:spPr>
+          <a:xfrm>
+            <a:off x="504000" y="301320"/>
+            <a:ext cx="9071640" cy="1262160"/>
+          </a:xfrm>
+          <a:prstGeom prst="rect">
+            <a:avLst/>
+          </a:prstGeom>
+          <a:noFill/>
+          <a:ln>
+            <a:noFill/>
+          </a:ln>
+        </p:spPr>
+        <p:txBody>
+          <a:bodyPr spcFirstLastPara="1" wrap="square" lIns="0" tIns="0" rIns="0" bIns="0" anchor="ctr" anchorCtr="0"/>
+          <a:lstStyle>
+            <a:lvl1pPr lvl="0">
+              <a:spcBef>
+                <a:spcPts val="0"/>
+              </a:spcBef>
+              <a:spcAft>
+                <a:spcPts val="0"/>
+              </a:spcAft>
+              <a:buSzPts val="1400"/>
+              <a:buNone/>
+              <a:defRPr sz="1800"/>
+            </a:lvl1pPr>
+            <a:lvl2pPr lvl="1">
+              <a:spcBef>
+                <a:spcPts val="0"/>
+              </a:spcBef>
+              <a:spcAft>
+                <a:spcPts val="0"/>
+              </a:spcAft>
+              <a:buSzPts val="1400"/>
+              <a:buNone/>
+              <a:defRPr sz="1800"/>
+            </a:lvl2pPr>
+            <a:lvl3pPr lvl="2">
+              <a:spcBef>
+                <a:spcPts val="0"/>
+              </a:spcBef>
+              <a:spcAft>
+                <a:spcPts val="0"/>
+              </a:spcAft>
+              <a:buSzPts val="1400"/>
+              <a:buNone/>
+              <a:defRPr sz="1800"/>
+            </a:lvl3pPr>
+            <a:lvl4pPr lvl="3">
+              <a:spcBef>
+                <a:spcPts val="0"/>
+              </a:spcBef>
+              <a:spcAft>
+                <a:spcPts val="0"/>
+              </a:spcAft>
+              <a:buSzPts val="1400"/>
+              <a:buNone/>
+              <a:defRPr sz="1800"/>
+            </a:lvl4pPr>
+            <a:lvl5pPr lvl="4">
+              <a:spcBef>
+                <a:spcPts val="0"/>
+              </a:spcBef>
+              <a:spcAft>
+                <a:spcPts val="0"/>
+              </a:spcAft>
+              <a:buSzPts val="1400"/>
+              <a:buNone/>
+              <a:defRPr sz="1800"/>
+            </a:lvl5pPr>
+            <a:lvl6pPr lvl="5">
+              <a:spcBef>
+                <a:spcPts val="0"/>
+              </a:spcBef>
+              <a:spcAft>
+                <a:spcPts val="0"/>
+              </a:spcAft>
+              <a:buSzPts val="1400"/>
+              <a:buNone/>
+              <a:defRPr sz="1800"/>
+            </a:lvl6pPr>
+            <a:lvl7pPr lvl="6">
+              <a:spcBef>
+                <a:spcPts val="0"/>
+              </a:spcBef>
+              <a:spcAft>
+                <a:spcPts val="0"/>
+              </a:spcAft>
+              <a:buSzPts val="1400"/>
+              <a:buNone/>
+              <a:defRPr sz="1800"/>
+            </a:lvl7pPr>
+            <a:lvl8pPr lvl="7">
+              <a:spcBef>
+                <a:spcPts val="0"/>
+              </a:spcBef>
+              <a:spcAft>
+                <a:spcPts val="0"/>
+              </a:spcAft>
+              <a:buSzPts val="1400"/>
+              <a:buNone/>
+              <a:defRPr sz="1800"/>
+            </a:lvl8pPr>
+            <a:lvl9pPr lvl="8">
+              <a:spcBef>
+                <a:spcPts val="0"/>
+              </a:spcBef>
+              <a:spcAft>
+                <a:spcPts val="0"/>
+              </a:spcAft>
+              <a:buSzPts val="1400"/>
+              <a:buNone/>
+              <a:defRPr sz="1800"/>
+            </a:lvl9pPr>
+          </a:lstStyle>
+          <a:p>
+            <a:endParaRPr/>
+          </a:p>
+        </p:txBody>
+      </p:sp>
+    </p:spTree>
+  </p:cSld>
+  <p:clrMapOvr>
+    <a:masterClrMapping/>
+  </p:clrMapOvr>
+</p:sldLayout>
+</file>
+
+<file path=ppt/slideLayouts/slideLayout5.xml><?xml version="1.0" encoding="utf-8"?>
+<p:sldLayout xmlns:a="http://schemas.openxmlformats.org/drawingml/2006/main" xmlns:r="http://schemas.openxmlformats.org/officeDocument/2006/relationships" xmlns:p="http://schemas.openxmlformats.org/presentationml/2006/main" matchingName="Centered Text" type="objOnly">
+  <p:cSld name="OBJECT_ONLY">
+    <p:spTree>
+      <p:nvGrpSpPr>
+        <p:cNvPr id="1" name="Shape 35"/>
+        <p:cNvGrpSpPr/>
+        <p:nvPr/>
+      </p:nvGrpSpPr>
+      <p:grpSpPr>
+        <a:xfrm>
+          <a:off x="0" y="0"/>
+          <a:ext cx="0" cy="0"/>
+          <a:chOff x="0" y="0"/>
+          <a:chExt cx="0" cy="0"/>
+        </a:xfrm>
+      </p:grpSpPr>
+      <p:sp>
+        <p:nvSpPr>
+          <p:cNvPr id="36" name="Shape 36"/>
+          <p:cNvSpPr txBox="1">
+            <a:spLocks noGrp="1"/>
+          </p:cNvSpPr>
+          <p:nvPr>
+            <p:ph type="subTitle" idx="1"/>
+          </p:nvPr>
+        </p:nvSpPr>
+        <p:spPr>
+          <a:xfrm>
+            <a:off x="504000" y="301320"/>
+            <a:ext cx="9071640" cy="5851800"/>
+          </a:xfrm>
+          <a:prstGeom prst="rect">
+            <a:avLst/>
+          </a:prstGeom>
+          <a:noFill/>
+          <a:ln>
+            <a:noFill/>
+          </a:ln>
+        </p:spPr>
+        <p:txBody>
+          <a:bodyPr spcFirstLastPara="1" wrap="square" lIns="0" tIns="0" rIns="0" bIns="0" anchor="ctr" anchorCtr="0"/>
+          <a:lstStyle>
+            <a:lvl1pPr lvl="0">
+              <a:spcBef>
+                <a:spcPts val="0"/>
+              </a:spcBef>
+              <a:spcAft>
+                <a:spcPts val="0"/>
+              </a:spcAft>
+              <a:buSzPts val="1400"/>
+              <a:buNone/>
+              <a:defRPr sz="1800"/>
+            </a:lvl1pPr>
+            <a:lvl2pPr lvl="1">
+              <a:spcBef>
+                <a:spcPts val="0"/>
+              </a:spcBef>
+              <a:spcAft>
+                <a:spcPts val="0"/>
+              </a:spcAft>
+              <a:buSzPts val="1400"/>
+              <a:buNone/>
+              <a:defRPr sz="1800"/>
+            </a:lvl2pPr>
+            <a:lvl3pPr lvl="2">
+              <a:spcBef>
+                <a:spcPts val="0"/>
+              </a:spcBef>
+              <a:spcAft>
+                <a:spcPts val="0"/>
+              </a:spcAft>
+              <a:buSzPts val="1400"/>
+              <a:buNone/>
+              <a:defRPr sz="1800"/>
+            </a:lvl3pPr>
+            <a:lvl4pPr lvl="3">
+              <a:spcBef>
+                <a:spcPts val="0"/>
+              </a:spcBef>
+              <a:spcAft>
+                <a:spcPts val="0"/>
+              </a:spcAft>
+              <a:buSzPts val="1400"/>
+              <a:buNone/>
+              <a:defRPr sz="1800"/>
+            </a:lvl4pPr>
+            <a:lvl5pPr lvl="4">
+              <a:spcBef>
+                <a:spcPts val="0"/>
+              </a:spcBef>
+              <a:spcAft>
+                <a:spcPts val="0"/>
+              </a:spcAft>
+              <a:buSzPts val="1400"/>
+              <a:buNone/>
+              <a:defRPr sz="1800"/>
+            </a:lvl5pPr>
+            <a:lvl6pPr lvl="5">
+              <a:spcBef>
+                <a:spcPts val="0"/>
+              </a:spcBef>
+              <a:spcAft>
+                <a:spcPts val="0"/>
+              </a:spcAft>
+              <a:buSzPts val="1400"/>
+              <a:buNone/>
+              <a:defRPr sz="1800"/>
+            </a:lvl6pPr>
+            <a:lvl7pPr lvl="6">
+              <a:spcBef>
+                <a:spcPts val="0"/>
+              </a:spcBef>
+              <a:spcAft>
+                <a:spcPts val="0"/>
+              </a:spcAft>
+              <a:buSzPts val="1400"/>
+              <a:buNone/>
+              <a:defRPr sz="1800"/>
+            </a:lvl7pPr>
+            <a:lvl8pPr lvl="7">
+              <a:spcBef>
+                <a:spcPts val="0"/>
+              </a:spcBef>
+              <a:spcAft>
+                <a:spcPts val="0"/>
+              </a:spcAft>
+              <a:buSzPts val="1400"/>
+              <a:buNone/>
+              <a:defRPr sz="1800"/>
+            </a:lvl8pPr>
+            <a:lvl9pPr lvl="8">
+              <a:spcBef>
+                <a:spcPts val="0"/>
+              </a:spcBef>
+              <a:spcAft>
+                <a:spcPts val="0"/>
+              </a:spcAft>
+              <a:buSzPts val="1400"/>
+              <a:buNone/>
+              <a:defRPr sz="1800"/>
+            </a:lvl9pPr>
+          </a:lstStyle>
+          <a:p>
+            <a:endParaRPr/>
+          </a:p>
+        </p:txBody>
+      </p:sp>
+    </p:spTree>
+  </p:cSld>
+  <p:clrMapOvr>
+    <a:masterClrMapping/>
+  </p:clrMapOvr>
+</p:sldLayout>
+</file>
+
+<file path=ppt/slideLayouts/slideLayout6.xml><?xml version="1.0" encoding="utf-8"?>
+<p:sldLayout xmlns:a="http://schemas.openxmlformats.org/drawingml/2006/main" xmlns:r="http://schemas.openxmlformats.org/officeDocument/2006/relationships" xmlns:p="http://schemas.openxmlformats.org/presentationml/2006/main" matchingName="Title, 2 Content and Content" type="twoObjAndObj">
+  <p:cSld name="TWO_OBJECTS_AND_OBJECT">
+    <p:spTree>
+      <p:nvGrpSpPr>
+        <p:cNvPr id="1" name="Shape 37"/>
+        <p:cNvGrpSpPr/>
+        <p:nvPr/>
+      </p:nvGrpSpPr>
+      <p:grpSpPr>
+        <a:xfrm>
+          <a:off x="0" y="0"/>
+          <a:ext cx="0" cy="0"/>
+          <a:chOff x="0" y="0"/>
+          <a:chExt cx="0" cy="0"/>
+        </a:xfrm>
+      </p:grpSpPr>
+      <p:sp>
+        <p:nvSpPr>
+          <p:cNvPr id="38" name="Shape 38"/>
+          <p:cNvSpPr txBox="1">
+            <a:spLocks noGrp="1"/>
+          </p:cNvSpPr>
+          <p:nvPr>
+            <p:ph type="title"/>
+          </p:nvPr>
+        </p:nvSpPr>
+        <p:spPr>
+          <a:xfrm>
+            <a:off x="504000" y="301320"/>
+            <a:ext cx="9071640" cy="1262160"/>
+          </a:xfrm>
+          <a:prstGeom prst="rect">
+            <a:avLst/>
+          </a:prstGeom>
+          <a:noFill/>
+          <a:ln>
+            <a:noFill/>
+          </a:ln>
+        </p:spPr>
+        <p:txBody>
+          <a:bodyPr spcFirstLastPara="1" wrap="square" lIns="0" tIns="0" rIns="0" bIns="0" anchor="ctr" anchorCtr="0"/>
+          <a:lstStyle>
+            <a:lvl1pPr lvl="0">
+              <a:spcBef>
+                <a:spcPts val="0"/>
+              </a:spcBef>
+              <a:spcAft>
+                <a:spcPts val="0"/>
+              </a:spcAft>
+              <a:buSzPts val="1400"/>
+              <a:buNone/>
+              <a:defRPr sz="1800"/>
+            </a:lvl1pPr>
+            <a:lvl2pPr lvl="1">
+              <a:spcBef>
+                <a:spcPts val="0"/>
+              </a:spcBef>
+              <a:spcAft>
+                <a:spcPts val="0"/>
+              </a:spcAft>
+              <a:buSzPts val="1400"/>
+              <a:buNone/>
+              <a:defRPr sz="1800"/>
+            </a:lvl2pPr>
+            <a:lvl3pPr lvl="2">
+              <a:spcBef>
+                <a:spcPts val="0"/>
+              </a:spcBef>
+              <a:spcAft>
+                <a:spcPts val="0"/>
+              </a:spcAft>
+              <a:buSzPts val="1400"/>
+              <a:buNone/>
+              <a:defRPr sz="1800"/>
+            </a:lvl3pPr>
+            <a:lvl4pPr lvl="3">
+              <a:spcBef>
+                <a:spcPts val="0"/>
+              </a:spcBef>
+              <a:spcAft>
+                <a:spcPts val="0"/>
+              </a:spcAft>
+              <a:buSzPts val="1400"/>
+              <a:buNone/>
+              <a:defRPr sz="1800"/>
+            </a:lvl4pPr>
+            <a:lvl5pPr lvl="4">
+              <a:spcBef>
+                <a:spcPts val="0"/>
+              </a:spcBef>
+              <a:spcAft>
+                <a:spcPts val="0"/>
+              </a:spcAft>
+              <a:buSzPts val="1400"/>
+              <a:buNone/>
+              <a:defRPr sz="1800"/>
+            </a:lvl5pPr>
+            <a:lvl6pPr lvl="5">
+              <a:spcBef>
+                <a:spcPts val="0"/>
+              </a:spcBef>
+              <a:spcAft>
+                <a:spcPts val="0"/>
+              </a:spcAft>
+              <a:buSzPts val="1400"/>
+              <a:buNone/>
+              <a:defRPr sz="1800"/>
+            </a:lvl6pPr>
+            <a:lvl7pPr lvl="6">
+              <a:spcBef>
+                <a:spcPts val="0"/>
+              </a:spcBef>
+              <a:spcAft>
+                <a:spcPts val="0"/>
+              </a:spcAft>
+              <a:buSzPts val="1400"/>
+              <a:buNone/>
+              <a:defRPr sz="1800"/>
+            </a:lvl7pPr>
+            <a:lvl8pPr lvl="7">
+              <a:spcBef>
+                <a:spcPts val="0"/>
+              </a:spcBef>
+              <a:spcAft>
+                <a:spcPts val="0"/>
+              </a:spcAft>
+              <a:buSzPts val="1400"/>
+              <a:buNone/>
+              <a:defRPr sz="1800"/>
+            </a:lvl8pPr>
+            <a:lvl9pPr lvl="8">
+              <a:spcBef>
+                <a:spcPts val="0"/>
+              </a:spcBef>
+              <a:spcAft>
+                <a:spcPts val="0"/>
+              </a:spcAft>
+              <a:buSzPts val="1400"/>
+              <a:buNone/>
+              <a:defRPr sz="1800"/>
+            </a:lvl9pPr>
+          </a:lstStyle>
+          <a:p>
+            <a:endParaRPr/>
+          </a:p>
+        </p:txBody>
+      </p:sp>
+      <p:sp>
+        <p:nvSpPr>
+          <p:cNvPr id="39" name="Shape 39"/>
+          <p:cNvSpPr txBox="1">
+            <a:spLocks noGrp="1"/>
+          </p:cNvSpPr>
+          <p:nvPr>
+            <p:ph type="body" idx="1"/>
+          </p:nvPr>
+        </p:nvSpPr>
+        <p:spPr>
+          <a:xfrm>
+            <a:off x="504000" y="1769040"/>
+            <a:ext cx="4426920" cy="2091240"/>
+          </a:xfrm>
+          <a:prstGeom prst="rect">
+            <a:avLst/>
+          </a:prstGeom>
+          <a:noFill/>
+          <a:ln>
+            <a:noFill/>
+          </a:ln>
+        </p:spPr>
+        <p:txBody>
+          <a:bodyPr spcFirstLastPara="1" wrap="square" lIns="0" tIns="0" rIns="0" bIns="0" anchor="t" anchorCtr="0"/>
+          <a:lstStyle>
+            <a:lvl1pPr marL="457200" lvl="0" indent="-228600">
+              <a:spcBef>
+                <a:spcPts val="0"/>
+              </a:spcBef>
+              <a:spcAft>
+                <a:spcPts val="0"/>
+              </a:spcAft>
+              <a:buSzPts val="1400"/>
+              <a:buNone/>
+              <a:defRPr sz="1800"/>
+            </a:lvl1pPr>
+            <a:lvl2pPr marL="914400" lvl="1" indent="-228600">
+              <a:spcBef>
+                <a:spcPts val="0"/>
+              </a:spcBef>
+              <a:spcAft>
+                <a:spcPts val="0"/>
+              </a:spcAft>
+              <a:buSzPts val="1400"/>
+              <a:buNone/>
+              <a:defRPr sz="1800"/>
+            </a:lvl2pPr>
+            <a:lvl3pPr marL="1371600" lvl="2" indent="-228600">
+              <a:spcBef>
+                <a:spcPts val="0"/>
+              </a:spcBef>
+              <a:spcAft>
+                <a:spcPts val="0"/>
+              </a:spcAft>
+              <a:buSzPts val="1400"/>
+              <a:buNone/>
+              <a:defRPr sz="1800"/>
+            </a:lvl3pPr>
+            <a:lvl4pPr marL="1828800" lvl="3" indent="-228600">
+              <a:spcBef>
+                <a:spcPts val="0"/>
+              </a:spcBef>
+              <a:spcAft>
+                <a:spcPts val="0"/>
+              </a:spcAft>
+              <a:buSzPts val="1400"/>
+              <a:buNone/>
+              <a:defRPr sz="1800"/>
+            </a:lvl4pPr>
+            <a:lvl5pPr marL="2286000" lvl="4" indent="-228600">
+              <a:spcBef>
+                <a:spcPts val="0"/>
+              </a:spcBef>
+              <a:spcAft>
+                <a:spcPts val="0"/>
+              </a:spcAft>
+              <a:buSzPts val="1400"/>
+              <a:buNone/>
+              <a:defRPr sz="1800"/>
+            </a:lvl5pPr>
+            <a:lvl6pPr marL="2743200" lvl="5" indent="-228600">
+              <a:spcBef>
+                <a:spcPts val="0"/>
+              </a:spcBef>
+              <a:spcAft>
+                <a:spcPts val="0"/>
+              </a:spcAft>
+              <a:buSzPts val="1400"/>
+              <a:buNone/>
+              <a:defRPr sz="1800"/>
+            </a:lvl6pPr>
+            <a:lvl7pPr marL="3200400" lvl="6" indent="-228600">
+              <a:spcBef>
+                <a:spcPts val="0"/>
+              </a:spcBef>
+              <a:spcAft>
+                <a:spcPts val="0"/>
+              </a:spcAft>
+              <a:buSzPts val="1400"/>
+              <a:buNone/>
+              <a:defRPr sz="1800"/>
+            </a:lvl7pPr>
+            <a:lvl8pPr marL="3657600" lvl="7" indent="-228600">
+              <a:spcBef>
+                <a:spcPts val="0"/>
+              </a:spcBef>
+              <a:spcAft>
+                <a:spcPts val="0"/>
+              </a:spcAft>
+              <a:buSzPts val="1400"/>
+              <a:buNone/>
+              <a:defRPr sz="1800"/>
+            </a:lvl8pPr>
+            <a:lvl9pPr marL="4114800" lvl="8" indent="-228600">
+              <a:spcBef>
+                <a:spcPts val="0"/>
+              </a:spcBef>
+              <a:spcAft>
+                <a:spcPts val="0"/>
+              </a:spcAft>
+              <a:buSzPts val="1400"/>
+              <a:buNone/>
+              <a:defRPr sz="1800"/>
+            </a:lvl9pPr>
+          </a:lstStyle>
+          <a:p>
+            <a:endParaRPr/>
+          </a:p>
+        </p:txBody>
+      </p:sp>
+      <p:sp>
+        <p:nvSpPr>
+          <p:cNvPr id="40" name="Shape 40"/>
+          <p:cNvSpPr txBox="1">
+            <a:spLocks noGrp="1"/>
+          </p:cNvSpPr>
+          <p:nvPr>
+            <p:ph type="body" idx="2"/>
+          </p:nvPr>
+        </p:nvSpPr>
+        <p:spPr>
+          <a:xfrm>
+            <a:off x="504000" y="4059360"/>
+            <a:ext cx="4426920" cy="2091240"/>
+          </a:xfrm>
+          <a:prstGeom prst="rect">
+            <a:avLst/>
+          </a:prstGeom>
+          <a:noFill/>
+          <a:ln>
+            <a:noFill/>
+          </a:ln>
+        </p:spPr>
+        <p:txBody>
+          <a:bodyPr spcFirstLastPara="1" wrap="square" lIns="0" tIns="0" rIns="0" bIns="0" anchor="t" anchorCtr="0"/>
+          <a:lstStyle>
+            <a:lvl1pPr marL="457200" lvl="0" indent="-228600">
+              <a:spcBef>
+                <a:spcPts val="0"/>
+              </a:spcBef>
+              <a:spcAft>
+                <a:spcPts val="0"/>
+              </a:spcAft>
+              <a:buSzPts val="1400"/>
+              <a:buNone/>
+              <a:defRPr sz="1800"/>
+            </a:lvl1pPr>
+            <a:lvl2pPr marL="914400" lvl="1" indent="-228600">
+              <a:spcBef>
+                <a:spcPts val="0"/>
+              </a:spcBef>
+              <a:spcAft>
+                <a:spcPts val="0"/>
+              </a:spcAft>
+              <a:buSzPts val="1400"/>
+              <a:buNone/>
+              <a:defRPr sz="1800"/>
+            </a:lvl2pPr>
+            <a:lvl3pPr marL="1371600" lvl="2" indent="-228600">
+              <a:spcBef>
+                <a:spcPts val="0"/>
+              </a:spcBef>
+              <a:spcAft>
+                <a:spcPts val="0"/>
+              </a:spcAft>
+              <a:buSzPts val="1400"/>
+              <a:buNone/>
+              <a:defRPr sz="1800"/>
+            </a:lvl3pPr>
+            <a:lvl4pPr marL="1828800" lvl="3" indent="-228600">
+              <a:spcBef>
+                <a:spcPts val="0"/>
+              </a:spcBef>
+              <a:spcAft>
+                <a:spcPts val="0"/>
+              </a:spcAft>
+              <a:buSzPts val="1400"/>
+              <a:buNone/>
+              <a:defRPr sz="1800"/>
+            </a:lvl4pPr>
+            <a:lvl5pPr marL="2286000" lvl="4" indent="-228600">
+              <a:spcBef>
+                <a:spcPts val="0"/>
+              </a:spcBef>
+              <a:spcAft>
+                <a:spcPts val="0"/>
+              </a:spcAft>
+              <a:buSzPts val="1400"/>
+              <a:buNone/>
+              <a:defRPr sz="1800"/>
+            </a:lvl5pPr>
+            <a:lvl6pPr marL="2743200" lvl="5" indent="-228600">
+              <a:spcBef>
+                <a:spcPts val="0"/>
+              </a:spcBef>
+              <a:spcAft>
+                <a:spcPts val="0"/>
+              </a:spcAft>
+              <a:buSzPts val="1400"/>
+              <a:buNone/>
+              <a:defRPr sz="1800"/>
+            </a:lvl6pPr>
+            <a:lvl7pPr marL="3200400" lvl="6" indent="-228600">
+              <a:spcBef>
+                <a:spcPts val="0"/>
+              </a:spcBef>
+              <a:spcAft>
+                <a:spcPts val="0"/>
+              </a:spcAft>
+              <a:buSzPts val="1400"/>
+              <a:buNone/>
+              <a:defRPr sz="1800"/>
+            </a:lvl7pPr>
+            <a:lvl8pPr marL="3657600" lvl="7" indent="-228600">
+              <a:spcBef>
+                <a:spcPts val="0"/>
+              </a:spcBef>
+              <a:spcAft>
+                <a:spcPts val="0"/>
+              </a:spcAft>
+              <a:buSzPts val="1400"/>
+              <a:buNone/>
+              <a:defRPr sz="1800"/>
+            </a:lvl8pPr>
+            <a:lvl9pPr marL="4114800" lvl="8" indent="-228600">
+              <a:spcBef>
+                <a:spcPts val="0"/>
+              </a:spcBef>
+              <a:spcAft>
+                <a:spcPts val="0"/>
+              </a:spcAft>
+              <a:buSzPts val="1400"/>
+              <a:buNone/>
+              <a:defRPr sz="1800"/>
+            </a:lvl9pPr>
+          </a:lstStyle>
+          <a:p>
+            <a:endParaRPr/>
+          </a:p>
+        </p:txBody>
+      </p:sp>
+      <p:sp>
+        <p:nvSpPr>
+          <p:cNvPr id="41" name="Shape 41"/>
+          <p:cNvSpPr txBox="1">
+            <a:spLocks noGrp="1"/>
+          </p:cNvSpPr>
+          <p:nvPr>
+            <p:ph type="body" idx="3"/>
+          </p:nvPr>
+        </p:nvSpPr>
+        <p:spPr>
+          <a:xfrm>
+            <a:off x="5152680" y="1769040"/>
+            <a:ext cx="4426920" cy="4384440"/>
+          </a:xfrm>
+          <a:prstGeom prst="rect">
+            <a:avLst/>
+          </a:prstGeom>
+          <a:noFill/>
+          <a:ln>
+            <a:noFill/>
+          </a:ln>
+        </p:spPr>
+        <p:txBody>
+          <a:bodyPr spcFirstLastPara="1" wrap="square" lIns="0" tIns="0" rIns="0" bIns="0" anchor="t" anchorCtr="0"/>
+          <a:lstStyle>
+            <a:lvl1pPr marL="457200" lvl="0" indent="-228600">
+              <a:spcBef>
+                <a:spcPts val="0"/>
+              </a:spcBef>
+              <a:spcAft>
+                <a:spcPts val="0"/>
+              </a:spcAft>
+              <a:buSzPts val="1400"/>
+              <a:buNone/>
+              <a:defRPr sz="1800"/>
+            </a:lvl1pPr>
+            <a:lvl2pPr marL="914400" lvl="1" indent="-228600">
+              <a:spcBef>
+                <a:spcPts val="0"/>
+              </a:spcBef>
+              <a:spcAft>
+                <a:spcPts val="0"/>
+              </a:spcAft>
+              <a:buSzPts val="1400"/>
+              <a:buNone/>
+              <a:defRPr sz="1800"/>
+            </a:lvl2pPr>
+            <a:lvl3pPr marL="1371600" lvl="2" indent="-228600">
+              <a:spcBef>
+                <a:spcPts val="0"/>
+              </a:spcBef>
+              <a:spcAft>
+                <a:spcPts val="0"/>
+              </a:spcAft>
+              <a:buSzPts val="1400"/>
+              <a:buNone/>
+              <a:defRPr sz="1800"/>
+            </a:lvl3pPr>
+            <a:lvl4pPr marL="1828800" lvl="3" indent="-228600">
+              <a:spcBef>
+                <a:spcPts val="0"/>
+              </a:spcBef>
+              <a:spcAft>
+                <a:spcPts val="0"/>
+              </a:spcAft>
+              <a:buSzPts val="1400"/>
+              <a:buNone/>
+              <a:defRPr sz="1800"/>
+            </a:lvl4pPr>
+            <a:lvl5pPr marL="2286000" lvl="4" indent="-228600">
+              <a:spcBef>
+                <a:spcPts val="0"/>
+              </a:spcBef>
+              <a:spcAft>
+                <a:spcPts val="0"/>
+              </a:spcAft>
+              <a:buSzPts val="1400"/>
+              <a:buNone/>
+              <a:defRPr sz="1800"/>
+            </a:lvl5pPr>
+            <a:lvl6pPr marL="2743200" lvl="5" indent="-228600">
+              <a:spcBef>
+                <a:spcPts val="0"/>
+              </a:spcBef>
+              <a:spcAft>
+                <a:spcPts val="0"/>
+              </a:spcAft>
+              <a:buSzPts val="1400"/>
+              <a:buNone/>
+              <a:defRPr sz="1800"/>
+            </a:lvl6pPr>
+            <a:lvl7pPr marL="3200400" lvl="6" indent="-228600">
+              <a:spcBef>
+                <a:spcPts val="0"/>
+              </a:spcBef>
+              <a:spcAft>
+                <a:spcPts val="0"/>
+              </a:spcAft>
+              <a:buSzPts val="1400"/>
+              <a:buNone/>
+              <a:defRPr sz="1800"/>
+            </a:lvl7pPr>
+            <a:lvl8pPr marL="3657600" lvl="7" indent="-228600">
+              <a:spcBef>
+                <a:spcPts val="0"/>
+              </a:spcBef>
+              <a:spcAft>
+                <a:spcPts val="0"/>
+              </a:spcAft>
+              <a:buSzPts val="1400"/>
+              <a:buNone/>
+              <a:defRPr sz="1800"/>
+            </a:lvl8pPr>
+            <a:lvl9pPr marL="4114800" lvl="8" indent="-228600">
+              <a:spcBef>
+                <a:spcPts val="0"/>
+              </a:spcBef>
+              <a:spcAft>
+                <a:spcPts val="0"/>
+              </a:spcAft>
+              <a:buSzPts val="1400"/>
+              <a:buNone/>
+              <a:defRPr sz="1800"/>
+            </a:lvl9pPr>
+          </a:lstStyle>
+          <a:p>
+            <a:endParaRPr/>
+          </a:p>
+        </p:txBody>
+      </p:sp>
+    </p:spTree>
+  </p:cSld>
+  <p:clrMapOvr>
+    <a:masterClrMapping/>
+  </p:clrMapOvr>
+</p:sldLayout>
+</file>
+
+<file path=ppt/slideLayouts/slideLayout7.xml><?xml version="1.0" encoding="utf-8"?>
+<p:sldLayout xmlns:a="http://schemas.openxmlformats.org/drawingml/2006/main" xmlns:r="http://schemas.openxmlformats.org/officeDocument/2006/relationships" xmlns:p="http://schemas.openxmlformats.org/presentationml/2006/main" matchingName="Title Content and 2 Content" type="objAndTwoObj">
+  <p:cSld name="OBJECT_AND_TWO_OBJECTS">
+    <p:spTree>
+      <p:nvGrpSpPr>
+        <p:cNvPr id="1" name="Shape 42"/>
+        <p:cNvGrpSpPr/>
+        <p:nvPr/>
+      </p:nvGrpSpPr>
+      <p:grpSpPr>
+        <a:xfrm>
+          <a:off x="0" y="0"/>
+          <a:ext cx="0" cy="0"/>
+          <a:chOff x="0" y="0"/>
+          <a:chExt cx="0" cy="0"/>
+        </a:xfrm>
+      </p:grpSpPr>
+      <p:sp>
+        <p:nvSpPr>
+          <p:cNvPr id="43" name="Shape 43"/>
+          <p:cNvSpPr txBox="1">
+            <a:spLocks noGrp="1"/>
+          </p:cNvSpPr>
+          <p:nvPr>
+            <p:ph type="title"/>
+          </p:nvPr>
+        </p:nvSpPr>
+        <p:spPr>
+          <a:xfrm>
+            <a:off x="504000" y="301320"/>
+            <a:ext cx="9071640" cy="1262160"/>
+          </a:xfrm>
+          <a:prstGeom prst="rect">
+            <a:avLst/>
+          </a:prstGeom>
+          <a:noFill/>
+          <a:ln>
+            <a:noFill/>
+          </a:ln>
+        </p:spPr>
+        <p:txBody>
+          <a:bodyPr spcFirstLastPara="1" wrap="square" lIns="0" tIns="0" rIns="0" bIns="0" anchor="ctr" anchorCtr="0"/>
+          <a:lstStyle>
+            <a:lvl1pPr lvl="0">
+              <a:spcBef>
+                <a:spcPts val="0"/>
+              </a:spcBef>
+              <a:spcAft>
+                <a:spcPts val="0"/>
+              </a:spcAft>
+              <a:buSzPts val="1400"/>
+              <a:buNone/>
+              <a:defRPr sz="1800"/>
+            </a:lvl1pPr>
+            <a:lvl2pPr lvl="1">
+              <a:spcBef>
+                <a:spcPts val="0"/>
+              </a:spcBef>
+              <a:spcAft>
+                <a:spcPts val="0"/>
+              </a:spcAft>
+              <a:buSzPts val="1400"/>
+              <a:buNone/>
+              <a:defRPr sz="1800"/>
+            </a:lvl2pPr>
+            <a:lvl3pPr lvl="2">
+              <a:spcBef>
+                <a:spcPts val="0"/>
+              </a:spcBef>
+              <a:spcAft>
+                <a:spcPts val="0"/>
+              </a:spcAft>
+              <a:buSzPts val="1400"/>
+              <a:buNone/>
+              <a:defRPr sz="1800"/>
+            </a:lvl3pPr>
+            <a:lvl4pPr lvl="3">
+              <a:spcBef>
+                <a:spcPts val="0"/>
+              </a:spcBef>
+              <a:spcAft>
+                <a:spcPts val="0"/>
+              </a:spcAft>
+              <a:buSzPts val="1400"/>
+              <a:buNone/>
+              <a:defRPr sz="1800"/>
+            </a:lvl4pPr>
+            <a:lvl5pPr lvl="4">
+              <a:spcBef>
+                <a:spcPts val="0"/>
+              </a:spcBef>
+              <a:spcAft>
+                <a:spcPts val="0"/>
+              </a:spcAft>
+              <a:buSzPts val="1400"/>
+              <a:buNone/>
+              <a:defRPr sz="1800"/>
+            </a:lvl5pPr>
+            <a:lvl6pPr lvl="5">
+              <a:spcBef>
+                <a:spcPts val="0"/>
+              </a:spcBef>
+              <a:spcAft>
+                <a:spcPts val="0"/>
+              </a:spcAft>
+              <a:buSzPts val="1400"/>
+              <a:buNone/>
+              <a:defRPr sz="1800"/>
+            </a:lvl6pPr>
+            <a:lvl7pPr lvl="6">
+              <a:spcBef>
+                <a:spcPts val="0"/>
+              </a:spcBef>
+              <a:spcAft>
+                <a:spcPts val="0"/>
+              </a:spcAft>
+              <a:buSzPts val="1400"/>
+              <a:buNone/>
+              <a:defRPr sz="1800"/>
+            </a:lvl7pPr>
+            <a:lvl8pPr lvl="7">
+              <a:spcBef>
+                <a:spcPts val="0"/>
+              </a:spcBef>
+              <a:spcAft>
+                <a:spcPts val="0"/>
+              </a:spcAft>
+              <a:buSzPts val="1400"/>
+              <a:buNone/>
+              <a:defRPr sz="1800"/>
+            </a:lvl8pPr>
+            <a:lvl9pPr lvl="8">
+              <a:spcBef>
+                <a:spcPts val="0"/>
+              </a:spcBef>
+              <a:spcAft>
+                <a:spcPts val="0"/>
+              </a:spcAft>
+              <a:buSzPts val="1400"/>
+              <a:buNone/>
+              <a:defRPr sz="1800"/>
+            </a:lvl9pPr>
+          </a:lstStyle>
+          <a:p>
+            <a:endParaRPr/>
+          </a:p>
+        </p:txBody>
+      </p:sp>
+      <p:sp>
+        <p:nvSpPr>
+          <p:cNvPr id="44" name="Shape 44"/>
+          <p:cNvSpPr txBox="1">
+            <a:spLocks noGrp="1"/>
+          </p:cNvSpPr>
+          <p:nvPr>
+            <p:ph type="body" idx="1"/>
+          </p:nvPr>
+        </p:nvSpPr>
+        <p:spPr>
+          <a:xfrm>
+            <a:off x="504000" y="1769040"/>
+            <a:ext cx="4426920" cy="4384440"/>
+          </a:xfrm>
+          <a:prstGeom prst="rect">
+            <a:avLst/>
+          </a:prstGeom>
+          <a:noFill/>
+          <a:ln>
+            <a:noFill/>
+          </a:ln>
+        </p:spPr>
+        <p:txBody>
+          <a:bodyPr spcFirstLastPara="1" wrap="square" lIns="0" tIns="0" rIns="0" bIns="0" anchor="t" anchorCtr="0"/>
+          <a:lstStyle>
+            <a:lvl1pPr marL="457200" lvl="0" indent="-228600">
+              <a:spcBef>
+                <a:spcPts val="0"/>
+              </a:spcBef>
+              <a:spcAft>
+                <a:spcPts val="0"/>
+              </a:spcAft>
+              <a:buSzPts val="1400"/>
+              <a:buNone/>
+              <a:defRPr sz="1800"/>
+            </a:lvl1pPr>
+            <a:lvl2pPr marL="914400" lvl="1" indent="-228600">
+              <a:spcBef>
+                <a:spcPts val="0"/>
+              </a:spcBef>
+              <a:spcAft>
+                <a:spcPts val="0"/>
+              </a:spcAft>
+              <a:buSzPts val="1400"/>
+              <a:buNone/>
+              <a:defRPr sz="1800"/>
+            </a:lvl2pPr>
+            <a:lvl3pPr marL="1371600" lvl="2" indent="-228600">
+              <a:spcBef>
+                <a:spcPts val="0"/>
+              </a:spcBef>
+              <a:spcAft>
+                <a:spcPts val="0"/>
+              </a:spcAft>
+              <a:buSzPts val="1400"/>
+              <a:buNone/>
+              <a:defRPr sz="1800"/>
+            </a:lvl3pPr>
+            <a:lvl4pPr marL="1828800" lvl="3" indent="-228600">
+              <a:spcBef>
+                <a:spcPts val="0"/>
+              </a:spcBef>
+              <a:spcAft>
+                <a:spcPts val="0"/>
+              </a:spcAft>
+              <a:buSzPts val="1400"/>
+              <a:buNone/>
+              <a:defRPr sz="1800"/>
+            </a:lvl4pPr>
+            <a:lvl5pPr marL="2286000" lvl="4" indent="-228600">
+              <a:spcBef>
+                <a:spcPts val="0"/>
+              </a:spcBef>
+              <a:spcAft>
+                <a:spcPts val="0"/>
+              </a:spcAft>
+              <a:buSzPts val="1400"/>
+              <a:buNone/>
+              <a:defRPr sz="1800"/>
+            </a:lvl5pPr>
+            <a:lvl6pPr marL="2743200" lvl="5" indent="-228600">
+              <a:spcBef>
+                <a:spcPts val="0"/>
+              </a:spcBef>
+              <a:spcAft>
+                <a:spcPts val="0"/>
+              </a:spcAft>
+              <a:buSzPts val="1400"/>
+              <a:buNone/>
+              <a:defRPr sz="1800"/>
+            </a:lvl6pPr>
+            <a:lvl7pPr marL="3200400" lvl="6" indent="-228600">
+              <a:spcBef>
+                <a:spcPts val="0"/>
+              </a:spcBef>
+              <a:spcAft>
+                <a:spcPts val="0"/>
+              </a:spcAft>
+              <a:buSzPts val="1400"/>
+              <a:buNone/>
+              <a:defRPr sz="1800"/>
+            </a:lvl7pPr>
+            <a:lvl8pPr marL="3657600" lvl="7" indent="-228600">
+              <a:spcBef>
+                <a:spcPts val="0"/>
+              </a:spcBef>
+              <a:spcAft>
+                <a:spcPts val="0"/>
+              </a:spcAft>
+              <a:buSzPts val="1400"/>
+              <a:buNone/>
+              <a:defRPr sz="1800"/>
+            </a:lvl8pPr>
+            <a:lvl9pPr marL="4114800" lvl="8" indent="-228600">
+              <a:spcBef>
+                <a:spcPts val="0"/>
+              </a:spcBef>
+              <a:spcAft>
+                <a:spcPts val="0"/>
+              </a:spcAft>
+              <a:buSzPts val="1400"/>
+              <a:buNone/>
+              <a:defRPr sz="1800"/>
+            </a:lvl9pPr>
+          </a:lstStyle>
+          <a:p>
+            <a:endParaRPr/>
+          </a:p>
+        </p:txBody>
+      </p:sp>
+      <p:sp>
+        <p:nvSpPr>
+          <p:cNvPr id="45" name="Shape 45"/>
+          <p:cNvSpPr txBox="1">
+            <a:spLocks noGrp="1"/>
+          </p:cNvSpPr>
+          <p:nvPr>
+            <p:ph type="body" idx="2"/>
+          </p:nvPr>
+        </p:nvSpPr>
+        <p:spPr>
+          <a:xfrm>
+            <a:off x="5152680" y="1769040"/>
+            <a:ext cx="4426920" cy="2091240"/>
+          </a:xfrm>
+          <a:prstGeom prst="rect">
+            <a:avLst/>
+          </a:prstGeom>
+          <a:noFill/>
+          <a:ln>
+            <a:noFill/>
+          </a:ln>
+        </p:spPr>
+        <p:txBody>
+          <a:bodyPr spcFirstLastPara="1" wrap="square" lIns="0" tIns="0" rIns="0" bIns="0" anchor="t" anchorCtr="0"/>
+          <a:lstStyle>
+            <a:lvl1pPr marL="457200" lvl="0" indent="-228600">
+              <a:spcBef>
+                <a:spcPts val="0"/>
+              </a:spcBef>
+              <a:spcAft>
+                <a:spcPts val="0"/>
+              </a:spcAft>
+              <a:buSzPts val="1400"/>
+              <a:buNone/>
+              <a:defRPr sz="1800"/>
+            </a:lvl1pPr>
+            <a:lvl2pPr marL="914400" lvl="1" indent="-228600">
+              <a:spcBef>
+                <a:spcPts val="0"/>
+              </a:spcBef>
+              <a:spcAft>
+                <a:spcPts val="0"/>
+              </a:spcAft>
+              <a:buSzPts val="1400"/>
+              <a:buNone/>
+              <a:defRPr sz="1800"/>
+            </a:lvl2pPr>
+            <a:lvl3pPr marL="1371600" lvl="2" indent="-228600">
+              <a:spcBef>
+                <a:spcPts val="0"/>
+              </a:spcBef>
+              <a:spcAft>
+                <a:spcPts val="0"/>
+              </a:spcAft>
+              <a:buSzPts val="1400"/>
+              <a:buNone/>
+              <a:defRPr sz="1800"/>
+            </a:lvl3pPr>
+            <a:lvl4pPr marL="1828800" lvl="3" indent="-228600">
+              <a:spcBef>
+                <a:spcPts val="0"/>
+              </a:spcBef>
+              <a:spcAft>
+                <a:spcPts val="0"/>
+              </a:spcAft>
+              <a:buSzPts val="1400"/>
+              <a:buNone/>
+              <a:defRPr sz="1800"/>
+            </a:lvl4pPr>
+            <a:lvl5pPr marL="2286000" lvl="4" indent="-228600">
+              <a:spcBef>
+                <a:spcPts val="0"/>
+              </a:spcBef>
+              <a:spcAft>
+                <a:spcPts val="0"/>
+              </a:spcAft>
+              <a:buSzPts val="1400"/>
+              <a:buNone/>
+              <a:defRPr sz="1800"/>
+            </a:lvl5pPr>
+            <a:lvl6pPr marL="2743200" lvl="5" indent="-228600">
+              <a:spcBef>
+                <a:spcPts val="0"/>
+              </a:spcBef>
+              <a:spcAft>
+                <a:spcPts val="0"/>
+              </a:spcAft>
+              <a:buSzPts val="1400"/>
+              <a:buNone/>
+              <a:defRPr sz="1800"/>
+            </a:lvl6pPr>
+            <a:lvl7pPr marL="3200400" lvl="6" indent="-228600">
+              <a:spcBef>
+                <a:spcPts val="0"/>
+              </a:spcBef>
+              <a:spcAft>
+                <a:spcPts val="0"/>
+              </a:spcAft>
+              <a:buSzPts val="1400"/>
+              <a:buNone/>
+              <a:defRPr sz="1800"/>
+            </a:lvl7pPr>
+            <a:lvl8pPr marL="3657600" lvl="7" indent="-228600">
+              <a:spcBef>
+                <a:spcPts val="0"/>
+              </a:spcBef>
+              <a:spcAft>
+                <a:spcPts val="0"/>
+              </a:spcAft>
+              <a:buSzPts val="1400"/>
+              <a:buNone/>
+              <a:defRPr sz="1800"/>
+            </a:lvl8pPr>
+            <a:lvl9pPr marL="4114800" lvl="8" indent="-228600">
+              <a:spcBef>
+                <a:spcPts val="0"/>
+              </a:spcBef>
+              <a:spcAft>
+                <a:spcPts val="0"/>
+              </a:spcAft>
+              <a:buSzPts val="1400"/>
+              <a:buNone/>
+              <a:defRPr sz="1800"/>
+            </a:lvl9pPr>
+          </a:lstStyle>
+          <a:p>
+            <a:endParaRPr/>
+          </a:p>
+        </p:txBody>
+      </p:sp>
+      <p:sp>
+        <p:nvSpPr>
+          <p:cNvPr id="46" name="Shape 46"/>
+          <p:cNvSpPr txBox="1">
+            <a:spLocks noGrp="1"/>
+          </p:cNvSpPr>
+          <p:nvPr>
+            <p:ph type="body" idx="3"/>
+          </p:nvPr>
+        </p:nvSpPr>
+        <p:spPr>
+          <a:xfrm>
+            <a:off x="5152680" y="4059360"/>
+            <a:ext cx="4426920" cy="2091240"/>
+          </a:xfrm>
+          <a:prstGeom prst="rect">
+            <a:avLst/>
+          </a:prstGeom>
+          <a:noFill/>
+          <a:ln>
+            <a:noFill/>
+          </a:ln>
+        </p:spPr>
+        <p:txBody>
+          <a:bodyPr spcFirstLastPara="1" wrap="square" lIns="0" tIns="0" rIns="0" bIns="0" anchor="t" anchorCtr="0"/>
+          <a:lstStyle>
+            <a:lvl1pPr marL="457200" lvl="0" indent="-228600">
+              <a:spcBef>
+                <a:spcPts val="0"/>
+              </a:spcBef>
+              <a:spcAft>
+                <a:spcPts val="0"/>
+              </a:spcAft>
+              <a:buSzPts val="1400"/>
+              <a:buNone/>
+              <a:defRPr sz="1800"/>
+            </a:lvl1pPr>
+            <a:lvl2pPr marL="914400" lvl="1" indent="-228600">
+              <a:spcBef>
+                <a:spcPts val="0"/>
+              </a:spcBef>
+              <a:spcAft>
+                <a:spcPts val="0"/>
+              </a:spcAft>
+              <a:buSzPts val="1400"/>
+              <a:buNone/>
+              <a:defRPr sz="1800"/>
+            </a:lvl2pPr>
+            <a:lvl3pPr marL="1371600" lvl="2" indent="-228600">
+              <a:spcBef>
+                <a:spcPts val="0"/>
+              </a:spcBef>
+              <a:spcAft>
+                <a:spcPts val="0"/>
+              </a:spcAft>
+              <a:buSzPts val="1400"/>
+              <a:buNone/>
+              <a:defRPr sz="1800"/>
+            </a:lvl3pPr>
+            <a:lvl4pPr marL="1828800" lvl="3" indent="-228600">
+              <a:spcBef>
+                <a:spcPts val="0"/>
+              </a:spcBef>
+              <a:spcAft>
+                <a:spcPts val="0"/>
+              </a:spcAft>
+              <a:buSzPts val="1400"/>
+              <a:buNone/>
+              <a:defRPr sz="1800"/>
+            </a:lvl4pPr>
+            <a:lvl5pPr marL="2286000" lvl="4" indent="-228600">
+              <a:spcBef>
+                <a:spcPts val="0"/>
+              </a:spcBef>
+              <a:spcAft>
+                <a:spcPts val="0"/>
+              </a:spcAft>
+              <a:buSzPts val="1400"/>
+              <a:buNone/>
+              <a:defRPr sz="1800"/>
+            </a:lvl5pPr>
+            <a:lvl6pPr marL="2743200" lvl="5" indent="-228600">
+              <a:spcBef>
+                <a:spcPts val="0"/>
+              </a:spcBef>
+              <a:spcAft>
+                <a:spcPts val="0"/>
+              </a:spcAft>
+              <a:buSzPts val="1400"/>
+              <a:buNone/>
+              <a:defRPr sz="1800"/>
+            </a:lvl6pPr>
+            <a:lvl7pPr marL="3200400" lvl="6" indent="-228600">
+              <a:spcBef>
+                <a:spcPts val="0"/>
+              </a:spcBef>
+              <a:spcAft>
+                <a:spcPts val="0"/>
+              </a:spcAft>
+              <a:buSzPts val="1400"/>
+              <a:buNone/>
+              <a:defRPr sz="1800"/>
+            </a:lvl7pPr>
+            <a:lvl8pPr marL="3657600" lvl="7" indent="-228600">
+              <a:spcBef>
+                <a:spcPts val="0"/>
+              </a:spcBef>
+              <a:spcAft>
+                <a:spcPts val="0"/>
+              </a:spcAft>
+              <a:buSzPts val="1400"/>
+              <a:buNone/>
+              <a:defRPr sz="1800"/>
+            </a:lvl8pPr>
+            <a:lvl9pPr marL="4114800" lvl="8" indent="-228600">
+              <a:spcBef>
+                <a:spcPts val="0"/>
+              </a:spcBef>
+              <a:spcAft>
+                <a:spcPts val="0"/>
+              </a:spcAft>
+              <a:buSzPts val="1400"/>
+              <a:buNone/>
+              <a:defRPr sz="1800"/>
+            </a:lvl9pPr>
+          </a:lstStyle>
+          <a:p>
+            <a:endParaRPr/>
+          </a:p>
+        </p:txBody>
+      </p:sp>
+    </p:spTree>
+  </p:cSld>
+  <p:clrMapOvr>
+    <a:masterClrMapping/>
+  </p:clrMapOvr>
+</p:sldLayout>
+</file>
+
+<file path=ppt/slideLayouts/slideLayout8.xml><?xml version="1.0" encoding="utf-8"?>
+<p:sldLayout xmlns:a="http://schemas.openxmlformats.org/drawingml/2006/main" xmlns:r="http://schemas.openxmlformats.org/officeDocument/2006/relationships" xmlns:p="http://schemas.openxmlformats.org/presentationml/2006/main" matchingName="Title, 2 Content over Content" type="twoObjOverTx">
+  <p:cSld name="TWO_OBJECTS_OVER_TEXT">
+    <p:spTree>
+      <p:nvGrpSpPr>
+        <p:cNvPr id="1" name="Shape 47"/>
+        <p:cNvGrpSpPr/>
+        <p:nvPr/>
+      </p:nvGrpSpPr>
+      <p:grpSpPr>
+        <a:xfrm>
+          <a:off x="0" y="0"/>
+          <a:ext cx="0" cy="0"/>
+          <a:chOff x="0" y="0"/>
+          <a:chExt cx="0" cy="0"/>
+        </a:xfrm>
+      </p:grpSpPr>
+      <p:sp>
+        <p:nvSpPr>
+          <p:cNvPr id="48" name="Shape 48"/>
+          <p:cNvSpPr txBox="1">
+            <a:spLocks noGrp="1"/>
+          </p:cNvSpPr>
+          <p:nvPr>
+            <p:ph type="title"/>
+          </p:nvPr>
+        </p:nvSpPr>
+        <p:spPr>
+          <a:xfrm>
+            <a:off x="504000" y="301320"/>
+            <a:ext cx="9071640" cy="1262160"/>
+          </a:xfrm>
+          <a:prstGeom prst="rect">
+            <a:avLst/>
+          </a:prstGeom>
+          <a:noFill/>
+          <a:ln>
+            <a:noFill/>
+          </a:ln>
+        </p:spPr>
+        <p:txBody>
+          <a:bodyPr spcFirstLastPara="1" wrap="square" lIns="0" tIns="0" rIns="0" bIns="0" anchor="ctr" anchorCtr="0"/>
+          <a:lstStyle>
+            <a:lvl1pPr lvl="0">
+              <a:spcBef>
+                <a:spcPts val="0"/>
+              </a:spcBef>
+              <a:spcAft>
+                <a:spcPts val="0"/>
+              </a:spcAft>
+              <a:buSzPts val="1400"/>
+              <a:buNone/>
+              <a:defRPr sz="1800"/>
+            </a:lvl1pPr>
+            <a:lvl2pPr lvl="1">
+              <a:spcBef>
+                <a:spcPts val="0"/>
+              </a:spcBef>
+              <a:spcAft>
+                <a:spcPts val="0"/>
+              </a:spcAft>
+              <a:buSzPts val="1400"/>
+              <a:buNone/>
+              <a:defRPr sz="1800"/>
+            </a:lvl2pPr>
+            <a:lvl3pPr lvl="2">
+              <a:spcBef>
+                <a:spcPts val="0"/>
+              </a:spcBef>
+              <a:spcAft>
+                <a:spcPts val="0"/>
+              </a:spcAft>
+              <a:buSzPts val="1400"/>
+              <a:buNone/>
+              <a:defRPr sz="1800"/>
+            </a:lvl3pPr>
+            <a:lvl4pPr lvl="3">
+              <a:spcBef>
+                <a:spcPts val="0"/>
+              </a:spcBef>
+              <a:spcAft>
+                <a:spcPts val="0"/>
+              </a:spcAft>
+              <a:buSzPts val="1400"/>
+              <a:buNone/>
+              <a:defRPr sz="1800"/>
+            </a:lvl4pPr>
+            <a:lvl5pPr lvl="4">
+              <a:spcBef>
+                <a:spcPts val="0"/>
+              </a:spcBef>
+              <a:spcAft>
+                <a:spcPts val="0"/>
+              </a:spcAft>
+              <a:buSzPts val="1400"/>
+              <a:buNone/>
+              <a:defRPr sz="1800"/>
+            </a:lvl5pPr>
+            <a:lvl6pPr lvl="5">
+              <a:spcBef>
+                <a:spcPts val="0"/>
+              </a:spcBef>
+              <a:spcAft>
+                <a:spcPts val="0"/>
+              </a:spcAft>
+              <a:buSzPts val="1400"/>
+              <a:buNone/>
+              <a:defRPr sz="1800"/>
+            </a:lvl6pPr>
+            <a:lvl7pPr lvl="6">
+              <a:spcBef>
+                <a:spcPts val="0"/>
+              </a:spcBef>
+              <a:spcAft>
+                <a:spcPts val="0"/>
+              </a:spcAft>
+              <a:buSzPts val="1400"/>
+              <a:buNone/>
+              <a:defRPr sz="1800"/>
+            </a:lvl7pPr>
+            <a:lvl8pPr lvl="7">
+              <a:spcBef>
+                <a:spcPts val="0"/>
+              </a:spcBef>
+              <a:spcAft>
+                <a:spcPts val="0"/>
+              </a:spcAft>
+              <a:buSzPts val="1400"/>
+              <a:buNone/>
+              <a:defRPr sz="1800"/>
+            </a:lvl8pPr>
+            <a:lvl9pPr lvl="8">
+              <a:spcBef>
+                <a:spcPts val="0"/>
+              </a:spcBef>
+              <a:spcAft>
+                <a:spcPts val="0"/>
+              </a:spcAft>
+              <a:buSzPts val="1400"/>
+              <a:buNone/>
+              <a:defRPr sz="1800"/>
+            </a:lvl9pPr>
+          </a:lstStyle>
+          <a:p>
+            <a:endParaRPr/>
+          </a:p>
+        </p:txBody>
+      </p:sp>
+      <p:sp>
+        <p:nvSpPr>
+          <p:cNvPr id="49" name="Shape 49"/>
+          <p:cNvSpPr txBox="1">
+            <a:spLocks noGrp="1"/>
+          </p:cNvSpPr>
+          <p:nvPr>
+            <p:ph type="body" idx="1"/>
+          </p:nvPr>
+        </p:nvSpPr>
+        <p:spPr>
+          <a:xfrm>
+            <a:off x="504000" y="1769040"/>
+            <a:ext cx="4426920" cy="2091240"/>
+          </a:xfrm>
+          <a:prstGeom prst="rect">
+            <a:avLst/>
+          </a:prstGeom>
+          <a:noFill/>
+          <a:ln>
+            <a:noFill/>
+          </a:ln>
+        </p:spPr>
+        <p:txBody>
+          <a:bodyPr spcFirstLastPara="1" wrap="square" lIns="0" tIns="0" rIns="0" bIns="0" anchor="t" anchorCtr="0"/>
+          <a:lstStyle>
+            <a:lvl1pPr marL="457200" lvl="0" indent="-228600">
+              <a:spcBef>
+                <a:spcPts val="0"/>
+              </a:spcBef>
+              <a:spcAft>
+                <a:spcPts val="0"/>
+              </a:spcAft>
+              <a:buSzPts val="1400"/>
+              <a:buNone/>
+              <a:defRPr sz="1800"/>
+            </a:lvl1pPr>
+            <a:lvl2pPr marL="914400" lvl="1" indent="-228600">
+              <a:spcBef>
+                <a:spcPts val="0"/>
+              </a:spcBef>
+              <a:spcAft>
+                <a:spcPts val="0"/>
+              </a:spcAft>
+              <a:buSzPts val="1400"/>
+              <a:buNone/>
+              <a:defRPr sz="1800"/>
+            </a:lvl2pPr>
+            <a:lvl3pPr marL="1371600" lvl="2" indent="-228600">
+              <a:spcBef>
+                <a:spcPts val="0"/>
+              </a:spcBef>
+              <a:spcAft>
+                <a:spcPts val="0"/>
+              </a:spcAft>
+              <a:buSzPts val="1400"/>
+              <a:buNone/>
+              <a:defRPr sz="1800"/>
+            </a:lvl3pPr>
+            <a:lvl4pPr marL="1828800" lvl="3" indent="-228600">
+              <a:spcBef>
+                <a:spcPts val="0"/>
+              </a:spcBef>
+              <a:spcAft>
+                <a:spcPts val="0"/>
+              </a:spcAft>
+              <a:buSzPts val="1400"/>
+              <a:buNone/>
+              <a:defRPr sz="1800"/>
+            </a:lvl4pPr>
+            <a:lvl5pPr marL="2286000" lvl="4" indent="-228600">
+              <a:spcBef>
+                <a:spcPts val="0"/>
+              </a:spcBef>
+              <a:spcAft>
+                <a:spcPts val="0"/>
+              </a:spcAft>
+              <a:buSzPts val="1400"/>
+              <a:buNone/>
+              <a:defRPr sz="1800"/>
+            </a:lvl5pPr>
+            <a:lvl6pPr marL="2743200" lvl="5" indent="-228600">
+              <a:spcBef>
+                <a:spcPts val="0"/>
+              </a:spcBef>
+              <a:spcAft>
+                <a:spcPts val="0"/>
+              </a:spcAft>
+              <a:buSzPts val="1400"/>
+              <a:buNone/>
+              <a:defRPr sz="1800"/>
+            </a:lvl6pPr>
+            <a:lvl7pPr marL="3200400" lvl="6" indent="-228600">
+              <a:spcBef>
+                <a:spcPts val="0"/>
+              </a:spcBef>
+              <a:spcAft>
+                <a:spcPts val="0"/>
+              </a:spcAft>
+              <a:buSzPts val="1400"/>
+              <a:buNone/>
+              <a:defRPr sz="1800"/>
+            </a:lvl7pPr>
+            <a:lvl8pPr marL="3657600" lvl="7" indent="-228600">
+              <a:spcBef>
+                <a:spcPts val="0"/>
+              </a:spcBef>
+              <a:spcAft>
+                <a:spcPts val="0"/>
+              </a:spcAft>
+              <a:buSzPts val="1400"/>
+              <a:buNone/>
+              <a:defRPr sz="1800"/>
+            </a:lvl8pPr>
+            <a:lvl9pPr marL="4114800" lvl="8" indent="-228600">
+              <a:spcBef>
+                <a:spcPts val="0"/>
+              </a:spcBef>
+              <a:spcAft>
+                <a:spcPts val="0"/>
+              </a:spcAft>
+              <a:buSzPts val="1400"/>
+              <a:buNone/>
+              <a:defRPr sz="1800"/>
+            </a:lvl9pPr>
+          </a:lstStyle>
+          <a:p>
+            <a:endParaRPr/>
+          </a:p>
+        </p:txBody>
+      </p:sp>
+      <p:sp>
+        <p:nvSpPr>
+          <p:cNvPr id="50" name="Shape 50"/>
+          <p:cNvSpPr txBox="1">
+            <a:spLocks noGrp="1"/>
+          </p:cNvSpPr>
+          <p:nvPr>
+            <p:ph type="body" idx="2"/>
+          </p:nvPr>
+        </p:nvSpPr>
+        <p:spPr>
+          <a:xfrm>
+            <a:off x="5152680" y="1769040"/>
+            <a:ext cx="4426920" cy="2091240"/>
+          </a:xfrm>
+          <a:prstGeom prst="rect">
+            <a:avLst/>
+          </a:prstGeom>
+          <a:noFill/>
+          <a:ln>
+            <a:noFill/>
+          </a:ln>
+        </p:spPr>
+        <p:txBody>
+          <a:bodyPr spcFirstLastPara="1" wrap="square" lIns="0" tIns="0" rIns="0" bIns="0" anchor="t" anchorCtr="0"/>
+          <a:lstStyle>
+            <a:lvl1pPr marL="457200" lvl="0" indent="-228600">
+              <a:spcBef>
+                <a:spcPts val="0"/>
+              </a:spcBef>
+              <a:spcAft>
+                <a:spcPts val="0"/>
+              </a:spcAft>
+              <a:buSzPts val="1400"/>
+              <a:buNone/>
+              <a:defRPr sz="1800"/>
+            </a:lvl1pPr>
+            <a:lvl2pPr marL="914400" lvl="1" indent="-228600">
+              <a:spcBef>
+                <a:spcPts val="0"/>
+              </a:spcBef>
+              <a:spcAft>
+                <a:spcPts val="0"/>
+              </a:spcAft>
+              <a:buSzPts val="1400"/>
+              <a:buNone/>
+              <a:defRPr sz="1800"/>
+            </a:lvl2pPr>
+            <a:lvl3pPr marL="1371600" lvl="2" indent="-228600">
+              <a:spcBef>
+                <a:spcPts val="0"/>
+              </a:spcBef>
+              <a:spcAft>
+                <a:spcPts val="0"/>
+              </a:spcAft>
+              <a:buSzPts val="1400"/>
+              <a:buNone/>
+              <a:defRPr sz="1800"/>
+            </a:lvl3pPr>
+            <a:lvl4pPr marL="1828800" lvl="3" indent="-228600">
+              <a:spcBef>
+                <a:spcPts val="0"/>
+              </a:spcBef>
+              <a:spcAft>
+                <a:spcPts val="0"/>
+              </a:spcAft>
+              <a:buSzPts val="1400"/>
+              <a:buNone/>
+              <a:defRPr sz="1800"/>
+            </a:lvl4pPr>
+            <a:lvl5pPr marL="2286000" lvl="4" indent="-228600">
+              <a:spcBef>
+                <a:spcPts val="0"/>
+              </a:spcBef>
+              <a:spcAft>
+                <a:spcPts val="0"/>
+              </a:spcAft>
+              <a:buSzPts val="1400"/>
+              <a:buNone/>
+              <a:defRPr sz="1800"/>
+            </a:lvl5pPr>
+            <a:lvl6pPr marL="2743200" lvl="5" indent="-228600">
+              <a:spcBef>
+                <a:spcPts val="0"/>
+              </a:spcBef>
+              <a:spcAft>
+                <a:spcPts val="0"/>
+              </a:spcAft>
+              <a:buSzPts val="1400"/>
+              <a:buNone/>
+              <a:defRPr sz="1800"/>
+            </a:lvl6pPr>
+            <a:lvl7pPr marL="3200400" lvl="6" indent="-228600">
+              <a:spcBef>
+                <a:spcPts val="0"/>
+              </a:spcBef>
+              <a:spcAft>
+                <a:spcPts val="0"/>
+              </a:spcAft>
+              <a:buSzPts val="1400"/>
+              <a:buNone/>
+              <a:defRPr sz="1800"/>
+            </a:lvl7pPr>
+            <a:lvl8pPr marL="3657600" lvl="7" indent="-228600">
+              <a:spcBef>
+                <a:spcPts val="0"/>
+              </a:spcBef>
+              <a:spcAft>
+                <a:spcPts val="0"/>
+              </a:spcAft>
+              <a:buSzPts val="1400"/>
+              <a:buNone/>
+              <a:defRPr sz="1800"/>
+            </a:lvl8pPr>
+            <a:lvl9pPr marL="4114800" lvl="8" indent="-228600">
+              <a:spcBef>
+                <a:spcPts val="0"/>
+              </a:spcBef>
+              <a:spcAft>
+                <a:spcPts val="0"/>
+              </a:spcAft>
+              <a:buSzPts val="1400"/>
+              <a:buNone/>
+              <a:defRPr sz="1800"/>
+            </a:lvl9pPr>
+          </a:lstStyle>
+          <a:p>
+            <a:endParaRPr/>
+          </a:p>
+        </p:txBody>
+      </p:sp>
+      <p:sp>
+        <p:nvSpPr>
+          <p:cNvPr id="51" name="Shape 51"/>
+          <p:cNvSpPr txBox="1">
+            <a:spLocks noGrp="1"/>
+          </p:cNvSpPr>
+          <p:nvPr>
+            <p:ph type="body" idx="3"/>
+          </p:nvPr>
+        </p:nvSpPr>
+        <p:spPr>
+          <a:xfrm>
+            <a:off x="504000" y="4059360"/>
+            <a:ext cx="9071640" cy="2091240"/>
+          </a:xfrm>
+          <a:prstGeom prst="rect">
+            <a:avLst/>
+          </a:prstGeom>
+          <a:noFill/>
+          <a:ln>
+            <a:noFill/>
+          </a:ln>
+        </p:spPr>
+        <p:txBody>
+          <a:bodyPr spcFirstLastPara="1" wrap="square" lIns="0" tIns="0" rIns="0" bIns="0" anchor="t" anchorCtr="0"/>
+          <a:lstStyle>
+            <a:lvl1pPr marL="457200" lvl="0" indent="-228600">
+              <a:spcBef>
+                <a:spcPts val="0"/>
+              </a:spcBef>
+              <a:spcAft>
+                <a:spcPts val="0"/>
+              </a:spcAft>
+              <a:buSzPts val="1400"/>
+              <a:buNone/>
+              <a:defRPr sz="1800"/>
+            </a:lvl1pPr>
+            <a:lvl2pPr marL="914400" lvl="1" indent="-228600">
+              <a:spcBef>
+                <a:spcPts val="0"/>
+              </a:spcBef>
+              <a:spcAft>
+                <a:spcPts val="0"/>
+              </a:spcAft>
+              <a:buSzPts val="1400"/>
+              <a:buNone/>
+              <a:defRPr sz="1800"/>
+            </a:lvl2pPr>
+            <a:lvl3pPr marL="1371600" lvl="2" indent="-228600">
+              <a:spcBef>
+                <a:spcPts val="0"/>
+              </a:spcBef>
+              <a:spcAft>
+                <a:spcPts val="0"/>
+              </a:spcAft>
+              <a:buSzPts val="1400"/>
+              <a:buNone/>
+              <a:defRPr sz="1800"/>
+            </a:lvl3pPr>
+            <a:lvl4pPr marL="1828800" lvl="3" indent="-228600">
+              <a:spcBef>
+                <a:spcPts val="0"/>
+              </a:spcBef>
+              <a:spcAft>
+                <a:spcPts val="0"/>
+              </a:spcAft>
+              <a:buSzPts val="1400"/>
+              <a:buNone/>
+              <a:defRPr sz="1800"/>
+            </a:lvl4pPr>
+            <a:lvl5pPr marL="2286000" lvl="4" indent="-228600">
+              <a:spcBef>
+                <a:spcPts val="0"/>
+              </a:spcBef>
+              <a:spcAft>
+                <a:spcPts val="0"/>
+              </a:spcAft>
+              <a:buSzPts val="1400"/>
+              <a:buNone/>
+              <a:defRPr sz="1800"/>
+            </a:lvl5pPr>
+            <a:lvl6pPr marL="2743200" lvl="5" indent="-228600">
+              <a:spcBef>
+                <a:spcPts val="0"/>
+              </a:spcBef>
+              <a:spcAft>
+                <a:spcPts val="0"/>
+              </a:spcAft>
+              <a:buSzPts val="1400"/>
+              <a:buNone/>
+              <a:defRPr sz="1800"/>
+            </a:lvl6pPr>
+            <a:lvl7pPr marL="3200400" lvl="6" indent="-228600">
+              <a:spcBef>
+                <a:spcPts val="0"/>
+              </a:spcBef>
+              <a:spcAft>
+                <a:spcPts val="0"/>
+              </a:spcAft>
+              <a:buSzPts val="1400"/>
+              <a:buNone/>
+              <a:defRPr sz="1800"/>
+            </a:lvl7pPr>
+            <a:lvl8pPr marL="3657600" lvl="7" indent="-228600">
+              <a:spcBef>
+                <a:spcPts val="0"/>
+              </a:spcBef>
+              <a:spcAft>
+                <a:spcPts val="0"/>
+              </a:spcAft>
+              <a:buSzPts val="1400"/>
+              <a:buNone/>
+              <a:defRPr sz="1800"/>
+            </a:lvl8pPr>
+            <a:lvl9pPr marL="4114800" lvl="8" indent="-228600">
+              <a:spcBef>
+                <a:spcPts val="0"/>
+              </a:spcBef>
+              <a:spcAft>
+                <a:spcPts val="0"/>
+              </a:spcAft>
+              <a:buSzPts val="1400"/>
+              <a:buNone/>
+              <a:defRPr sz="1800"/>
+            </a:lvl9pPr>
+          </a:lstStyle>
+          <a:p>
+            <a:endParaRPr/>
+          </a:p>
+        </p:txBody>
+      </p:sp>
+    </p:spTree>
+  </p:cSld>
+  <p:clrMapOvr>
+    <a:masterClrMapping/>
+  </p:clrMapOvr>
+</p:sldLayout>
+</file>
+
+<file path=ppt/slideLayouts/slideLayout9.xml><?xml version="1.0" encoding="utf-8"?>
 <p:sldLayout xmlns:a="http://schemas.openxmlformats.org/drawingml/2006/main" xmlns:r="http://schemas.openxmlformats.org/officeDocument/2006/relationships" xmlns:p="http://schemas.openxmlformats.org/presentationml/2006/main" matchingName="Title, Content over Content" type="objOverTx">
   <p:cSld name="OBJECT_OVER_TEXT">
     <p:spTree>
@@ -4877,4109 +8887,6 @@
           </p:cNvSpPr>
           <p:nvPr>
             <p:ph type="body" idx="2"/>
-          </p:nvPr>
-        </p:nvSpPr>
-        <p:spPr>
-          <a:xfrm>
-            <a:off x="504000" y="4059360"/>
-            <a:ext cx="9071640" cy="2091240"/>
-          </a:xfrm>
-          <a:prstGeom prst="rect">
-            <a:avLst/>
-          </a:prstGeom>
-          <a:noFill/>
-          <a:ln>
-            <a:noFill/>
-          </a:ln>
-        </p:spPr>
-        <p:txBody>
-          <a:bodyPr spcFirstLastPara="1" wrap="square" lIns="0" tIns="0" rIns="0" bIns="0" anchor="t" anchorCtr="0"/>
-          <a:lstStyle>
-            <a:lvl1pPr marL="457200" lvl="0" indent="-228600">
-              <a:spcBef>
-                <a:spcPts val="0"/>
-              </a:spcBef>
-              <a:spcAft>
-                <a:spcPts val="0"/>
-              </a:spcAft>
-              <a:buSzPts val="1400"/>
-              <a:buNone/>
-              <a:defRPr sz="1800"/>
-            </a:lvl1pPr>
-            <a:lvl2pPr marL="914400" lvl="1" indent="-228600">
-              <a:spcBef>
-                <a:spcPts val="0"/>
-              </a:spcBef>
-              <a:spcAft>
-                <a:spcPts val="0"/>
-              </a:spcAft>
-              <a:buSzPts val="1400"/>
-              <a:buNone/>
-              <a:defRPr sz="1800"/>
-            </a:lvl2pPr>
-            <a:lvl3pPr marL="1371600" lvl="2" indent="-228600">
-              <a:spcBef>
-                <a:spcPts val="0"/>
-              </a:spcBef>
-              <a:spcAft>
-                <a:spcPts val="0"/>
-              </a:spcAft>
-              <a:buSzPts val="1400"/>
-              <a:buNone/>
-              <a:defRPr sz="1800"/>
-            </a:lvl3pPr>
-            <a:lvl4pPr marL="1828800" lvl="3" indent="-228600">
-              <a:spcBef>
-                <a:spcPts val="0"/>
-              </a:spcBef>
-              <a:spcAft>
-                <a:spcPts val="0"/>
-              </a:spcAft>
-              <a:buSzPts val="1400"/>
-              <a:buNone/>
-              <a:defRPr sz="1800"/>
-            </a:lvl4pPr>
-            <a:lvl5pPr marL="2286000" lvl="4" indent="-228600">
-              <a:spcBef>
-                <a:spcPts val="0"/>
-              </a:spcBef>
-              <a:spcAft>
-                <a:spcPts val="0"/>
-              </a:spcAft>
-              <a:buSzPts val="1400"/>
-              <a:buNone/>
-              <a:defRPr sz="1800"/>
-            </a:lvl5pPr>
-            <a:lvl6pPr marL="2743200" lvl="5" indent="-228600">
-              <a:spcBef>
-                <a:spcPts val="0"/>
-              </a:spcBef>
-              <a:spcAft>
-                <a:spcPts val="0"/>
-              </a:spcAft>
-              <a:buSzPts val="1400"/>
-              <a:buNone/>
-              <a:defRPr sz="1800"/>
-            </a:lvl6pPr>
-            <a:lvl7pPr marL="3200400" lvl="6" indent="-228600">
-              <a:spcBef>
-                <a:spcPts val="0"/>
-              </a:spcBef>
-              <a:spcAft>
-                <a:spcPts val="0"/>
-              </a:spcAft>
-              <a:buSzPts val="1400"/>
-              <a:buNone/>
-              <a:defRPr sz="1800"/>
-            </a:lvl7pPr>
-            <a:lvl8pPr marL="3657600" lvl="7" indent="-228600">
-              <a:spcBef>
-                <a:spcPts val="0"/>
-              </a:spcBef>
-              <a:spcAft>
-                <a:spcPts val="0"/>
-              </a:spcAft>
-              <a:buSzPts val="1400"/>
-              <a:buNone/>
-              <a:defRPr sz="1800"/>
-            </a:lvl8pPr>
-            <a:lvl9pPr marL="4114800" lvl="8" indent="-228600">
-              <a:spcBef>
-                <a:spcPts val="0"/>
-              </a:spcBef>
-              <a:spcAft>
-                <a:spcPts val="0"/>
-              </a:spcAft>
-              <a:buSzPts val="1400"/>
-              <a:buNone/>
-              <a:defRPr sz="1800"/>
-            </a:lvl9pPr>
-          </a:lstStyle>
-          <a:p>
-            <a:endParaRPr/>
-          </a:p>
-        </p:txBody>
-      </p:sp>
-    </p:spTree>
-  </p:cSld>
-  <p:clrMapOvr>
-    <a:masterClrMapping/>
-  </p:clrMapOvr>
-</p:sldLayout>
-</file>
-
-<file path=ppt/slideLayouts/slideLayout11.xml><?xml version="1.0" encoding="utf-8"?>
-<p:sldLayout xmlns:a="http://schemas.openxmlformats.org/drawingml/2006/main" xmlns:r="http://schemas.openxmlformats.org/officeDocument/2006/relationships" xmlns:p="http://schemas.openxmlformats.org/presentationml/2006/main" matchingName="Title, 4 Content" type="fourObj">
-  <p:cSld name="FOUR_OBJECTS">
-    <p:spTree>
-      <p:nvGrpSpPr>
-        <p:cNvPr id="1" name="Shape 56"/>
-        <p:cNvGrpSpPr/>
-        <p:nvPr/>
-      </p:nvGrpSpPr>
-      <p:grpSpPr>
-        <a:xfrm>
-          <a:off x="0" y="0"/>
-          <a:ext cx="0" cy="0"/>
-          <a:chOff x="0" y="0"/>
-          <a:chExt cx="0" cy="0"/>
-        </a:xfrm>
-      </p:grpSpPr>
-      <p:sp>
-        <p:nvSpPr>
-          <p:cNvPr id="57" name="Shape 57"/>
-          <p:cNvSpPr txBox="1">
-            <a:spLocks noGrp="1"/>
-          </p:cNvSpPr>
-          <p:nvPr>
-            <p:ph type="title"/>
-          </p:nvPr>
-        </p:nvSpPr>
-        <p:spPr>
-          <a:xfrm>
-            <a:off x="504000" y="301320"/>
-            <a:ext cx="9071640" cy="1262160"/>
-          </a:xfrm>
-          <a:prstGeom prst="rect">
-            <a:avLst/>
-          </a:prstGeom>
-          <a:noFill/>
-          <a:ln>
-            <a:noFill/>
-          </a:ln>
-        </p:spPr>
-        <p:txBody>
-          <a:bodyPr spcFirstLastPara="1" wrap="square" lIns="0" tIns="0" rIns="0" bIns="0" anchor="ctr" anchorCtr="0"/>
-          <a:lstStyle>
-            <a:lvl1pPr lvl="0">
-              <a:spcBef>
-                <a:spcPts val="0"/>
-              </a:spcBef>
-              <a:spcAft>
-                <a:spcPts val="0"/>
-              </a:spcAft>
-              <a:buSzPts val="1400"/>
-              <a:buNone/>
-              <a:defRPr sz="1800"/>
-            </a:lvl1pPr>
-            <a:lvl2pPr lvl="1">
-              <a:spcBef>
-                <a:spcPts val="0"/>
-              </a:spcBef>
-              <a:spcAft>
-                <a:spcPts val="0"/>
-              </a:spcAft>
-              <a:buSzPts val="1400"/>
-              <a:buNone/>
-              <a:defRPr sz="1800"/>
-            </a:lvl2pPr>
-            <a:lvl3pPr lvl="2">
-              <a:spcBef>
-                <a:spcPts val="0"/>
-              </a:spcBef>
-              <a:spcAft>
-                <a:spcPts val="0"/>
-              </a:spcAft>
-              <a:buSzPts val="1400"/>
-              <a:buNone/>
-              <a:defRPr sz="1800"/>
-            </a:lvl3pPr>
-            <a:lvl4pPr lvl="3">
-              <a:spcBef>
-                <a:spcPts val="0"/>
-              </a:spcBef>
-              <a:spcAft>
-                <a:spcPts val="0"/>
-              </a:spcAft>
-              <a:buSzPts val="1400"/>
-              <a:buNone/>
-              <a:defRPr sz="1800"/>
-            </a:lvl4pPr>
-            <a:lvl5pPr lvl="4">
-              <a:spcBef>
-                <a:spcPts val="0"/>
-              </a:spcBef>
-              <a:spcAft>
-                <a:spcPts val="0"/>
-              </a:spcAft>
-              <a:buSzPts val="1400"/>
-              <a:buNone/>
-              <a:defRPr sz="1800"/>
-            </a:lvl5pPr>
-            <a:lvl6pPr lvl="5">
-              <a:spcBef>
-                <a:spcPts val="0"/>
-              </a:spcBef>
-              <a:spcAft>
-                <a:spcPts val="0"/>
-              </a:spcAft>
-              <a:buSzPts val="1400"/>
-              <a:buNone/>
-              <a:defRPr sz="1800"/>
-            </a:lvl6pPr>
-            <a:lvl7pPr lvl="6">
-              <a:spcBef>
-                <a:spcPts val="0"/>
-              </a:spcBef>
-              <a:spcAft>
-                <a:spcPts val="0"/>
-              </a:spcAft>
-              <a:buSzPts val="1400"/>
-              <a:buNone/>
-              <a:defRPr sz="1800"/>
-            </a:lvl7pPr>
-            <a:lvl8pPr lvl="7">
-              <a:spcBef>
-                <a:spcPts val="0"/>
-              </a:spcBef>
-              <a:spcAft>
-                <a:spcPts val="0"/>
-              </a:spcAft>
-              <a:buSzPts val="1400"/>
-              <a:buNone/>
-              <a:defRPr sz="1800"/>
-            </a:lvl8pPr>
-            <a:lvl9pPr lvl="8">
-              <a:spcBef>
-                <a:spcPts val="0"/>
-              </a:spcBef>
-              <a:spcAft>
-                <a:spcPts val="0"/>
-              </a:spcAft>
-              <a:buSzPts val="1400"/>
-              <a:buNone/>
-              <a:defRPr sz="1800"/>
-            </a:lvl9pPr>
-          </a:lstStyle>
-          <a:p>
-            <a:endParaRPr/>
-          </a:p>
-        </p:txBody>
-      </p:sp>
-      <p:sp>
-        <p:nvSpPr>
-          <p:cNvPr id="58" name="Shape 58"/>
-          <p:cNvSpPr txBox="1">
-            <a:spLocks noGrp="1"/>
-          </p:cNvSpPr>
-          <p:nvPr>
-            <p:ph type="body" idx="1"/>
-          </p:nvPr>
-        </p:nvSpPr>
-        <p:spPr>
-          <a:xfrm>
-            <a:off x="504000" y="1769040"/>
-            <a:ext cx="4426920" cy="2091240"/>
-          </a:xfrm>
-          <a:prstGeom prst="rect">
-            <a:avLst/>
-          </a:prstGeom>
-          <a:noFill/>
-          <a:ln>
-            <a:noFill/>
-          </a:ln>
-        </p:spPr>
-        <p:txBody>
-          <a:bodyPr spcFirstLastPara="1" wrap="square" lIns="0" tIns="0" rIns="0" bIns="0" anchor="t" anchorCtr="0"/>
-          <a:lstStyle>
-            <a:lvl1pPr marL="457200" lvl="0" indent="-228600">
-              <a:spcBef>
-                <a:spcPts val="0"/>
-              </a:spcBef>
-              <a:spcAft>
-                <a:spcPts val="0"/>
-              </a:spcAft>
-              <a:buSzPts val="1400"/>
-              <a:buNone/>
-              <a:defRPr sz="1800"/>
-            </a:lvl1pPr>
-            <a:lvl2pPr marL="914400" lvl="1" indent="-228600">
-              <a:spcBef>
-                <a:spcPts val="0"/>
-              </a:spcBef>
-              <a:spcAft>
-                <a:spcPts val="0"/>
-              </a:spcAft>
-              <a:buSzPts val="1400"/>
-              <a:buNone/>
-              <a:defRPr sz="1800"/>
-            </a:lvl2pPr>
-            <a:lvl3pPr marL="1371600" lvl="2" indent="-228600">
-              <a:spcBef>
-                <a:spcPts val="0"/>
-              </a:spcBef>
-              <a:spcAft>
-                <a:spcPts val="0"/>
-              </a:spcAft>
-              <a:buSzPts val="1400"/>
-              <a:buNone/>
-              <a:defRPr sz="1800"/>
-            </a:lvl3pPr>
-            <a:lvl4pPr marL="1828800" lvl="3" indent="-228600">
-              <a:spcBef>
-                <a:spcPts val="0"/>
-              </a:spcBef>
-              <a:spcAft>
-                <a:spcPts val="0"/>
-              </a:spcAft>
-              <a:buSzPts val="1400"/>
-              <a:buNone/>
-              <a:defRPr sz="1800"/>
-            </a:lvl4pPr>
-            <a:lvl5pPr marL="2286000" lvl="4" indent="-228600">
-              <a:spcBef>
-                <a:spcPts val="0"/>
-              </a:spcBef>
-              <a:spcAft>
-                <a:spcPts val="0"/>
-              </a:spcAft>
-              <a:buSzPts val="1400"/>
-              <a:buNone/>
-              <a:defRPr sz="1800"/>
-            </a:lvl5pPr>
-            <a:lvl6pPr marL="2743200" lvl="5" indent="-228600">
-              <a:spcBef>
-                <a:spcPts val="0"/>
-              </a:spcBef>
-              <a:spcAft>
-                <a:spcPts val="0"/>
-              </a:spcAft>
-              <a:buSzPts val="1400"/>
-              <a:buNone/>
-              <a:defRPr sz="1800"/>
-            </a:lvl6pPr>
-            <a:lvl7pPr marL="3200400" lvl="6" indent="-228600">
-              <a:spcBef>
-                <a:spcPts val="0"/>
-              </a:spcBef>
-              <a:spcAft>
-                <a:spcPts val="0"/>
-              </a:spcAft>
-              <a:buSzPts val="1400"/>
-              <a:buNone/>
-              <a:defRPr sz="1800"/>
-            </a:lvl7pPr>
-            <a:lvl8pPr marL="3657600" lvl="7" indent="-228600">
-              <a:spcBef>
-                <a:spcPts val="0"/>
-              </a:spcBef>
-              <a:spcAft>
-                <a:spcPts val="0"/>
-              </a:spcAft>
-              <a:buSzPts val="1400"/>
-              <a:buNone/>
-              <a:defRPr sz="1800"/>
-            </a:lvl8pPr>
-            <a:lvl9pPr marL="4114800" lvl="8" indent="-228600">
-              <a:spcBef>
-                <a:spcPts val="0"/>
-              </a:spcBef>
-              <a:spcAft>
-                <a:spcPts val="0"/>
-              </a:spcAft>
-              <a:buSzPts val="1400"/>
-              <a:buNone/>
-              <a:defRPr sz="1800"/>
-            </a:lvl9pPr>
-          </a:lstStyle>
-          <a:p>
-            <a:endParaRPr/>
-          </a:p>
-        </p:txBody>
-      </p:sp>
-      <p:sp>
-        <p:nvSpPr>
-          <p:cNvPr id="59" name="Shape 59"/>
-          <p:cNvSpPr txBox="1">
-            <a:spLocks noGrp="1"/>
-          </p:cNvSpPr>
-          <p:nvPr>
-            <p:ph type="body" idx="2"/>
-          </p:nvPr>
-        </p:nvSpPr>
-        <p:spPr>
-          <a:xfrm>
-            <a:off x="5152680" y="1769040"/>
-            <a:ext cx="4426920" cy="2091240"/>
-          </a:xfrm>
-          <a:prstGeom prst="rect">
-            <a:avLst/>
-          </a:prstGeom>
-          <a:noFill/>
-          <a:ln>
-            <a:noFill/>
-          </a:ln>
-        </p:spPr>
-        <p:txBody>
-          <a:bodyPr spcFirstLastPara="1" wrap="square" lIns="0" tIns="0" rIns="0" bIns="0" anchor="t" anchorCtr="0"/>
-          <a:lstStyle>
-            <a:lvl1pPr marL="457200" lvl="0" indent="-228600">
-              <a:spcBef>
-                <a:spcPts val="0"/>
-              </a:spcBef>
-              <a:spcAft>
-                <a:spcPts val="0"/>
-              </a:spcAft>
-              <a:buSzPts val="1400"/>
-              <a:buNone/>
-              <a:defRPr sz="1800"/>
-            </a:lvl1pPr>
-            <a:lvl2pPr marL="914400" lvl="1" indent="-228600">
-              <a:spcBef>
-                <a:spcPts val="0"/>
-              </a:spcBef>
-              <a:spcAft>
-                <a:spcPts val="0"/>
-              </a:spcAft>
-              <a:buSzPts val="1400"/>
-              <a:buNone/>
-              <a:defRPr sz="1800"/>
-            </a:lvl2pPr>
-            <a:lvl3pPr marL="1371600" lvl="2" indent="-228600">
-              <a:spcBef>
-                <a:spcPts val="0"/>
-              </a:spcBef>
-              <a:spcAft>
-                <a:spcPts val="0"/>
-              </a:spcAft>
-              <a:buSzPts val="1400"/>
-              <a:buNone/>
-              <a:defRPr sz="1800"/>
-            </a:lvl3pPr>
-            <a:lvl4pPr marL="1828800" lvl="3" indent="-228600">
-              <a:spcBef>
-                <a:spcPts val="0"/>
-              </a:spcBef>
-              <a:spcAft>
-                <a:spcPts val="0"/>
-              </a:spcAft>
-              <a:buSzPts val="1400"/>
-              <a:buNone/>
-              <a:defRPr sz="1800"/>
-            </a:lvl4pPr>
-            <a:lvl5pPr marL="2286000" lvl="4" indent="-228600">
-              <a:spcBef>
-                <a:spcPts val="0"/>
-              </a:spcBef>
-              <a:spcAft>
-                <a:spcPts val="0"/>
-              </a:spcAft>
-              <a:buSzPts val="1400"/>
-              <a:buNone/>
-              <a:defRPr sz="1800"/>
-            </a:lvl5pPr>
-            <a:lvl6pPr marL="2743200" lvl="5" indent="-228600">
-              <a:spcBef>
-                <a:spcPts val="0"/>
-              </a:spcBef>
-              <a:spcAft>
-                <a:spcPts val="0"/>
-              </a:spcAft>
-              <a:buSzPts val="1400"/>
-              <a:buNone/>
-              <a:defRPr sz="1800"/>
-            </a:lvl6pPr>
-            <a:lvl7pPr marL="3200400" lvl="6" indent="-228600">
-              <a:spcBef>
-                <a:spcPts val="0"/>
-              </a:spcBef>
-              <a:spcAft>
-                <a:spcPts val="0"/>
-              </a:spcAft>
-              <a:buSzPts val="1400"/>
-              <a:buNone/>
-              <a:defRPr sz="1800"/>
-            </a:lvl7pPr>
-            <a:lvl8pPr marL="3657600" lvl="7" indent="-228600">
-              <a:spcBef>
-                <a:spcPts val="0"/>
-              </a:spcBef>
-              <a:spcAft>
-                <a:spcPts val="0"/>
-              </a:spcAft>
-              <a:buSzPts val="1400"/>
-              <a:buNone/>
-              <a:defRPr sz="1800"/>
-            </a:lvl8pPr>
-            <a:lvl9pPr marL="4114800" lvl="8" indent="-228600">
-              <a:spcBef>
-                <a:spcPts val="0"/>
-              </a:spcBef>
-              <a:spcAft>
-                <a:spcPts val="0"/>
-              </a:spcAft>
-              <a:buSzPts val="1400"/>
-              <a:buNone/>
-              <a:defRPr sz="1800"/>
-            </a:lvl9pPr>
-          </a:lstStyle>
-          <a:p>
-            <a:endParaRPr/>
-          </a:p>
-        </p:txBody>
-      </p:sp>
-      <p:sp>
-        <p:nvSpPr>
-          <p:cNvPr id="60" name="Shape 60"/>
-          <p:cNvSpPr txBox="1">
-            <a:spLocks noGrp="1"/>
-          </p:cNvSpPr>
-          <p:nvPr>
-            <p:ph type="body" idx="3"/>
-          </p:nvPr>
-        </p:nvSpPr>
-        <p:spPr>
-          <a:xfrm>
-            <a:off x="5152680" y="4059360"/>
-            <a:ext cx="4426920" cy="2091240"/>
-          </a:xfrm>
-          <a:prstGeom prst="rect">
-            <a:avLst/>
-          </a:prstGeom>
-          <a:noFill/>
-          <a:ln>
-            <a:noFill/>
-          </a:ln>
-        </p:spPr>
-        <p:txBody>
-          <a:bodyPr spcFirstLastPara="1" wrap="square" lIns="0" tIns="0" rIns="0" bIns="0" anchor="t" anchorCtr="0"/>
-          <a:lstStyle>
-            <a:lvl1pPr marL="457200" lvl="0" indent="-228600">
-              <a:spcBef>
-                <a:spcPts val="0"/>
-              </a:spcBef>
-              <a:spcAft>
-                <a:spcPts val="0"/>
-              </a:spcAft>
-              <a:buSzPts val="1400"/>
-              <a:buNone/>
-              <a:defRPr sz="1800"/>
-            </a:lvl1pPr>
-            <a:lvl2pPr marL="914400" lvl="1" indent="-228600">
-              <a:spcBef>
-                <a:spcPts val="0"/>
-              </a:spcBef>
-              <a:spcAft>
-                <a:spcPts val="0"/>
-              </a:spcAft>
-              <a:buSzPts val="1400"/>
-              <a:buNone/>
-              <a:defRPr sz="1800"/>
-            </a:lvl2pPr>
-            <a:lvl3pPr marL="1371600" lvl="2" indent="-228600">
-              <a:spcBef>
-                <a:spcPts val="0"/>
-              </a:spcBef>
-              <a:spcAft>
-                <a:spcPts val="0"/>
-              </a:spcAft>
-              <a:buSzPts val="1400"/>
-              <a:buNone/>
-              <a:defRPr sz="1800"/>
-            </a:lvl3pPr>
-            <a:lvl4pPr marL="1828800" lvl="3" indent="-228600">
-              <a:spcBef>
-                <a:spcPts val="0"/>
-              </a:spcBef>
-              <a:spcAft>
-                <a:spcPts val="0"/>
-              </a:spcAft>
-              <a:buSzPts val="1400"/>
-              <a:buNone/>
-              <a:defRPr sz="1800"/>
-            </a:lvl4pPr>
-            <a:lvl5pPr marL="2286000" lvl="4" indent="-228600">
-              <a:spcBef>
-                <a:spcPts val="0"/>
-              </a:spcBef>
-              <a:spcAft>
-                <a:spcPts val="0"/>
-              </a:spcAft>
-              <a:buSzPts val="1400"/>
-              <a:buNone/>
-              <a:defRPr sz="1800"/>
-            </a:lvl5pPr>
-            <a:lvl6pPr marL="2743200" lvl="5" indent="-228600">
-              <a:spcBef>
-                <a:spcPts val="0"/>
-              </a:spcBef>
-              <a:spcAft>
-                <a:spcPts val="0"/>
-              </a:spcAft>
-              <a:buSzPts val="1400"/>
-              <a:buNone/>
-              <a:defRPr sz="1800"/>
-            </a:lvl6pPr>
-            <a:lvl7pPr marL="3200400" lvl="6" indent="-228600">
-              <a:spcBef>
-                <a:spcPts val="0"/>
-              </a:spcBef>
-              <a:spcAft>
-                <a:spcPts val="0"/>
-              </a:spcAft>
-              <a:buSzPts val="1400"/>
-              <a:buNone/>
-              <a:defRPr sz="1800"/>
-            </a:lvl7pPr>
-            <a:lvl8pPr marL="3657600" lvl="7" indent="-228600">
-              <a:spcBef>
-                <a:spcPts val="0"/>
-              </a:spcBef>
-              <a:spcAft>
-                <a:spcPts val="0"/>
-              </a:spcAft>
-              <a:buSzPts val="1400"/>
-              <a:buNone/>
-              <a:defRPr sz="1800"/>
-            </a:lvl8pPr>
-            <a:lvl9pPr marL="4114800" lvl="8" indent="-228600">
-              <a:spcBef>
-                <a:spcPts val="0"/>
-              </a:spcBef>
-              <a:spcAft>
-                <a:spcPts val="0"/>
-              </a:spcAft>
-              <a:buSzPts val="1400"/>
-              <a:buNone/>
-              <a:defRPr sz="1800"/>
-            </a:lvl9pPr>
-          </a:lstStyle>
-          <a:p>
-            <a:endParaRPr/>
-          </a:p>
-        </p:txBody>
-      </p:sp>
-      <p:sp>
-        <p:nvSpPr>
-          <p:cNvPr id="61" name="Shape 61"/>
-          <p:cNvSpPr txBox="1">
-            <a:spLocks noGrp="1"/>
-          </p:cNvSpPr>
-          <p:nvPr>
-            <p:ph type="body" idx="4"/>
-          </p:nvPr>
-        </p:nvSpPr>
-        <p:spPr>
-          <a:xfrm>
-            <a:off x="504000" y="4059360"/>
-            <a:ext cx="4426920" cy="2091240"/>
-          </a:xfrm>
-          <a:prstGeom prst="rect">
-            <a:avLst/>
-          </a:prstGeom>
-          <a:noFill/>
-          <a:ln>
-            <a:noFill/>
-          </a:ln>
-        </p:spPr>
-        <p:txBody>
-          <a:bodyPr spcFirstLastPara="1" wrap="square" lIns="0" tIns="0" rIns="0" bIns="0" anchor="t" anchorCtr="0"/>
-          <a:lstStyle>
-            <a:lvl1pPr marL="457200" lvl="0" indent="-228600">
-              <a:spcBef>
-                <a:spcPts val="0"/>
-              </a:spcBef>
-              <a:spcAft>
-                <a:spcPts val="0"/>
-              </a:spcAft>
-              <a:buSzPts val="1400"/>
-              <a:buNone/>
-              <a:defRPr sz="1800"/>
-            </a:lvl1pPr>
-            <a:lvl2pPr marL="914400" lvl="1" indent="-228600">
-              <a:spcBef>
-                <a:spcPts val="0"/>
-              </a:spcBef>
-              <a:spcAft>
-                <a:spcPts val="0"/>
-              </a:spcAft>
-              <a:buSzPts val="1400"/>
-              <a:buNone/>
-              <a:defRPr sz="1800"/>
-            </a:lvl2pPr>
-            <a:lvl3pPr marL="1371600" lvl="2" indent="-228600">
-              <a:spcBef>
-                <a:spcPts val="0"/>
-              </a:spcBef>
-              <a:spcAft>
-                <a:spcPts val="0"/>
-              </a:spcAft>
-              <a:buSzPts val="1400"/>
-              <a:buNone/>
-              <a:defRPr sz="1800"/>
-            </a:lvl3pPr>
-            <a:lvl4pPr marL="1828800" lvl="3" indent="-228600">
-              <a:spcBef>
-                <a:spcPts val="0"/>
-              </a:spcBef>
-              <a:spcAft>
-                <a:spcPts val="0"/>
-              </a:spcAft>
-              <a:buSzPts val="1400"/>
-              <a:buNone/>
-              <a:defRPr sz="1800"/>
-            </a:lvl4pPr>
-            <a:lvl5pPr marL="2286000" lvl="4" indent="-228600">
-              <a:spcBef>
-                <a:spcPts val="0"/>
-              </a:spcBef>
-              <a:spcAft>
-                <a:spcPts val="0"/>
-              </a:spcAft>
-              <a:buSzPts val="1400"/>
-              <a:buNone/>
-              <a:defRPr sz="1800"/>
-            </a:lvl5pPr>
-            <a:lvl6pPr marL="2743200" lvl="5" indent="-228600">
-              <a:spcBef>
-                <a:spcPts val="0"/>
-              </a:spcBef>
-              <a:spcAft>
-                <a:spcPts val="0"/>
-              </a:spcAft>
-              <a:buSzPts val="1400"/>
-              <a:buNone/>
-              <a:defRPr sz="1800"/>
-            </a:lvl6pPr>
-            <a:lvl7pPr marL="3200400" lvl="6" indent="-228600">
-              <a:spcBef>
-                <a:spcPts val="0"/>
-              </a:spcBef>
-              <a:spcAft>
-                <a:spcPts val="0"/>
-              </a:spcAft>
-              <a:buSzPts val="1400"/>
-              <a:buNone/>
-              <a:defRPr sz="1800"/>
-            </a:lvl7pPr>
-            <a:lvl8pPr marL="3657600" lvl="7" indent="-228600">
-              <a:spcBef>
-                <a:spcPts val="0"/>
-              </a:spcBef>
-              <a:spcAft>
-                <a:spcPts val="0"/>
-              </a:spcAft>
-              <a:buSzPts val="1400"/>
-              <a:buNone/>
-              <a:defRPr sz="1800"/>
-            </a:lvl8pPr>
-            <a:lvl9pPr marL="4114800" lvl="8" indent="-228600">
-              <a:spcBef>
-                <a:spcPts val="0"/>
-              </a:spcBef>
-              <a:spcAft>
-                <a:spcPts val="0"/>
-              </a:spcAft>
-              <a:buSzPts val="1400"/>
-              <a:buNone/>
-              <a:defRPr sz="1800"/>
-            </a:lvl9pPr>
-          </a:lstStyle>
-          <a:p>
-            <a:endParaRPr/>
-          </a:p>
-        </p:txBody>
-      </p:sp>
-    </p:spTree>
-  </p:cSld>
-  <p:clrMapOvr>
-    <a:masterClrMapping/>
-  </p:clrMapOvr>
-</p:sldLayout>
-</file>
-
-<file path=ppt/slideLayouts/slideLayout12.xml><?xml version="1.0" encoding="utf-8"?>
-<p:sldLayout xmlns:a="http://schemas.openxmlformats.org/drawingml/2006/main" xmlns:r="http://schemas.openxmlformats.org/officeDocument/2006/relationships" xmlns:p="http://schemas.openxmlformats.org/presentationml/2006/main" matchingName="Title, 6 Content">
-  <p:cSld name="Title, 6 Content">
-    <p:spTree>
-      <p:nvGrpSpPr>
-        <p:cNvPr id="1" name="Shape 62"/>
-        <p:cNvGrpSpPr/>
-        <p:nvPr/>
-      </p:nvGrpSpPr>
-      <p:grpSpPr>
-        <a:xfrm>
-          <a:off x="0" y="0"/>
-          <a:ext cx="0" cy="0"/>
-          <a:chOff x="0" y="0"/>
-          <a:chExt cx="0" cy="0"/>
-        </a:xfrm>
-      </p:grpSpPr>
-      <p:sp>
-        <p:nvSpPr>
-          <p:cNvPr id="63" name="Shape 63"/>
-          <p:cNvSpPr txBox="1">
-            <a:spLocks noGrp="1"/>
-          </p:cNvSpPr>
-          <p:nvPr>
-            <p:ph type="title"/>
-          </p:nvPr>
-        </p:nvSpPr>
-        <p:spPr>
-          <a:xfrm>
-            <a:off x="504000" y="301320"/>
-            <a:ext cx="9071640" cy="1262160"/>
-          </a:xfrm>
-          <a:prstGeom prst="rect">
-            <a:avLst/>
-          </a:prstGeom>
-          <a:noFill/>
-          <a:ln>
-            <a:noFill/>
-          </a:ln>
-        </p:spPr>
-        <p:txBody>
-          <a:bodyPr spcFirstLastPara="1" wrap="square" lIns="0" tIns="0" rIns="0" bIns="0" anchor="ctr" anchorCtr="0"/>
-          <a:lstStyle>
-            <a:lvl1pPr lvl="0">
-              <a:spcBef>
-                <a:spcPts val="0"/>
-              </a:spcBef>
-              <a:spcAft>
-                <a:spcPts val="0"/>
-              </a:spcAft>
-              <a:buSzPts val="1400"/>
-              <a:buNone/>
-              <a:defRPr sz="1800"/>
-            </a:lvl1pPr>
-            <a:lvl2pPr lvl="1">
-              <a:spcBef>
-                <a:spcPts val="0"/>
-              </a:spcBef>
-              <a:spcAft>
-                <a:spcPts val="0"/>
-              </a:spcAft>
-              <a:buSzPts val="1400"/>
-              <a:buNone/>
-              <a:defRPr sz="1800"/>
-            </a:lvl2pPr>
-            <a:lvl3pPr lvl="2">
-              <a:spcBef>
-                <a:spcPts val="0"/>
-              </a:spcBef>
-              <a:spcAft>
-                <a:spcPts val="0"/>
-              </a:spcAft>
-              <a:buSzPts val="1400"/>
-              <a:buNone/>
-              <a:defRPr sz="1800"/>
-            </a:lvl3pPr>
-            <a:lvl4pPr lvl="3">
-              <a:spcBef>
-                <a:spcPts val="0"/>
-              </a:spcBef>
-              <a:spcAft>
-                <a:spcPts val="0"/>
-              </a:spcAft>
-              <a:buSzPts val="1400"/>
-              <a:buNone/>
-              <a:defRPr sz="1800"/>
-            </a:lvl4pPr>
-            <a:lvl5pPr lvl="4">
-              <a:spcBef>
-                <a:spcPts val="0"/>
-              </a:spcBef>
-              <a:spcAft>
-                <a:spcPts val="0"/>
-              </a:spcAft>
-              <a:buSzPts val="1400"/>
-              <a:buNone/>
-              <a:defRPr sz="1800"/>
-            </a:lvl5pPr>
-            <a:lvl6pPr lvl="5">
-              <a:spcBef>
-                <a:spcPts val="0"/>
-              </a:spcBef>
-              <a:spcAft>
-                <a:spcPts val="0"/>
-              </a:spcAft>
-              <a:buSzPts val="1400"/>
-              <a:buNone/>
-              <a:defRPr sz="1800"/>
-            </a:lvl6pPr>
-            <a:lvl7pPr lvl="6">
-              <a:spcBef>
-                <a:spcPts val="0"/>
-              </a:spcBef>
-              <a:spcAft>
-                <a:spcPts val="0"/>
-              </a:spcAft>
-              <a:buSzPts val="1400"/>
-              <a:buNone/>
-              <a:defRPr sz="1800"/>
-            </a:lvl7pPr>
-            <a:lvl8pPr lvl="7">
-              <a:spcBef>
-                <a:spcPts val="0"/>
-              </a:spcBef>
-              <a:spcAft>
-                <a:spcPts val="0"/>
-              </a:spcAft>
-              <a:buSzPts val="1400"/>
-              <a:buNone/>
-              <a:defRPr sz="1800"/>
-            </a:lvl8pPr>
-            <a:lvl9pPr lvl="8">
-              <a:spcBef>
-                <a:spcPts val="0"/>
-              </a:spcBef>
-              <a:spcAft>
-                <a:spcPts val="0"/>
-              </a:spcAft>
-              <a:buSzPts val="1400"/>
-              <a:buNone/>
-              <a:defRPr sz="1800"/>
-            </a:lvl9pPr>
-          </a:lstStyle>
-          <a:p>
-            <a:endParaRPr/>
-          </a:p>
-        </p:txBody>
-      </p:sp>
-      <p:sp>
-        <p:nvSpPr>
-          <p:cNvPr id="64" name="Shape 64"/>
-          <p:cNvSpPr txBox="1">
-            <a:spLocks noGrp="1"/>
-          </p:cNvSpPr>
-          <p:nvPr>
-            <p:ph type="body" idx="1"/>
-          </p:nvPr>
-        </p:nvSpPr>
-        <p:spPr>
-          <a:xfrm>
-            <a:off x="504000" y="1769040"/>
-            <a:ext cx="9071640" cy="4384440"/>
-          </a:xfrm>
-          <a:prstGeom prst="rect">
-            <a:avLst/>
-          </a:prstGeom>
-          <a:noFill/>
-          <a:ln>
-            <a:noFill/>
-          </a:ln>
-        </p:spPr>
-        <p:txBody>
-          <a:bodyPr spcFirstLastPara="1" wrap="square" lIns="0" tIns="0" rIns="0" bIns="0" anchor="t" anchorCtr="0"/>
-          <a:lstStyle>
-            <a:lvl1pPr marL="457200" lvl="0" indent="-228600">
-              <a:spcBef>
-                <a:spcPts val="0"/>
-              </a:spcBef>
-              <a:spcAft>
-                <a:spcPts val="0"/>
-              </a:spcAft>
-              <a:buSzPts val="1400"/>
-              <a:buNone/>
-              <a:defRPr sz="1800"/>
-            </a:lvl1pPr>
-            <a:lvl2pPr marL="914400" lvl="1" indent="-228600">
-              <a:spcBef>
-                <a:spcPts val="0"/>
-              </a:spcBef>
-              <a:spcAft>
-                <a:spcPts val="0"/>
-              </a:spcAft>
-              <a:buSzPts val="1400"/>
-              <a:buNone/>
-              <a:defRPr sz="1800"/>
-            </a:lvl2pPr>
-            <a:lvl3pPr marL="1371600" lvl="2" indent="-228600">
-              <a:spcBef>
-                <a:spcPts val="0"/>
-              </a:spcBef>
-              <a:spcAft>
-                <a:spcPts val="0"/>
-              </a:spcAft>
-              <a:buSzPts val="1400"/>
-              <a:buNone/>
-              <a:defRPr sz="1800"/>
-            </a:lvl3pPr>
-            <a:lvl4pPr marL="1828800" lvl="3" indent="-228600">
-              <a:spcBef>
-                <a:spcPts val="0"/>
-              </a:spcBef>
-              <a:spcAft>
-                <a:spcPts val="0"/>
-              </a:spcAft>
-              <a:buSzPts val="1400"/>
-              <a:buNone/>
-              <a:defRPr sz="1800"/>
-            </a:lvl4pPr>
-            <a:lvl5pPr marL="2286000" lvl="4" indent="-228600">
-              <a:spcBef>
-                <a:spcPts val="0"/>
-              </a:spcBef>
-              <a:spcAft>
-                <a:spcPts val="0"/>
-              </a:spcAft>
-              <a:buSzPts val="1400"/>
-              <a:buNone/>
-              <a:defRPr sz="1800"/>
-            </a:lvl5pPr>
-            <a:lvl6pPr marL="2743200" lvl="5" indent="-228600">
-              <a:spcBef>
-                <a:spcPts val="0"/>
-              </a:spcBef>
-              <a:spcAft>
-                <a:spcPts val="0"/>
-              </a:spcAft>
-              <a:buSzPts val="1400"/>
-              <a:buNone/>
-              <a:defRPr sz="1800"/>
-            </a:lvl6pPr>
-            <a:lvl7pPr marL="3200400" lvl="6" indent="-228600">
-              <a:spcBef>
-                <a:spcPts val="0"/>
-              </a:spcBef>
-              <a:spcAft>
-                <a:spcPts val="0"/>
-              </a:spcAft>
-              <a:buSzPts val="1400"/>
-              <a:buNone/>
-              <a:defRPr sz="1800"/>
-            </a:lvl7pPr>
-            <a:lvl8pPr marL="3657600" lvl="7" indent="-228600">
-              <a:spcBef>
-                <a:spcPts val="0"/>
-              </a:spcBef>
-              <a:spcAft>
-                <a:spcPts val="0"/>
-              </a:spcAft>
-              <a:buSzPts val="1400"/>
-              <a:buNone/>
-              <a:defRPr sz="1800"/>
-            </a:lvl8pPr>
-            <a:lvl9pPr marL="4114800" lvl="8" indent="-228600">
-              <a:spcBef>
-                <a:spcPts val="0"/>
-              </a:spcBef>
-              <a:spcAft>
-                <a:spcPts val="0"/>
-              </a:spcAft>
-              <a:buSzPts val="1400"/>
-              <a:buNone/>
-              <a:defRPr sz="1800"/>
-            </a:lvl9pPr>
-          </a:lstStyle>
-          <a:p>
-            <a:endParaRPr/>
-          </a:p>
-        </p:txBody>
-      </p:sp>
-      <p:sp>
-        <p:nvSpPr>
-          <p:cNvPr id="65" name="Shape 65"/>
-          <p:cNvSpPr txBox="1">
-            <a:spLocks noGrp="1"/>
-          </p:cNvSpPr>
-          <p:nvPr>
-            <p:ph type="body" idx="2"/>
-          </p:nvPr>
-        </p:nvSpPr>
-        <p:spPr>
-          <a:xfrm>
-            <a:off x="504000" y="1769040"/>
-            <a:ext cx="9071640" cy="4384440"/>
-          </a:xfrm>
-          <a:prstGeom prst="rect">
-            <a:avLst/>
-          </a:prstGeom>
-          <a:noFill/>
-          <a:ln>
-            <a:noFill/>
-          </a:ln>
-        </p:spPr>
-        <p:txBody>
-          <a:bodyPr spcFirstLastPara="1" wrap="square" lIns="0" tIns="0" rIns="0" bIns="0" anchor="t" anchorCtr="0"/>
-          <a:lstStyle>
-            <a:lvl1pPr marL="457200" lvl="0" indent="-228600">
-              <a:spcBef>
-                <a:spcPts val="0"/>
-              </a:spcBef>
-              <a:spcAft>
-                <a:spcPts val="0"/>
-              </a:spcAft>
-              <a:buSzPts val="1400"/>
-              <a:buNone/>
-              <a:defRPr sz="1800"/>
-            </a:lvl1pPr>
-            <a:lvl2pPr marL="914400" lvl="1" indent="-228600">
-              <a:spcBef>
-                <a:spcPts val="0"/>
-              </a:spcBef>
-              <a:spcAft>
-                <a:spcPts val="0"/>
-              </a:spcAft>
-              <a:buSzPts val="1400"/>
-              <a:buNone/>
-              <a:defRPr sz="1800"/>
-            </a:lvl2pPr>
-            <a:lvl3pPr marL="1371600" lvl="2" indent="-228600">
-              <a:spcBef>
-                <a:spcPts val="0"/>
-              </a:spcBef>
-              <a:spcAft>
-                <a:spcPts val="0"/>
-              </a:spcAft>
-              <a:buSzPts val="1400"/>
-              <a:buNone/>
-              <a:defRPr sz="1800"/>
-            </a:lvl3pPr>
-            <a:lvl4pPr marL="1828800" lvl="3" indent="-228600">
-              <a:spcBef>
-                <a:spcPts val="0"/>
-              </a:spcBef>
-              <a:spcAft>
-                <a:spcPts val="0"/>
-              </a:spcAft>
-              <a:buSzPts val="1400"/>
-              <a:buNone/>
-              <a:defRPr sz="1800"/>
-            </a:lvl4pPr>
-            <a:lvl5pPr marL="2286000" lvl="4" indent="-228600">
-              <a:spcBef>
-                <a:spcPts val="0"/>
-              </a:spcBef>
-              <a:spcAft>
-                <a:spcPts val="0"/>
-              </a:spcAft>
-              <a:buSzPts val="1400"/>
-              <a:buNone/>
-              <a:defRPr sz="1800"/>
-            </a:lvl5pPr>
-            <a:lvl6pPr marL="2743200" lvl="5" indent="-228600">
-              <a:spcBef>
-                <a:spcPts val="0"/>
-              </a:spcBef>
-              <a:spcAft>
-                <a:spcPts val="0"/>
-              </a:spcAft>
-              <a:buSzPts val="1400"/>
-              <a:buNone/>
-              <a:defRPr sz="1800"/>
-            </a:lvl6pPr>
-            <a:lvl7pPr marL="3200400" lvl="6" indent="-228600">
-              <a:spcBef>
-                <a:spcPts val="0"/>
-              </a:spcBef>
-              <a:spcAft>
-                <a:spcPts val="0"/>
-              </a:spcAft>
-              <a:buSzPts val="1400"/>
-              <a:buNone/>
-              <a:defRPr sz="1800"/>
-            </a:lvl7pPr>
-            <a:lvl8pPr marL="3657600" lvl="7" indent="-228600">
-              <a:spcBef>
-                <a:spcPts val="0"/>
-              </a:spcBef>
-              <a:spcAft>
-                <a:spcPts val="0"/>
-              </a:spcAft>
-              <a:buSzPts val="1400"/>
-              <a:buNone/>
-              <a:defRPr sz="1800"/>
-            </a:lvl8pPr>
-            <a:lvl9pPr marL="4114800" lvl="8" indent="-228600">
-              <a:spcBef>
-                <a:spcPts val="0"/>
-              </a:spcBef>
-              <a:spcAft>
-                <a:spcPts val="0"/>
-              </a:spcAft>
-              <a:buSzPts val="1400"/>
-              <a:buNone/>
-              <a:defRPr sz="1800"/>
-            </a:lvl9pPr>
-          </a:lstStyle>
-          <a:p>
-            <a:endParaRPr/>
-          </a:p>
-        </p:txBody>
-      </p:sp>
-      <p:pic>
-        <p:nvPicPr>
-          <p:cNvPr id="66" name="Shape 66"/>
-          <p:cNvPicPr preferRelativeResize="0"/>
-          <p:nvPr/>
-        </p:nvPicPr>
-        <p:blipFill rotWithShape="1">
-          <a:blip r:embed="rId2">
-            <a:alphaModFix/>
-          </a:blip>
-          <a:srcRect/>
-          <a:stretch/>
-        </p:blipFill>
-        <p:spPr>
-          <a:xfrm>
-            <a:off x="2292120" y="1768680"/>
-            <a:ext cx="5495040" cy="4384440"/>
-          </a:xfrm>
-          <a:prstGeom prst="rect">
-            <a:avLst/>
-          </a:prstGeom>
-          <a:noFill/>
-          <a:ln>
-            <a:noFill/>
-          </a:ln>
-        </p:spPr>
-      </p:pic>
-      <p:pic>
-        <p:nvPicPr>
-          <p:cNvPr id="67" name="Shape 67"/>
-          <p:cNvPicPr preferRelativeResize="0"/>
-          <p:nvPr/>
-        </p:nvPicPr>
-        <p:blipFill rotWithShape="1">
-          <a:blip r:embed="rId2">
-            <a:alphaModFix/>
-          </a:blip>
-          <a:srcRect/>
-          <a:stretch/>
-        </p:blipFill>
-        <p:spPr>
-          <a:xfrm>
-            <a:off x="2292120" y="1768680"/>
-            <a:ext cx="5495040" cy="4384440"/>
-          </a:xfrm>
-          <a:prstGeom prst="rect">
-            <a:avLst/>
-          </a:prstGeom>
-          <a:noFill/>
-          <a:ln>
-            <a:noFill/>
-          </a:ln>
-        </p:spPr>
-      </p:pic>
-    </p:spTree>
-  </p:cSld>
-  <p:clrMapOvr>
-    <a:masterClrMapping/>
-  </p:clrMapOvr>
-</p:sldLayout>
-</file>
-
-<file path=ppt/slideLayouts/slideLayout2.xml><?xml version="1.0" encoding="utf-8"?>
-<p:sldLayout xmlns:a="http://schemas.openxmlformats.org/drawingml/2006/main" xmlns:r="http://schemas.openxmlformats.org/officeDocument/2006/relationships" xmlns:p="http://schemas.openxmlformats.org/presentationml/2006/main" matchingName="Title Slide" type="tx">
-  <p:cSld name="TITLE_AND_BODY">
-    <p:spTree>
-      <p:nvGrpSpPr>
-        <p:cNvPr id="1" name="Shape 23"/>
-        <p:cNvGrpSpPr/>
-        <p:nvPr/>
-      </p:nvGrpSpPr>
-      <p:grpSpPr>
-        <a:xfrm>
-          <a:off x="0" y="0"/>
-          <a:ext cx="0" cy="0"/>
-          <a:chOff x="0" y="0"/>
-          <a:chExt cx="0" cy="0"/>
-        </a:xfrm>
-      </p:grpSpPr>
-      <p:sp>
-        <p:nvSpPr>
-          <p:cNvPr id="24" name="Shape 24"/>
-          <p:cNvSpPr txBox="1">
-            <a:spLocks noGrp="1"/>
-          </p:cNvSpPr>
-          <p:nvPr>
-            <p:ph type="title"/>
-          </p:nvPr>
-        </p:nvSpPr>
-        <p:spPr>
-          <a:xfrm>
-            <a:off x="504000" y="301320"/>
-            <a:ext cx="9071640" cy="1262160"/>
-          </a:xfrm>
-          <a:prstGeom prst="rect">
-            <a:avLst/>
-          </a:prstGeom>
-          <a:noFill/>
-          <a:ln>
-            <a:noFill/>
-          </a:ln>
-        </p:spPr>
-        <p:txBody>
-          <a:bodyPr spcFirstLastPara="1" wrap="square" lIns="0" tIns="0" rIns="0" bIns="0" anchor="ctr" anchorCtr="0"/>
-          <a:lstStyle>
-            <a:lvl1pPr lvl="0">
-              <a:spcBef>
-                <a:spcPts val="0"/>
-              </a:spcBef>
-              <a:spcAft>
-                <a:spcPts val="0"/>
-              </a:spcAft>
-              <a:buSzPts val="1400"/>
-              <a:buNone/>
-              <a:defRPr sz="1800"/>
-            </a:lvl1pPr>
-            <a:lvl2pPr lvl="1">
-              <a:spcBef>
-                <a:spcPts val="0"/>
-              </a:spcBef>
-              <a:spcAft>
-                <a:spcPts val="0"/>
-              </a:spcAft>
-              <a:buSzPts val="1400"/>
-              <a:buNone/>
-              <a:defRPr sz="1800"/>
-            </a:lvl2pPr>
-            <a:lvl3pPr lvl="2">
-              <a:spcBef>
-                <a:spcPts val="0"/>
-              </a:spcBef>
-              <a:spcAft>
-                <a:spcPts val="0"/>
-              </a:spcAft>
-              <a:buSzPts val="1400"/>
-              <a:buNone/>
-              <a:defRPr sz="1800"/>
-            </a:lvl3pPr>
-            <a:lvl4pPr lvl="3">
-              <a:spcBef>
-                <a:spcPts val="0"/>
-              </a:spcBef>
-              <a:spcAft>
-                <a:spcPts val="0"/>
-              </a:spcAft>
-              <a:buSzPts val="1400"/>
-              <a:buNone/>
-              <a:defRPr sz="1800"/>
-            </a:lvl4pPr>
-            <a:lvl5pPr lvl="4">
-              <a:spcBef>
-                <a:spcPts val="0"/>
-              </a:spcBef>
-              <a:spcAft>
-                <a:spcPts val="0"/>
-              </a:spcAft>
-              <a:buSzPts val="1400"/>
-              <a:buNone/>
-              <a:defRPr sz="1800"/>
-            </a:lvl5pPr>
-            <a:lvl6pPr lvl="5">
-              <a:spcBef>
-                <a:spcPts val="0"/>
-              </a:spcBef>
-              <a:spcAft>
-                <a:spcPts val="0"/>
-              </a:spcAft>
-              <a:buSzPts val="1400"/>
-              <a:buNone/>
-              <a:defRPr sz="1800"/>
-            </a:lvl6pPr>
-            <a:lvl7pPr lvl="6">
-              <a:spcBef>
-                <a:spcPts val="0"/>
-              </a:spcBef>
-              <a:spcAft>
-                <a:spcPts val="0"/>
-              </a:spcAft>
-              <a:buSzPts val="1400"/>
-              <a:buNone/>
-              <a:defRPr sz="1800"/>
-            </a:lvl7pPr>
-            <a:lvl8pPr lvl="7">
-              <a:spcBef>
-                <a:spcPts val="0"/>
-              </a:spcBef>
-              <a:spcAft>
-                <a:spcPts val="0"/>
-              </a:spcAft>
-              <a:buSzPts val="1400"/>
-              <a:buNone/>
-              <a:defRPr sz="1800"/>
-            </a:lvl8pPr>
-            <a:lvl9pPr lvl="8">
-              <a:spcBef>
-                <a:spcPts val="0"/>
-              </a:spcBef>
-              <a:spcAft>
-                <a:spcPts val="0"/>
-              </a:spcAft>
-              <a:buSzPts val="1400"/>
-              <a:buNone/>
-              <a:defRPr sz="1800"/>
-            </a:lvl9pPr>
-          </a:lstStyle>
-          <a:p>
-            <a:endParaRPr/>
-          </a:p>
-        </p:txBody>
-      </p:sp>
-      <p:sp>
-        <p:nvSpPr>
-          <p:cNvPr id="25" name="Shape 25"/>
-          <p:cNvSpPr txBox="1">
-            <a:spLocks noGrp="1"/>
-          </p:cNvSpPr>
-          <p:nvPr>
-            <p:ph type="subTitle" idx="1"/>
-          </p:nvPr>
-        </p:nvSpPr>
-        <p:spPr>
-          <a:xfrm>
-            <a:off x="504000" y="1769040"/>
-            <a:ext cx="9071640" cy="4384440"/>
-          </a:xfrm>
-          <a:prstGeom prst="rect">
-            <a:avLst/>
-          </a:prstGeom>
-          <a:noFill/>
-          <a:ln>
-            <a:noFill/>
-          </a:ln>
-        </p:spPr>
-        <p:txBody>
-          <a:bodyPr spcFirstLastPara="1" wrap="square" lIns="0" tIns="0" rIns="0" bIns="0" anchor="ctr" anchorCtr="0"/>
-          <a:lstStyle>
-            <a:lvl1pPr lvl="0">
-              <a:spcBef>
-                <a:spcPts val="0"/>
-              </a:spcBef>
-              <a:spcAft>
-                <a:spcPts val="0"/>
-              </a:spcAft>
-              <a:buSzPts val="1400"/>
-              <a:buNone/>
-              <a:defRPr sz="1800"/>
-            </a:lvl1pPr>
-            <a:lvl2pPr lvl="1">
-              <a:spcBef>
-                <a:spcPts val="0"/>
-              </a:spcBef>
-              <a:spcAft>
-                <a:spcPts val="0"/>
-              </a:spcAft>
-              <a:buSzPts val="1400"/>
-              <a:buNone/>
-              <a:defRPr sz="1800"/>
-            </a:lvl2pPr>
-            <a:lvl3pPr lvl="2">
-              <a:spcBef>
-                <a:spcPts val="0"/>
-              </a:spcBef>
-              <a:spcAft>
-                <a:spcPts val="0"/>
-              </a:spcAft>
-              <a:buSzPts val="1400"/>
-              <a:buNone/>
-              <a:defRPr sz="1800"/>
-            </a:lvl3pPr>
-            <a:lvl4pPr lvl="3">
-              <a:spcBef>
-                <a:spcPts val="0"/>
-              </a:spcBef>
-              <a:spcAft>
-                <a:spcPts val="0"/>
-              </a:spcAft>
-              <a:buSzPts val="1400"/>
-              <a:buNone/>
-              <a:defRPr sz="1800"/>
-            </a:lvl4pPr>
-            <a:lvl5pPr lvl="4">
-              <a:spcBef>
-                <a:spcPts val="0"/>
-              </a:spcBef>
-              <a:spcAft>
-                <a:spcPts val="0"/>
-              </a:spcAft>
-              <a:buSzPts val="1400"/>
-              <a:buNone/>
-              <a:defRPr sz="1800"/>
-            </a:lvl5pPr>
-            <a:lvl6pPr lvl="5">
-              <a:spcBef>
-                <a:spcPts val="0"/>
-              </a:spcBef>
-              <a:spcAft>
-                <a:spcPts val="0"/>
-              </a:spcAft>
-              <a:buSzPts val="1400"/>
-              <a:buNone/>
-              <a:defRPr sz="1800"/>
-            </a:lvl6pPr>
-            <a:lvl7pPr lvl="6">
-              <a:spcBef>
-                <a:spcPts val="0"/>
-              </a:spcBef>
-              <a:spcAft>
-                <a:spcPts val="0"/>
-              </a:spcAft>
-              <a:buSzPts val="1400"/>
-              <a:buNone/>
-              <a:defRPr sz="1800"/>
-            </a:lvl7pPr>
-            <a:lvl8pPr lvl="7">
-              <a:spcBef>
-                <a:spcPts val="0"/>
-              </a:spcBef>
-              <a:spcAft>
-                <a:spcPts val="0"/>
-              </a:spcAft>
-              <a:buSzPts val="1400"/>
-              <a:buNone/>
-              <a:defRPr sz="1800"/>
-            </a:lvl8pPr>
-            <a:lvl9pPr lvl="8">
-              <a:spcBef>
-                <a:spcPts val="0"/>
-              </a:spcBef>
-              <a:spcAft>
-                <a:spcPts val="0"/>
-              </a:spcAft>
-              <a:buSzPts val="1400"/>
-              <a:buNone/>
-              <a:defRPr sz="1800"/>
-            </a:lvl9pPr>
-          </a:lstStyle>
-          <a:p>
-            <a:endParaRPr/>
-          </a:p>
-        </p:txBody>
-      </p:sp>
-    </p:spTree>
-  </p:cSld>
-  <p:clrMapOvr>
-    <a:masterClrMapping/>
-  </p:clrMapOvr>
-</p:sldLayout>
-</file>
-
-<file path=ppt/slideLayouts/slideLayout3.xml><?xml version="1.0" encoding="utf-8"?>
-<p:sldLayout xmlns:a="http://schemas.openxmlformats.org/drawingml/2006/main" xmlns:r="http://schemas.openxmlformats.org/officeDocument/2006/relationships" xmlns:p="http://schemas.openxmlformats.org/presentationml/2006/main" matchingName="Title, Content" type="obj">
-  <p:cSld name="OBJECT">
-    <p:spTree>
-      <p:nvGrpSpPr>
-        <p:cNvPr id="1" name="Shape 26"/>
-        <p:cNvGrpSpPr/>
-        <p:nvPr/>
-      </p:nvGrpSpPr>
-      <p:grpSpPr>
-        <a:xfrm>
-          <a:off x="0" y="0"/>
-          <a:ext cx="0" cy="0"/>
-          <a:chOff x="0" y="0"/>
-          <a:chExt cx="0" cy="0"/>
-        </a:xfrm>
-      </p:grpSpPr>
-      <p:sp>
-        <p:nvSpPr>
-          <p:cNvPr id="27" name="Shape 27"/>
-          <p:cNvSpPr txBox="1">
-            <a:spLocks noGrp="1"/>
-          </p:cNvSpPr>
-          <p:nvPr>
-            <p:ph type="title"/>
-          </p:nvPr>
-        </p:nvSpPr>
-        <p:spPr>
-          <a:xfrm>
-            <a:off x="504000" y="301320"/>
-            <a:ext cx="9071640" cy="1262160"/>
-          </a:xfrm>
-          <a:prstGeom prst="rect">
-            <a:avLst/>
-          </a:prstGeom>
-          <a:noFill/>
-          <a:ln>
-            <a:noFill/>
-          </a:ln>
-        </p:spPr>
-        <p:txBody>
-          <a:bodyPr spcFirstLastPara="1" wrap="square" lIns="0" tIns="0" rIns="0" bIns="0" anchor="ctr" anchorCtr="0"/>
-          <a:lstStyle>
-            <a:lvl1pPr lvl="0">
-              <a:spcBef>
-                <a:spcPts val="0"/>
-              </a:spcBef>
-              <a:spcAft>
-                <a:spcPts val="0"/>
-              </a:spcAft>
-              <a:buSzPts val="1400"/>
-              <a:buNone/>
-              <a:defRPr sz="1800"/>
-            </a:lvl1pPr>
-            <a:lvl2pPr lvl="1">
-              <a:spcBef>
-                <a:spcPts val="0"/>
-              </a:spcBef>
-              <a:spcAft>
-                <a:spcPts val="0"/>
-              </a:spcAft>
-              <a:buSzPts val="1400"/>
-              <a:buNone/>
-              <a:defRPr sz="1800"/>
-            </a:lvl2pPr>
-            <a:lvl3pPr lvl="2">
-              <a:spcBef>
-                <a:spcPts val="0"/>
-              </a:spcBef>
-              <a:spcAft>
-                <a:spcPts val="0"/>
-              </a:spcAft>
-              <a:buSzPts val="1400"/>
-              <a:buNone/>
-              <a:defRPr sz="1800"/>
-            </a:lvl3pPr>
-            <a:lvl4pPr lvl="3">
-              <a:spcBef>
-                <a:spcPts val="0"/>
-              </a:spcBef>
-              <a:spcAft>
-                <a:spcPts val="0"/>
-              </a:spcAft>
-              <a:buSzPts val="1400"/>
-              <a:buNone/>
-              <a:defRPr sz="1800"/>
-            </a:lvl4pPr>
-            <a:lvl5pPr lvl="4">
-              <a:spcBef>
-                <a:spcPts val="0"/>
-              </a:spcBef>
-              <a:spcAft>
-                <a:spcPts val="0"/>
-              </a:spcAft>
-              <a:buSzPts val="1400"/>
-              <a:buNone/>
-              <a:defRPr sz="1800"/>
-            </a:lvl5pPr>
-            <a:lvl6pPr lvl="5">
-              <a:spcBef>
-                <a:spcPts val="0"/>
-              </a:spcBef>
-              <a:spcAft>
-                <a:spcPts val="0"/>
-              </a:spcAft>
-              <a:buSzPts val="1400"/>
-              <a:buNone/>
-              <a:defRPr sz="1800"/>
-            </a:lvl6pPr>
-            <a:lvl7pPr lvl="6">
-              <a:spcBef>
-                <a:spcPts val="0"/>
-              </a:spcBef>
-              <a:spcAft>
-                <a:spcPts val="0"/>
-              </a:spcAft>
-              <a:buSzPts val="1400"/>
-              <a:buNone/>
-              <a:defRPr sz="1800"/>
-            </a:lvl7pPr>
-            <a:lvl8pPr lvl="7">
-              <a:spcBef>
-                <a:spcPts val="0"/>
-              </a:spcBef>
-              <a:spcAft>
-                <a:spcPts val="0"/>
-              </a:spcAft>
-              <a:buSzPts val="1400"/>
-              <a:buNone/>
-              <a:defRPr sz="1800"/>
-            </a:lvl8pPr>
-            <a:lvl9pPr lvl="8">
-              <a:spcBef>
-                <a:spcPts val="0"/>
-              </a:spcBef>
-              <a:spcAft>
-                <a:spcPts val="0"/>
-              </a:spcAft>
-              <a:buSzPts val="1400"/>
-              <a:buNone/>
-              <a:defRPr sz="1800"/>
-            </a:lvl9pPr>
-          </a:lstStyle>
-          <a:p>
-            <a:endParaRPr/>
-          </a:p>
-        </p:txBody>
-      </p:sp>
-      <p:sp>
-        <p:nvSpPr>
-          <p:cNvPr id="28" name="Shape 28"/>
-          <p:cNvSpPr txBox="1">
-            <a:spLocks noGrp="1"/>
-          </p:cNvSpPr>
-          <p:nvPr>
-            <p:ph type="body" idx="1"/>
-          </p:nvPr>
-        </p:nvSpPr>
-        <p:spPr>
-          <a:xfrm>
-            <a:off x="504000" y="1769040"/>
-            <a:ext cx="9071640" cy="4384440"/>
-          </a:xfrm>
-          <a:prstGeom prst="rect">
-            <a:avLst/>
-          </a:prstGeom>
-          <a:noFill/>
-          <a:ln>
-            <a:noFill/>
-          </a:ln>
-        </p:spPr>
-        <p:txBody>
-          <a:bodyPr spcFirstLastPara="1" wrap="square" lIns="0" tIns="0" rIns="0" bIns="0" anchor="t" anchorCtr="0"/>
-          <a:lstStyle>
-            <a:lvl1pPr marL="457200" lvl="0" indent="-228600">
-              <a:spcBef>
-                <a:spcPts val="0"/>
-              </a:spcBef>
-              <a:spcAft>
-                <a:spcPts val="0"/>
-              </a:spcAft>
-              <a:buSzPts val="1400"/>
-              <a:buNone/>
-              <a:defRPr sz="1800"/>
-            </a:lvl1pPr>
-            <a:lvl2pPr marL="914400" lvl="1" indent="-228600">
-              <a:spcBef>
-                <a:spcPts val="0"/>
-              </a:spcBef>
-              <a:spcAft>
-                <a:spcPts val="0"/>
-              </a:spcAft>
-              <a:buSzPts val="1400"/>
-              <a:buNone/>
-              <a:defRPr sz="1800"/>
-            </a:lvl2pPr>
-            <a:lvl3pPr marL="1371600" lvl="2" indent="-228600">
-              <a:spcBef>
-                <a:spcPts val="0"/>
-              </a:spcBef>
-              <a:spcAft>
-                <a:spcPts val="0"/>
-              </a:spcAft>
-              <a:buSzPts val="1400"/>
-              <a:buNone/>
-              <a:defRPr sz="1800"/>
-            </a:lvl3pPr>
-            <a:lvl4pPr marL="1828800" lvl="3" indent="-228600">
-              <a:spcBef>
-                <a:spcPts val="0"/>
-              </a:spcBef>
-              <a:spcAft>
-                <a:spcPts val="0"/>
-              </a:spcAft>
-              <a:buSzPts val="1400"/>
-              <a:buNone/>
-              <a:defRPr sz="1800"/>
-            </a:lvl4pPr>
-            <a:lvl5pPr marL="2286000" lvl="4" indent="-228600">
-              <a:spcBef>
-                <a:spcPts val="0"/>
-              </a:spcBef>
-              <a:spcAft>
-                <a:spcPts val="0"/>
-              </a:spcAft>
-              <a:buSzPts val="1400"/>
-              <a:buNone/>
-              <a:defRPr sz="1800"/>
-            </a:lvl5pPr>
-            <a:lvl6pPr marL="2743200" lvl="5" indent="-228600">
-              <a:spcBef>
-                <a:spcPts val="0"/>
-              </a:spcBef>
-              <a:spcAft>
-                <a:spcPts val="0"/>
-              </a:spcAft>
-              <a:buSzPts val="1400"/>
-              <a:buNone/>
-              <a:defRPr sz="1800"/>
-            </a:lvl6pPr>
-            <a:lvl7pPr marL="3200400" lvl="6" indent="-228600">
-              <a:spcBef>
-                <a:spcPts val="0"/>
-              </a:spcBef>
-              <a:spcAft>
-                <a:spcPts val="0"/>
-              </a:spcAft>
-              <a:buSzPts val="1400"/>
-              <a:buNone/>
-              <a:defRPr sz="1800"/>
-            </a:lvl7pPr>
-            <a:lvl8pPr marL="3657600" lvl="7" indent="-228600">
-              <a:spcBef>
-                <a:spcPts val="0"/>
-              </a:spcBef>
-              <a:spcAft>
-                <a:spcPts val="0"/>
-              </a:spcAft>
-              <a:buSzPts val="1400"/>
-              <a:buNone/>
-              <a:defRPr sz="1800"/>
-            </a:lvl8pPr>
-            <a:lvl9pPr marL="4114800" lvl="8" indent="-228600">
-              <a:spcBef>
-                <a:spcPts val="0"/>
-              </a:spcBef>
-              <a:spcAft>
-                <a:spcPts val="0"/>
-              </a:spcAft>
-              <a:buSzPts val="1400"/>
-              <a:buNone/>
-              <a:defRPr sz="1800"/>
-            </a:lvl9pPr>
-          </a:lstStyle>
-          <a:p>
-            <a:endParaRPr/>
-          </a:p>
-        </p:txBody>
-      </p:sp>
-    </p:spTree>
-  </p:cSld>
-  <p:clrMapOvr>
-    <a:masterClrMapping/>
-  </p:clrMapOvr>
-</p:sldLayout>
-</file>
-
-<file path=ppt/slideLayouts/slideLayout4.xml><?xml version="1.0" encoding="utf-8"?>
-<p:sldLayout xmlns:a="http://schemas.openxmlformats.org/drawingml/2006/main" xmlns:r="http://schemas.openxmlformats.org/officeDocument/2006/relationships" xmlns:p="http://schemas.openxmlformats.org/presentationml/2006/main" matchingName="Title, 2 Content" type="twoObj">
-  <p:cSld name="TWO_OBJECTS">
-    <p:spTree>
-      <p:nvGrpSpPr>
-        <p:cNvPr id="1" name="Shape 29"/>
-        <p:cNvGrpSpPr/>
-        <p:nvPr/>
-      </p:nvGrpSpPr>
-      <p:grpSpPr>
-        <a:xfrm>
-          <a:off x="0" y="0"/>
-          <a:ext cx="0" cy="0"/>
-          <a:chOff x="0" y="0"/>
-          <a:chExt cx="0" cy="0"/>
-        </a:xfrm>
-      </p:grpSpPr>
-      <p:sp>
-        <p:nvSpPr>
-          <p:cNvPr id="30" name="Shape 30"/>
-          <p:cNvSpPr txBox="1">
-            <a:spLocks noGrp="1"/>
-          </p:cNvSpPr>
-          <p:nvPr>
-            <p:ph type="title"/>
-          </p:nvPr>
-        </p:nvSpPr>
-        <p:spPr>
-          <a:xfrm>
-            <a:off x="504000" y="301320"/>
-            <a:ext cx="9071640" cy="1262160"/>
-          </a:xfrm>
-          <a:prstGeom prst="rect">
-            <a:avLst/>
-          </a:prstGeom>
-          <a:noFill/>
-          <a:ln>
-            <a:noFill/>
-          </a:ln>
-        </p:spPr>
-        <p:txBody>
-          <a:bodyPr spcFirstLastPara="1" wrap="square" lIns="0" tIns="0" rIns="0" bIns="0" anchor="ctr" anchorCtr="0"/>
-          <a:lstStyle>
-            <a:lvl1pPr lvl="0">
-              <a:spcBef>
-                <a:spcPts val="0"/>
-              </a:spcBef>
-              <a:spcAft>
-                <a:spcPts val="0"/>
-              </a:spcAft>
-              <a:buSzPts val="1400"/>
-              <a:buNone/>
-              <a:defRPr sz="1800"/>
-            </a:lvl1pPr>
-            <a:lvl2pPr lvl="1">
-              <a:spcBef>
-                <a:spcPts val="0"/>
-              </a:spcBef>
-              <a:spcAft>
-                <a:spcPts val="0"/>
-              </a:spcAft>
-              <a:buSzPts val="1400"/>
-              <a:buNone/>
-              <a:defRPr sz="1800"/>
-            </a:lvl2pPr>
-            <a:lvl3pPr lvl="2">
-              <a:spcBef>
-                <a:spcPts val="0"/>
-              </a:spcBef>
-              <a:spcAft>
-                <a:spcPts val="0"/>
-              </a:spcAft>
-              <a:buSzPts val="1400"/>
-              <a:buNone/>
-              <a:defRPr sz="1800"/>
-            </a:lvl3pPr>
-            <a:lvl4pPr lvl="3">
-              <a:spcBef>
-                <a:spcPts val="0"/>
-              </a:spcBef>
-              <a:spcAft>
-                <a:spcPts val="0"/>
-              </a:spcAft>
-              <a:buSzPts val="1400"/>
-              <a:buNone/>
-              <a:defRPr sz="1800"/>
-            </a:lvl4pPr>
-            <a:lvl5pPr lvl="4">
-              <a:spcBef>
-                <a:spcPts val="0"/>
-              </a:spcBef>
-              <a:spcAft>
-                <a:spcPts val="0"/>
-              </a:spcAft>
-              <a:buSzPts val="1400"/>
-              <a:buNone/>
-              <a:defRPr sz="1800"/>
-            </a:lvl5pPr>
-            <a:lvl6pPr lvl="5">
-              <a:spcBef>
-                <a:spcPts val="0"/>
-              </a:spcBef>
-              <a:spcAft>
-                <a:spcPts val="0"/>
-              </a:spcAft>
-              <a:buSzPts val="1400"/>
-              <a:buNone/>
-              <a:defRPr sz="1800"/>
-            </a:lvl6pPr>
-            <a:lvl7pPr lvl="6">
-              <a:spcBef>
-                <a:spcPts val="0"/>
-              </a:spcBef>
-              <a:spcAft>
-                <a:spcPts val="0"/>
-              </a:spcAft>
-              <a:buSzPts val="1400"/>
-              <a:buNone/>
-              <a:defRPr sz="1800"/>
-            </a:lvl7pPr>
-            <a:lvl8pPr lvl="7">
-              <a:spcBef>
-                <a:spcPts val="0"/>
-              </a:spcBef>
-              <a:spcAft>
-                <a:spcPts val="0"/>
-              </a:spcAft>
-              <a:buSzPts val="1400"/>
-              <a:buNone/>
-              <a:defRPr sz="1800"/>
-            </a:lvl8pPr>
-            <a:lvl9pPr lvl="8">
-              <a:spcBef>
-                <a:spcPts val="0"/>
-              </a:spcBef>
-              <a:spcAft>
-                <a:spcPts val="0"/>
-              </a:spcAft>
-              <a:buSzPts val="1400"/>
-              <a:buNone/>
-              <a:defRPr sz="1800"/>
-            </a:lvl9pPr>
-          </a:lstStyle>
-          <a:p>
-            <a:endParaRPr/>
-          </a:p>
-        </p:txBody>
-      </p:sp>
-      <p:sp>
-        <p:nvSpPr>
-          <p:cNvPr id="31" name="Shape 31"/>
-          <p:cNvSpPr txBox="1">
-            <a:spLocks noGrp="1"/>
-          </p:cNvSpPr>
-          <p:nvPr>
-            <p:ph type="body" idx="1"/>
-          </p:nvPr>
-        </p:nvSpPr>
-        <p:spPr>
-          <a:xfrm>
-            <a:off x="504000" y="1769040"/>
-            <a:ext cx="4426920" cy="4384440"/>
-          </a:xfrm>
-          <a:prstGeom prst="rect">
-            <a:avLst/>
-          </a:prstGeom>
-          <a:noFill/>
-          <a:ln>
-            <a:noFill/>
-          </a:ln>
-        </p:spPr>
-        <p:txBody>
-          <a:bodyPr spcFirstLastPara="1" wrap="square" lIns="0" tIns="0" rIns="0" bIns="0" anchor="t" anchorCtr="0"/>
-          <a:lstStyle>
-            <a:lvl1pPr marL="457200" lvl="0" indent="-228600">
-              <a:spcBef>
-                <a:spcPts val="0"/>
-              </a:spcBef>
-              <a:spcAft>
-                <a:spcPts val="0"/>
-              </a:spcAft>
-              <a:buSzPts val="1400"/>
-              <a:buNone/>
-              <a:defRPr sz="1800"/>
-            </a:lvl1pPr>
-            <a:lvl2pPr marL="914400" lvl="1" indent="-228600">
-              <a:spcBef>
-                <a:spcPts val="0"/>
-              </a:spcBef>
-              <a:spcAft>
-                <a:spcPts val="0"/>
-              </a:spcAft>
-              <a:buSzPts val="1400"/>
-              <a:buNone/>
-              <a:defRPr sz="1800"/>
-            </a:lvl2pPr>
-            <a:lvl3pPr marL="1371600" lvl="2" indent="-228600">
-              <a:spcBef>
-                <a:spcPts val="0"/>
-              </a:spcBef>
-              <a:spcAft>
-                <a:spcPts val="0"/>
-              </a:spcAft>
-              <a:buSzPts val="1400"/>
-              <a:buNone/>
-              <a:defRPr sz="1800"/>
-            </a:lvl3pPr>
-            <a:lvl4pPr marL="1828800" lvl="3" indent="-228600">
-              <a:spcBef>
-                <a:spcPts val="0"/>
-              </a:spcBef>
-              <a:spcAft>
-                <a:spcPts val="0"/>
-              </a:spcAft>
-              <a:buSzPts val="1400"/>
-              <a:buNone/>
-              <a:defRPr sz="1800"/>
-            </a:lvl4pPr>
-            <a:lvl5pPr marL="2286000" lvl="4" indent="-228600">
-              <a:spcBef>
-                <a:spcPts val="0"/>
-              </a:spcBef>
-              <a:spcAft>
-                <a:spcPts val="0"/>
-              </a:spcAft>
-              <a:buSzPts val="1400"/>
-              <a:buNone/>
-              <a:defRPr sz="1800"/>
-            </a:lvl5pPr>
-            <a:lvl6pPr marL="2743200" lvl="5" indent="-228600">
-              <a:spcBef>
-                <a:spcPts val="0"/>
-              </a:spcBef>
-              <a:spcAft>
-                <a:spcPts val="0"/>
-              </a:spcAft>
-              <a:buSzPts val="1400"/>
-              <a:buNone/>
-              <a:defRPr sz="1800"/>
-            </a:lvl6pPr>
-            <a:lvl7pPr marL="3200400" lvl="6" indent="-228600">
-              <a:spcBef>
-                <a:spcPts val="0"/>
-              </a:spcBef>
-              <a:spcAft>
-                <a:spcPts val="0"/>
-              </a:spcAft>
-              <a:buSzPts val="1400"/>
-              <a:buNone/>
-              <a:defRPr sz="1800"/>
-            </a:lvl7pPr>
-            <a:lvl8pPr marL="3657600" lvl="7" indent="-228600">
-              <a:spcBef>
-                <a:spcPts val="0"/>
-              </a:spcBef>
-              <a:spcAft>
-                <a:spcPts val="0"/>
-              </a:spcAft>
-              <a:buSzPts val="1400"/>
-              <a:buNone/>
-              <a:defRPr sz="1800"/>
-            </a:lvl8pPr>
-            <a:lvl9pPr marL="4114800" lvl="8" indent="-228600">
-              <a:spcBef>
-                <a:spcPts val="0"/>
-              </a:spcBef>
-              <a:spcAft>
-                <a:spcPts val="0"/>
-              </a:spcAft>
-              <a:buSzPts val="1400"/>
-              <a:buNone/>
-              <a:defRPr sz="1800"/>
-            </a:lvl9pPr>
-          </a:lstStyle>
-          <a:p>
-            <a:endParaRPr/>
-          </a:p>
-        </p:txBody>
-      </p:sp>
-      <p:sp>
-        <p:nvSpPr>
-          <p:cNvPr id="32" name="Shape 32"/>
-          <p:cNvSpPr txBox="1">
-            <a:spLocks noGrp="1"/>
-          </p:cNvSpPr>
-          <p:nvPr>
-            <p:ph type="body" idx="2"/>
-          </p:nvPr>
-        </p:nvSpPr>
-        <p:spPr>
-          <a:xfrm>
-            <a:off x="5152680" y="1769040"/>
-            <a:ext cx="4426920" cy="4384440"/>
-          </a:xfrm>
-          <a:prstGeom prst="rect">
-            <a:avLst/>
-          </a:prstGeom>
-          <a:noFill/>
-          <a:ln>
-            <a:noFill/>
-          </a:ln>
-        </p:spPr>
-        <p:txBody>
-          <a:bodyPr spcFirstLastPara="1" wrap="square" lIns="0" tIns="0" rIns="0" bIns="0" anchor="t" anchorCtr="0"/>
-          <a:lstStyle>
-            <a:lvl1pPr marL="457200" lvl="0" indent="-228600">
-              <a:spcBef>
-                <a:spcPts val="0"/>
-              </a:spcBef>
-              <a:spcAft>
-                <a:spcPts val="0"/>
-              </a:spcAft>
-              <a:buSzPts val="1400"/>
-              <a:buNone/>
-              <a:defRPr sz="1800"/>
-            </a:lvl1pPr>
-            <a:lvl2pPr marL="914400" lvl="1" indent="-228600">
-              <a:spcBef>
-                <a:spcPts val="0"/>
-              </a:spcBef>
-              <a:spcAft>
-                <a:spcPts val="0"/>
-              </a:spcAft>
-              <a:buSzPts val="1400"/>
-              <a:buNone/>
-              <a:defRPr sz="1800"/>
-            </a:lvl2pPr>
-            <a:lvl3pPr marL="1371600" lvl="2" indent="-228600">
-              <a:spcBef>
-                <a:spcPts val="0"/>
-              </a:spcBef>
-              <a:spcAft>
-                <a:spcPts val="0"/>
-              </a:spcAft>
-              <a:buSzPts val="1400"/>
-              <a:buNone/>
-              <a:defRPr sz="1800"/>
-            </a:lvl3pPr>
-            <a:lvl4pPr marL="1828800" lvl="3" indent="-228600">
-              <a:spcBef>
-                <a:spcPts val="0"/>
-              </a:spcBef>
-              <a:spcAft>
-                <a:spcPts val="0"/>
-              </a:spcAft>
-              <a:buSzPts val="1400"/>
-              <a:buNone/>
-              <a:defRPr sz="1800"/>
-            </a:lvl4pPr>
-            <a:lvl5pPr marL="2286000" lvl="4" indent="-228600">
-              <a:spcBef>
-                <a:spcPts val="0"/>
-              </a:spcBef>
-              <a:spcAft>
-                <a:spcPts val="0"/>
-              </a:spcAft>
-              <a:buSzPts val="1400"/>
-              <a:buNone/>
-              <a:defRPr sz="1800"/>
-            </a:lvl5pPr>
-            <a:lvl6pPr marL="2743200" lvl="5" indent="-228600">
-              <a:spcBef>
-                <a:spcPts val="0"/>
-              </a:spcBef>
-              <a:spcAft>
-                <a:spcPts val="0"/>
-              </a:spcAft>
-              <a:buSzPts val="1400"/>
-              <a:buNone/>
-              <a:defRPr sz="1800"/>
-            </a:lvl6pPr>
-            <a:lvl7pPr marL="3200400" lvl="6" indent="-228600">
-              <a:spcBef>
-                <a:spcPts val="0"/>
-              </a:spcBef>
-              <a:spcAft>
-                <a:spcPts val="0"/>
-              </a:spcAft>
-              <a:buSzPts val="1400"/>
-              <a:buNone/>
-              <a:defRPr sz="1800"/>
-            </a:lvl7pPr>
-            <a:lvl8pPr marL="3657600" lvl="7" indent="-228600">
-              <a:spcBef>
-                <a:spcPts val="0"/>
-              </a:spcBef>
-              <a:spcAft>
-                <a:spcPts val="0"/>
-              </a:spcAft>
-              <a:buSzPts val="1400"/>
-              <a:buNone/>
-              <a:defRPr sz="1800"/>
-            </a:lvl8pPr>
-            <a:lvl9pPr marL="4114800" lvl="8" indent="-228600">
-              <a:spcBef>
-                <a:spcPts val="0"/>
-              </a:spcBef>
-              <a:spcAft>
-                <a:spcPts val="0"/>
-              </a:spcAft>
-              <a:buSzPts val="1400"/>
-              <a:buNone/>
-              <a:defRPr sz="1800"/>
-            </a:lvl9pPr>
-          </a:lstStyle>
-          <a:p>
-            <a:endParaRPr/>
-          </a:p>
-        </p:txBody>
-      </p:sp>
-    </p:spTree>
-  </p:cSld>
-  <p:clrMapOvr>
-    <a:masterClrMapping/>
-  </p:clrMapOvr>
-</p:sldLayout>
-</file>
-
-<file path=ppt/slideLayouts/slideLayout5.xml><?xml version="1.0" encoding="utf-8"?>
-<p:sldLayout xmlns:a="http://schemas.openxmlformats.org/drawingml/2006/main" xmlns:r="http://schemas.openxmlformats.org/officeDocument/2006/relationships" xmlns:p="http://schemas.openxmlformats.org/presentationml/2006/main" matchingName="Title Only" type="titleOnly">
-  <p:cSld name="TITLE_ONLY">
-    <p:spTree>
-      <p:nvGrpSpPr>
-        <p:cNvPr id="1" name="Shape 33"/>
-        <p:cNvGrpSpPr/>
-        <p:nvPr/>
-      </p:nvGrpSpPr>
-      <p:grpSpPr>
-        <a:xfrm>
-          <a:off x="0" y="0"/>
-          <a:ext cx="0" cy="0"/>
-          <a:chOff x="0" y="0"/>
-          <a:chExt cx="0" cy="0"/>
-        </a:xfrm>
-      </p:grpSpPr>
-      <p:sp>
-        <p:nvSpPr>
-          <p:cNvPr id="34" name="Shape 34"/>
-          <p:cNvSpPr txBox="1">
-            <a:spLocks noGrp="1"/>
-          </p:cNvSpPr>
-          <p:nvPr>
-            <p:ph type="title"/>
-          </p:nvPr>
-        </p:nvSpPr>
-        <p:spPr>
-          <a:xfrm>
-            <a:off x="504000" y="301320"/>
-            <a:ext cx="9071640" cy="1262160"/>
-          </a:xfrm>
-          <a:prstGeom prst="rect">
-            <a:avLst/>
-          </a:prstGeom>
-          <a:noFill/>
-          <a:ln>
-            <a:noFill/>
-          </a:ln>
-        </p:spPr>
-        <p:txBody>
-          <a:bodyPr spcFirstLastPara="1" wrap="square" lIns="0" tIns="0" rIns="0" bIns="0" anchor="ctr" anchorCtr="0"/>
-          <a:lstStyle>
-            <a:lvl1pPr lvl="0">
-              <a:spcBef>
-                <a:spcPts val="0"/>
-              </a:spcBef>
-              <a:spcAft>
-                <a:spcPts val="0"/>
-              </a:spcAft>
-              <a:buSzPts val="1400"/>
-              <a:buNone/>
-              <a:defRPr sz="1800"/>
-            </a:lvl1pPr>
-            <a:lvl2pPr lvl="1">
-              <a:spcBef>
-                <a:spcPts val="0"/>
-              </a:spcBef>
-              <a:spcAft>
-                <a:spcPts val="0"/>
-              </a:spcAft>
-              <a:buSzPts val="1400"/>
-              <a:buNone/>
-              <a:defRPr sz="1800"/>
-            </a:lvl2pPr>
-            <a:lvl3pPr lvl="2">
-              <a:spcBef>
-                <a:spcPts val="0"/>
-              </a:spcBef>
-              <a:spcAft>
-                <a:spcPts val="0"/>
-              </a:spcAft>
-              <a:buSzPts val="1400"/>
-              <a:buNone/>
-              <a:defRPr sz="1800"/>
-            </a:lvl3pPr>
-            <a:lvl4pPr lvl="3">
-              <a:spcBef>
-                <a:spcPts val="0"/>
-              </a:spcBef>
-              <a:spcAft>
-                <a:spcPts val="0"/>
-              </a:spcAft>
-              <a:buSzPts val="1400"/>
-              <a:buNone/>
-              <a:defRPr sz="1800"/>
-            </a:lvl4pPr>
-            <a:lvl5pPr lvl="4">
-              <a:spcBef>
-                <a:spcPts val="0"/>
-              </a:spcBef>
-              <a:spcAft>
-                <a:spcPts val="0"/>
-              </a:spcAft>
-              <a:buSzPts val="1400"/>
-              <a:buNone/>
-              <a:defRPr sz="1800"/>
-            </a:lvl5pPr>
-            <a:lvl6pPr lvl="5">
-              <a:spcBef>
-                <a:spcPts val="0"/>
-              </a:spcBef>
-              <a:spcAft>
-                <a:spcPts val="0"/>
-              </a:spcAft>
-              <a:buSzPts val="1400"/>
-              <a:buNone/>
-              <a:defRPr sz="1800"/>
-            </a:lvl6pPr>
-            <a:lvl7pPr lvl="6">
-              <a:spcBef>
-                <a:spcPts val="0"/>
-              </a:spcBef>
-              <a:spcAft>
-                <a:spcPts val="0"/>
-              </a:spcAft>
-              <a:buSzPts val="1400"/>
-              <a:buNone/>
-              <a:defRPr sz="1800"/>
-            </a:lvl7pPr>
-            <a:lvl8pPr lvl="7">
-              <a:spcBef>
-                <a:spcPts val="0"/>
-              </a:spcBef>
-              <a:spcAft>
-                <a:spcPts val="0"/>
-              </a:spcAft>
-              <a:buSzPts val="1400"/>
-              <a:buNone/>
-              <a:defRPr sz="1800"/>
-            </a:lvl8pPr>
-            <a:lvl9pPr lvl="8">
-              <a:spcBef>
-                <a:spcPts val="0"/>
-              </a:spcBef>
-              <a:spcAft>
-                <a:spcPts val="0"/>
-              </a:spcAft>
-              <a:buSzPts val="1400"/>
-              <a:buNone/>
-              <a:defRPr sz="1800"/>
-            </a:lvl9pPr>
-          </a:lstStyle>
-          <a:p>
-            <a:endParaRPr/>
-          </a:p>
-        </p:txBody>
-      </p:sp>
-    </p:spTree>
-  </p:cSld>
-  <p:clrMapOvr>
-    <a:masterClrMapping/>
-  </p:clrMapOvr>
-</p:sldLayout>
-</file>
-
-<file path=ppt/slideLayouts/slideLayout6.xml><?xml version="1.0" encoding="utf-8"?>
-<p:sldLayout xmlns:a="http://schemas.openxmlformats.org/drawingml/2006/main" xmlns:r="http://schemas.openxmlformats.org/officeDocument/2006/relationships" xmlns:p="http://schemas.openxmlformats.org/presentationml/2006/main" matchingName="Centered Text" type="objOnly">
-  <p:cSld name="OBJECT_ONLY">
-    <p:spTree>
-      <p:nvGrpSpPr>
-        <p:cNvPr id="1" name="Shape 35"/>
-        <p:cNvGrpSpPr/>
-        <p:nvPr/>
-      </p:nvGrpSpPr>
-      <p:grpSpPr>
-        <a:xfrm>
-          <a:off x="0" y="0"/>
-          <a:ext cx="0" cy="0"/>
-          <a:chOff x="0" y="0"/>
-          <a:chExt cx="0" cy="0"/>
-        </a:xfrm>
-      </p:grpSpPr>
-      <p:sp>
-        <p:nvSpPr>
-          <p:cNvPr id="36" name="Shape 36"/>
-          <p:cNvSpPr txBox="1">
-            <a:spLocks noGrp="1"/>
-          </p:cNvSpPr>
-          <p:nvPr>
-            <p:ph type="subTitle" idx="1"/>
-          </p:nvPr>
-        </p:nvSpPr>
-        <p:spPr>
-          <a:xfrm>
-            <a:off x="504000" y="301320"/>
-            <a:ext cx="9071640" cy="5851800"/>
-          </a:xfrm>
-          <a:prstGeom prst="rect">
-            <a:avLst/>
-          </a:prstGeom>
-          <a:noFill/>
-          <a:ln>
-            <a:noFill/>
-          </a:ln>
-        </p:spPr>
-        <p:txBody>
-          <a:bodyPr spcFirstLastPara="1" wrap="square" lIns="0" tIns="0" rIns="0" bIns="0" anchor="ctr" anchorCtr="0"/>
-          <a:lstStyle>
-            <a:lvl1pPr lvl="0">
-              <a:spcBef>
-                <a:spcPts val="0"/>
-              </a:spcBef>
-              <a:spcAft>
-                <a:spcPts val="0"/>
-              </a:spcAft>
-              <a:buSzPts val="1400"/>
-              <a:buNone/>
-              <a:defRPr sz="1800"/>
-            </a:lvl1pPr>
-            <a:lvl2pPr lvl="1">
-              <a:spcBef>
-                <a:spcPts val="0"/>
-              </a:spcBef>
-              <a:spcAft>
-                <a:spcPts val="0"/>
-              </a:spcAft>
-              <a:buSzPts val="1400"/>
-              <a:buNone/>
-              <a:defRPr sz="1800"/>
-            </a:lvl2pPr>
-            <a:lvl3pPr lvl="2">
-              <a:spcBef>
-                <a:spcPts val="0"/>
-              </a:spcBef>
-              <a:spcAft>
-                <a:spcPts val="0"/>
-              </a:spcAft>
-              <a:buSzPts val="1400"/>
-              <a:buNone/>
-              <a:defRPr sz="1800"/>
-            </a:lvl3pPr>
-            <a:lvl4pPr lvl="3">
-              <a:spcBef>
-                <a:spcPts val="0"/>
-              </a:spcBef>
-              <a:spcAft>
-                <a:spcPts val="0"/>
-              </a:spcAft>
-              <a:buSzPts val="1400"/>
-              <a:buNone/>
-              <a:defRPr sz="1800"/>
-            </a:lvl4pPr>
-            <a:lvl5pPr lvl="4">
-              <a:spcBef>
-                <a:spcPts val="0"/>
-              </a:spcBef>
-              <a:spcAft>
-                <a:spcPts val="0"/>
-              </a:spcAft>
-              <a:buSzPts val="1400"/>
-              <a:buNone/>
-              <a:defRPr sz="1800"/>
-            </a:lvl5pPr>
-            <a:lvl6pPr lvl="5">
-              <a:spcBef>
-                <a:spcPts val="0"/>
-              </a:spcBef>
-              <a:spcAft>
-                <a:spcPts val="0"/>
-              </a:spcAft>
-              <a:buSzPts val="1400"/>
-              <a:buNone/>
-              <a:defRPr sz="1800"/>
-            </a:lvl6pPr>
-            <a:lvl7pPr lvl="6">
-              <a:spcBef>
-                <a:spcPts val="0"/>
-              </a:spcBef>
-              <a:spcAft>
-                <a:spcPts val="0"/>
-              </a:spcAft>
-              <a:buSzPts val="1400"/>
-              <a:buNone/>
-              <a:defRPr sz="1800"/>
-            </a:lvl7pPr>
-            <a:lvl8pPr lvl="7">
-              <a:spcBef>
-                <a:spcPts val="0"/>
-              </a:spcBef>
-              <a:spcAft>
-                <a:spcPts val="0"/>
-              </a:spcAft>
-              <a:buSzPts val="1400"/>
-              <a:buNone/>
-              <a:defRPr sz="1800"/>
-            </a:lvl8pPr>
-            <a:lvl9pPr lvl="8">
-              <a:spcBef>
-                <a:spcPts val="0"/>
-              </a:spcBef>
-              <a:spcAft>
-                <a:spcPts val="0"/>
-              </a:spcAft>
-              <a:buSzPts val="1400"/>
-              <a:buNone/>
-              <a:defRPr sz="1800"/>
-            </a:lvl9pPr>
-          </a:lstStyle>
-          <a:p>
-            <a:endParaRPr/>
-          </a:p>
-        </p:txBody>
-      </p:sp>
-    </p:spTree>
-  </p:cSld>
-  <p:clrMapOvr>
-    <a:masterClrMapping/>
-  </p:clrMapOvr>
-</p:sldLayout>
-</file>
-
-<file path=ppt/slideLayouts/slideLayout7.xml><?xml version="1.0" encoding="utf-8"?>
-<p:sldLayout xmlns:a="http://schemas.openxmlformats.org/drawingml/2006/main" xmlns:r="http://schemas.openxmlformats.org/officeDocument/2006/relationships" xmlns:p="http://schemas.openxmlformats.org/presentationml/2006/main" matchingName="Title, 2 Content and Content" type="twoObjAndObj">
-  <p:cSld name="TWO_OBJECTS_AND_OBJECT">
-    <p:spTree>
-      <p:nvGrpSpPr>
-        <p:cNvPr id="1" name="Shape 37"/>
-        <p:cNvGrpSpPr/>
-        <p:nvPr/>
-      </p:nvGrpSpPr>
-      <p:grpSpPr>
-        <a:xfrm>
-          <a:off x="0" y="0"/>
-          <a:ext cx="0" cy="0"/>
-          <a:chOff x="0" y="0"/>
-          <a:chExt cx="0" cy="0"/>
-        </a:xfrm>
-      </p:grpSpPr>
-      <p:sp>
-        <p:nvSpPr>
-          <p:cNvPr id="38" name="Shape 38"/>
-          <p:cNvSpPr txBox="1">
-            <a:spLocks noGrp="1"/>
-          </p:cNvSpPr>
-          <p:nvPr>
-            <p:ph type="title"/>
-          </p:nvPr>
-        </p:nvSpPr>
-        <p:spPr>
-          <a:xfrm>
-            <a:off x="504000" y="301320"/>
-            <a:ext cx="9071640" cy="1262160"/>
-          </a:xfrm>
-          <a:prstGeom prst="rect">
-            <a:avLst/>
-          </a:prstGeom>
-          <a:noFill/>
-          <a:ln>
-            <a:noFill/>
-          </a:ln>
-        </p:spPr>
-        <p:txBody>
-          <a:bodyPr spcFirstLastPara="1" wrap="square" lIns="0" tIns="0" rIns="0" bIns="0" anchor="ctr" anchorCtr="0"/>
-          <a:lstStyle>
-            <a:lvl1pPr lvl="0">
-              <a:spcBef>
-                <a:spcPts val="0"/>
-              </a:spcBef>
-              <a:spcAft>
-                <a:spcPts val="0"/>
-              </a:spcAft>
-              <a:buSzPts val="1400"/>
-              <a:buNone/>
-              <a:defRPr sz="1800"/>
-            </a:lvl1pPr>
-            <a:lvl2pPr lvl="1">
-              <a:spcBef>
-                <a:spcPts val="0"/>
-              </a:spcBef>
-              <a:spcAft>
-                <a:spcPts val="0"/>
-              </a:spcAft>
-              <a:buSzPts val="1400"/>
-              <a:buNone/>
-              <a:defRPr sz="1800"/>
-            </a:lvl2pPr>
-            <a:lvl3pPr lvl="2">
-              <a:spcBef>
-                <a:spcPts val="0"/>
-              </a:spcBef>
-              <a:spcAft>
-                <a:spcPts val="0"/>
-              </a:spcAft>
-              <a:buSzPts val="1400"/>
-              <a:buNone/>
-              <a:defRPr sz="1800"/>
-            </a:lvl3pPr>
-            <a:lvl4pPr lvl="3">
-              <a:spcBef>
-                <a:spcPts val="0"/>
-              </a:spcBef>
-              <a:spcAft>
-                <a:spcPts val="0"/>
-              </a:spcAft>
-              <a:buSzPts val="1400"/>
-              <a:buNone/>
-              <a:defRPr sz="1800"/>
-            </a:lvl4pPr>
-            <a:lvl5pPr lvl="4">
-              <a:spcBef>
-                <a:spcPts val="0"/>
-              </a:spcBef>
-              <a:spcAft>
-                <a:spcPts val="0"/>
-              </a:spcAft>
-              <a:buSzPts val="1400"/>
-              <a:buNone/>
-              <a:defRPr sz="1800"/>
-            </a:lvl5pPr>
-            <a:lvl6pPr lvl="5">
-              <a:spcBef>
-                <a:spcPts val="0"/>
-              </a:spcBef>
-              <a:spcAft>
-                <a:spcPts val="0"/>
-              </a:spcAft>
-              <a:buSzPts val="1400"/>
-              <a:buNone/>
-              <a:defRPr sz="1800"/>
-            </a:lvl6pPr>
-            <a:lvl7pPr lvl="6">
-              <a:spcBef>
-                <a:spcPts val="0"/>
-              </a:spcBef>
-              <a:spcAft>
-                <a:spcPts val="0"/>
-              </a:spcAft>
-              <a:buSzPts val="1400"/>
-              <a:buNone/>
-              <a:defRPr sz="1800"/>
-            </a:lvl7pPr>
-            <a:lvl8pPr lvl="7">
-              <a:spcBef>
-                <a:spcPts val="0"/>
-              </a:spcBef>
-              <a:spcAft>
-                <a:spcPts val="0"/>
-              </a:spcAft>
-              <a:buSzPts val="1400"/>
-              <a:buNone/>
-              <a:defRPr sz="1800"/>
-            </a:lvl8pPr>
-            <a:lvl9pPr lvl="8">
-              <a:spcBef>
-                <a:spcPts val="0"/>
-              </a:spcBef>
-              <a:spcAft>
-                <a:spcPts val="0"/>
-              </a:spcAft>
-              <a:buSzPts val="1400"/>
-              <a:buNone/>
-              <a:defRPr sz="1800"/>
-            </a:lvl9pPr>
-          </a:lstStyle>
-          <a:p>
-            <a:endParaRPr/>
-          </a:p>
-        </p:txBody>
-      </p:sp>
-      <p:sp>
-        <p:nvSpPr>
-          <p:cNvPr id="39" name="Shape 39"/>
-          <p:cNvSpPr txBox="1">
-            <a:spLocks noGrp="1"/>
-          </p:cNvSpPr>
-          <p:nvPr>
-            <p:ph type="body" idx="1"/>
-          </p:nvPr>
-        </p:nvSpPr>
-        <p:spPr>
-          <a:xfrm>
-            <a:off x="504000" y="1769040"/>
-            <a:ext cx="4426920" cy="2091240"/>
-          </a:xfrm>
-          <a:prstGeom prst="rect">
-            <a:avLst/>
-          </a:prstGeom>
-          <a:noFill/>
-          <a:ln>
-            <a:noFill/>
-          </a:ln>
-        </p:spPr>
-        <p:txBody>
-          <a:bodyPr spcFirstLastPara="1" wrap="square" lIns="0" tIns="0" rIns="0" bIns="0" anchor="t" anchorCtr="0"/>
-          <a:lstStyle>
-            <a:lvl1pPr marL="457200" lvl="0" indent="-228600">
-              <a:spcBef>
-                <a:spcPts val="0"/>
-              </a:spcBef>
-              <a:spcAft>
-                <a:spcPts val="0"/>
-              </a:spcAft>
-              <a:buSzPts val="1400"/>
-              <a:buNone/>
-              <a:defRPr sz="1800"/>
-            </a:lvl1pPr>
-            <a:lvl2pPr marL="914400" lvl="1" indent="-228600">
-              <a:spcBef>
-                <a:spcPts val="0"/>
-              </a:spcBef>
-              <a:spcAft>
-                <a:spcPts val="0"/>
-              </a:spcAft>
-              <a:buSzPts val="1400"/>
-              <a:buNone/>
-              <a:defRPr sz="1800"/>
-            </a:lvl2pPr>
-            <a:lvl3pPr marL="1371600" lvl="2" indent="-228600">
-              <a:spcBef>
-                <a:spcPts val="0"/>
-              </a:spcBef>
-              <a:spcAft>
-                <a:spcPts val="0"/>
-              </a:spcAft>
-              <a:buSzPts val="1400"/>
-              <a:buNone/>
-              <a:defRPr sz="1800"/>
-            </a:lvl3pPr>
-            <a:lvl4pPr marL="1828800" lvl="3" indent="-228600">
-              <a:spcBef>
-                <a:spcPts val="0"/>
-              </a:spcBef>
-              <a:spcAft>
-                <a:spcPts val="0"/>
-              </a:spcAft>
-              <a:buSzPts val="1400"/>
-              <a:buNone/>
-              <a:defRPr sz="1800"/>
-            </a:lvl4pPr>
-            <a:lvl5pPr marL="2286000" lvl="4" indent="-228600">
-              <a:spcBef>
-                <a:spcPts val="0"/>
-              </a:spcBef>
-              <a:spcAft>
-                <a:spcPts val="0"/>
-              </a:spcAft>
-              <a:buSzPts val="1400"/>
-              <a:buNone/>
-              <a:defRPr sz="1800"/>
-            </a:lvl5pPr>
-            <a:lvl6pPr marL="2743200" lvl="5" indent="-228600">
-              <a:spcBef>
-                <a:spcPts val="0"/>
-              </a:spcBef>
-              <a:spcAft>
-                <a:spcPts val="0"/>
-              </a:spcAft>
-              <a:buSzPts val="1400"/>
-              <a:buNone/>
-              <a:defRPr sz="1800"/>
-            </a:lvl6pPr>
-            <a:lvl7pPr marL="3200400" lvl="6" indent="-228600">
-              <a:spcBef>
-                <a:spcPts val="0"/>
-              </a:spcBef>
-              <a:spcAft>
-                <a:spcPts val="0"/>
-              </a:spcAft>
-              <a:buSzPts val="1400"/>
-              <a:buNone/>
-              <a:defRPr sz="1800"/>
-            </a:lvl7pPr>
-            <a:lvl8pPr marL="3657600" lvl="7" indent="-228600">
-              <a:spcBef>
-                <a:spcPts val="0"/>
-              </a:spcBef>
-              <a:spcAft>
-                <a:spcPts val="0"/>
-              </a:spcAft>
-              <a:buSzPts val="1400"/>
-              <a:buNone/>
-              <a:defRPr sz="1800"/>
-            </a:lvl8pPr>
-            <a:lvl9pPr marL="4114800" lvl="8" indent="-228600">
-              <a:spcBef>
-                <a:spcPts val="0"/>
-              </a:spcBef>
-              <a:spcAft>
-                <a:spcPts val="0"/>
-              </a:spcAft>
-              <a:buSzPts val="1400"/>
-              <a:buNone/>
-              <a:defRPr sz="1800"/>
-            </a:lvl9pPr>
-          </a:lstStyle>
-          <a:p>
-            <a:endParaRPr/>
-          </a:p>
-        </p:txBody>
-      </p:sp>
-      <p:sp>
-        <p:nvSpPr>
-          <p:cNvPr id="40" name="Shape 40"/>
-          <p:cNvSpPr txBox="1">
-            <a:spLocks noGrp="1"/>
-          </p:cNvSpPr>
-          <p:nvPr>
-            <p:ph type="body" idx="2"/>
-          </p:nvPr>
-        </p:nvSpPr>
-        <p:spPr>
-          <a:xfrm>
-            <a:off x="504000" y="4059360"/>
-            <a:ext cx="4426920" cy="2091240"/>
-          </a:xfrm>
-          <a:prstGeom prst="rect">
-            <a:avLst/>
-          </a:prstGeom>
-          <a:noFill/>
-          <a:ln>
-            <a:noFill/>
-          </a:ln>
-        </p:spPr>
-        <p:txBody>
-          <a:bodyPr spcFirstLastPara="1" wrap="square" lIns="0" tIns="0" rIns="0" bIns="0" anchor="t" anchorCtr="0"/>
-          <a:lstStyle>
-            <a:lvl1pPr marL="457200" lvl="0" indent="-228600">
-              <a:spcBef>
-                <a:spcPts val="0"/>
-              </a:spcBef>
-              <a:spcAft>
-                <a:spcPts val="0"/>
-              </a:spcAft>
-              <a:buSzPts val="1400"/>
-              <a:buNone/>
-              <a:defRPr sz="1800"/>
-            </a:lvl1pPr>
-            <a:lvl2pPr marL="914400" lvl="1" indent="-228600">
-              <a:spcBef>
-                <a:spcPts val="0"/>
-              </a:spcBef>
-              <a:spcAft>
-                <a:spcPts val="0"/>
-              </a:spcAft>
-              <a:buSzPts val="1400"/>
-              <a:buNone/>
-              <a:defRPr sz="1800"/>
-            </a:lvl2pPr>
-            <a:lvl3pPr marL="1371600" lvl="2" indent="-228600">
-              <a:spcBef>
-                <a:spcPts val="0"/>
-              </a:spcBef>
-              <a:spcAft>
-                <a:spcPts val="0"/>
-              </a:spcAft>
-              <a:buSzPts val="1400"/>
-              <a:buNone/>
-              <a:defRPr sz="1800"/>
-            </a:lvl3pPr>
-            <a:lvl4pPr marL="1828800" lvl="3" indent="-228600">
-              <a:spcBef>
-                <a:spcPts val="0"/>
-              </a:spcBef>
-              <a:spcAft>
-                <a:spcPts val="0"/>
-              </a:spcAft>
-              <a:buSzPts val="1400"/>
-              <a:buNone/>
-              <a:defRPr sz="1800"/>
-            </a:lvl4pPr>
-            <a:lvl5pPr marL="2286000" lvl="4" indent="-228600">
-              <a:spcBef>
-                <a:spcPts val="0"/>
-              </a:spcBef>
-              <a:spcAft>
-                <a:spcPts val="0"/>
-              </a:spcAft>
-              <a:buSzPts val="1400"/>
-              <a:buNone/>
-              <a:defRPr sz="1800"/>
-            </a:lvl5pPr>
-            <a:lvl6pPr marL="2743200" lvl="5" indent="-228600">
-              <a:spcBef>
-                <a:spcPts val="0"/>
-              </a:spcBef>
-              <a:spcAft>
-                <a:spcPts val="0"/>
-              </a:spcAft>
-              <a:buSzPts val="1400"/>
-              <a:buNone/>
-              <a:defRPr sz="1800"/>
-            </a:lvl6pPr>
-            <a:lvl7pPr marL="3200400" lvl="6" indent="-228600">
-              <a:spcBef>
-                <a:spcPts val="0"/>
-              </a:spcBef>
-              <a:spcAft>
-                <a:spcPts val="0"/>
-              </a:spcAft>
-              <a:buSzPts val="1400"/>
-              <a:buNone/>
-              <a:defRPr sz="1800"/>
-            </a:lvl7pPr>
-            <a:lvl8pPr marL="3657600" lvl="7" indent="-228600">
-              <a:spcBef>
-                <a:spcPts val="0"/>
-              </a:spcBef>
-              <a:spcAft>
-                <a:spcPts val="0"/>
-              </a:spcAft>
-              <a:buSzPts val="1400"/>
-              <a:buNone/>
-              <a:defRPr sz="1800"/>
-            </a:lvl8pPr>
-            <a:lvl9pPr marL="4114800" lvl="8" indent="-228600">
-              <a:spcBef>
-                <a:spcPts val="0"/>
-              </a:spcBef>
-              <a:spcAft>
-                <a:spcPts val="0"/>
-              </a:spcAft>
-              <a:buSzPts val="1400"/>
-              <a:buNone/>
-              <a:defRPr sz="1800"/>
-            </a:lvl9pPr>
-          </a:lstStyle>
-          <a:p>
-            <a:endParaRPr/>
-          </a:p>
-        </p:txBody>
-      </p:sp>
-      <p:sp>
-        <p:nvSpPr>
-          <p:cNvPr id="41" name="Shape 41"/>
-          <p:cNvSpPr txBox="1">
-            <a:spLocks noGrp="1"/>
-          </p:cNvSpPr>
-          <p:nvPr>
-            <p:ph type="body" idx="3"/>
-          </p:nvPr>
-        </p:nvSpPr>
-        <p:spPr>
-          <a:xfrm>
-            <a:off x="5152680" y="1769040"/>
-            <a:ext cx="4426920" cy="4384440"/>
-          </a:xfrm>
-          <a:prstGeom prst="rect">
-            <a:avLst/>
-          </a:prstGeom>
-          <a:noFill/>
-          <a:ln>
-            <a:noFill/>
-          </a:ln>
-        </p:spPr>
-        <p:txBody>
-          <a:bodyPr spcFirstLastPara="1" wrap="square" lIns="0" tIns="0" rIns="0" bIns="0" anchor="t" anchorCtr="0"/>
-          <a:lstStyle>
-            <a:lvl1pPr marL="457200" lvl="0" indent="-228600">
-              <a:spcBef>
-                <a:spcPts val="0"/>
-              </a:spcBef>
-              <a:spcAft>
-                <a:spcPts val="0"/>
-              </a:spcAft>
-              <a:buSzPts val="1400"/>
-              <a:buNone/>
-              <a:defRPr sz="1800"/>
-            </a:lvl1pPr>
-            <a:lvl2pPr marL="914400" lvl="1" indent="-228600">
-              <a:spcBef>
-                <a:spcPts val="0"/>
-              </a:spcBef>
-              <a:spcAft>
-                <a:spcPts val="0"/>
-              </a:spcAft>
-              <a:buSzPts val="1400"/>
-              <a:buNone/>
-              <a:defRPr sz="1800"/>
-            </a:lvl2pPr>
-            <a:lvl3pPr marL="1371600" lvl="2" indent="-228600">
-              <a:spcBef>
-                <a:spcPts val="0"/>
-              </a:spcBef>
-              <a:spcAft>
-                <a:spcPts val="0"/>
-              </a:spcAft>
-              <a:buSzPts val="1400"/>
-              <a:buNone/>
-              <a:defRPr sz="1800"/>
-            </a:lvl3pPr>
-            <a:lvl4pPr marL="1828800" lvl="3" indent="-228600">
-              <a:spcBef>
-                <a:spcPts val="0"/>
-              </a:spcBef>
-              <a:spcAft>
-                <a:spcPts val="0"/>
-              </a:spcAft>
-              <a:buSzPts val="1400"/>
-              <a:buNone/>
-              <a:defRPr sz="1800"/>
-            </a:lvl4pPr>
-            <a:lvl5pPr marL="2286000" lvl="4" indent="-228600">
-              <a:spcBef>
-                <a:spcPts val="0"/>
-              </a:spcBef>
-              <a:spcAft>
-                <a:spcPts val="0"/>
-              </a:spcAft>
-              <a:buSzPts val="1400"/>
-              <a:buNone/>
-              <a:defRPr sz="1800"/>
-            </a:lvl5pPr>
-            <a:lvl6pPr marL="2743200" lvl="5" indent="-228600">
-              <a:spcBef>
-                <a:spcPts val="0"/>
-              </a:spcBef>
-              <a:spcAft>
-                <a:spcPts val="0"/>
-              </a:spcAft>
-              <a:buSzPts val="1400"/>
-              <a:buNone/>
-              <a:defRPr sz="1800"/>
-            </a:lvl6pPr>
-            <a:lvl7pPr marL="3200400" lvl="6" indent="-228600">
-              <a:spcBef>
-                <a:spcPts val="0"/>
-              </a:spcBef>
-              <a:spcAft>
-                <a:spcPts val="0"/>
-              </a:spcAft>
-              <a:buSzPts val="1400"/>
-              <a:buNone/>
-              <a:defRPr sz="1800"/>
-            </a:lvl7pPr>
-            <a:lvl8pPr marL="3657600" lvl="7" indent="-228600">
-              <a:spcBef>
-                <a:spcPts val="0"/>
-              </a:spcBef>
-              <a:spcAft>
-                <a:spcPts val="0"/>
-              </a:spcAft>
-              <a:buSzPts val="1400"/>
-              <a:buNone/>
-              <a:defRPr sz="1800"/>
-            </a:lvl8pPr>
-            <a:lvl9pPr marL="4114800" lvl="8" indent="-228600">
-              <a:spcBef>
-                <a:spcPts val="0"/>
-              </a:spcBef>
-              <a:spcAft>
-                <a:spcPts val="0"/>
-              </a:spcAft>
-              <a:buSzPts val="1400"/>
-              <a:buNone/>
-              <a:defRPr sz="1800"/>
-            </a:lvl9pPr>
-          </a:lstStyle>
-          <a:p>
-            <a:endParaRPr/>
-          </a:p>
-        </p:txBody>
-      </p:sp>
-    </p:spTree>
-  </p:cSld>
-  <p:clrMapOvr>
-    <a:masterClrMapping/>
-  </p:clrMapOvr>
-</p:sldLayout>
-</file>
-
-<file path=ppt/slideLayouts/slideLayout8.xml><?xml version="1.0" encoding="utf-8"?>
-<p:sldLayout xmlns:a="http://schemas.openxmlformats.org/drawingml/2006/main" xmlns:r="http://schemas.openxmlformats.org/officeDocument/2006/relationships" xmlns:p="http://schemas.openxmlformats.org/presentationml/2006/main" matchingName="Title Content and 2 Content" type="objAndTwoObj">
-  <p:cSld name="OBJECT_AND_TWO_OBJECTS">
-    <p:spTree>
-      <p:nvGrpSpPr>
-        <p:cNvPr id="1" name="Shape 42"/>
-        <p:cNvGrpSpPr/>
-        <p:nvPr/>
-      </p:nvGrpSpPr>
-      <p:grpSpPr>
-        <a:xfrm>
-          <a:off x="0" y="0"/>
-          <a:ext cx="0" cy="0"/>
-          <a:chOff x="0" y="0"/>
-          <a:chExt cx="0" cy="0"/>
-        </a:xfrm>
-      </p:grpSpPr>
-      <p:sp>
-        <p:nvSpPr>
-          <p:cNvPr id="43" name="Shape 43"/>
-          <p:cNvSpPr txBox="1">
-            <a:spLocks noGrp="1"/>
-          </p:cNvSpPr>
-          <p:nvPr>
-            <p:ph type="title"/>
-          </p:nvPr>
-        </p:nvSpPr>
-        <p:spPr>
-          <a:xfrm>
-            <a:off x="504000" y="301320"/>
-            <a:ext cx="9071640" cy="1262160"/>
-          </a:xfrm>
-          <a:prstGeom prst="rect">
-            <a:avLst/>
-          </a:prstGeom>
-          <a:noFill/>
-          <a:ln>
-            <a:noFill/>
-          </a:ln>
-        </p:spPr>
-        <p:txBody>
-          <a:bodyPr spcFirstLastPara="1" wrap="square" lIns="0" tIns="0" rIns="0" bIns="0" anchor="ctr" anchorCtr="0"/>
-          <a:lstStyle>
-            <a:lvl1pPr lvl="0">
-              <a:spcBef>
-                <a:spcPts val="0"/>
-              </a:spcBef>
-              <a:spcAft>
-                <a:spcPts val="0"/>
-              </a:spcAft>
-              <a:buSzPts val="1400"/>
-              <a:buNone/>
-              <a:defRPr sz="1800"/>
-            </a:lvl1pPr>
-            <a:lvl2pPr lvl="1">
-              <a:spcBef>
-                <a:spcPts val="0"/>
-              </a:spcBef>
-              <a:spcAft>
-                <a:spcPts val="0"/>
-              </a:spcAft>
-              <a:buSzPts val="1400"/>
-              <a:buNone/>
-              <a:defRPr sz="1800"/>
-            </a:lvl2pPr>
-            <a:lvl3pPr lvl="2">
-              <a:spcBef>
-                <a:spcPts val="0"/>
-              </a:spcBef>
-              <a:spcAft>
-                <a:spcPts val="0"/>
-              </a:spcAft>
-              <a:buSzPts val="1400"/>
-              <a:buNone/>
-              <a:defRPr sz="1800"/>
-            </a:lvl3pPr>
-            <a:lvl4pPr lvl="3">
-              <a:spcBef>
-                <a:spcPts val="0"/>
-              </a:spcBef>
-              <a:spcAft>
-                <a:spcPts val="0"/>
-              </a:spcAft>
-              <a:buSzPts val="1400"/>
-              <a:buNone/>
-              <a:defRPr sz="1800"/>
-            </a:lvl4pPr>
-            <a:lvl5pPr lvl="4">
-              <a:spcBef>
-                <a:spcPts val="0"/>
-              </a:spcBef>
-              <a:spcAft>
-                <a:spcPts val="0"/>
-              </a:spcAft>
-              <a:buSzPts val="1400"/>
-              <a:buNone/>
-              <a:defRPr sz="1800"/>
-            </a:lvl5pPr>
-            <a:lvl6pPr lvl="5">
-              <a:spcBef>
-                <a:spcPts val="0"/>
-              </a:spcBef>
-              <a:spcAft>
-                <a:spcPts val="0"/>
-              </a:spcAft>
-              <a:buSzPts val="1400"/>
-              <a:buNone/>
-              <a:defRPr sz="1800"/>
-            </a:lvl6pPr>
-            <a:lvl7pPr lvl="6">
-              <a:spcBef>
-                <a:spcPts val="0"/>
-              </a:spcBef>
-              <a:spcAft>
-                <a:spcPts val="0"/>
-              </a:spcAft>
-              <a:buSzPts val="1400"/>
-              <a:buNone/>
-              <a:defRPr sz="1800"/>
-            </a:lvl7pPr>
-            <a:lvl8pPr lvl="7">
-              <a:spcBef>
-                <a:spcPts val="0"/>
-              </a:spcBef>
-              <a:spcAft>
-                <a:spcPts val="0"/>
-              </a:spcAft>
-              <a:buSzPts val="1400"/>
-              <a:buNone/>
-              <a:defRPr sz="1800"/>
-            </a:lvl8pPr>
-            <a:lvl9pPr lvl="8">
-              <a:spcBef>
-                <a:spcPts val="0"/>
-              </a:spcBef>
-              <a:spcAft>
-                <a:spcPts val="0"/>
-              </a:spcAft>
-              <a:buSzPts val="1400"/>
-              <a:buNone/>
-              <a:defRPr sz="1800"/>
-            </a:lvl9pPr>
-          </a:lstStyle>
-          <a:p>
-            <a:endParaRPr/>
-          </a:p>
-        </p:txBody>
-      </p:sp>
-      <p:sp>
-        <p:nvSpPr>
-          <p:cNvPr id="44" name="Shape 44"/>
-          <p:cNvSpPr txBox="1">
-            <a:spLocks noGrp="1"/>
-          </p:cNvSpPr>
-          <p:nvPr>
-            <p:ph type="body" idx="1"/>
-          </p:nvPr>
-        </p:nvSpPr>
-        <p:spPr>
-          <a:xfrm>
-            <a:off x="504000" y="1769040"/>
-            <a:ext cx="4426920" cy="4384440"/>
-          </a:xfrm>
-          <a:prstGeom prst="rect">
-            <a:avLst/>
-          </a:prstGeom>
-          <a:noFill/>
-          <a:ln>
-            <a:noFill/>
-          </a:ln>
-        </p:spPr>
-        <p:txBody>
-          <a:bodyPr spcFirstLastPara="1" wrap="square" lIns="0" tIns="0" rIns="0" bIns="0" anchor="t" anchorCtr="0"/>
-          <a:lstStyle>
-            <a:lvl1pPr marL="457200" lvl="0" indent="-228600">
-              <a:spcBef>
-                <a:spcPts val="0"/>
-              </a:spcBef>
-              <a:spcAft>
-                <a:spcPts val="0"/>
-              </a:spcAft>
-              <a:buSzPts val="1400"/>
-              <a:buNone/>
-              <a:defRPr sz="1800"/>
-            </a:lvl1pPr>
-            <a:lvl2pPr marL="914400" lvl="1" indent="-228600">
-              <a:spcBef>
-                <a:spcPts val="0"/>
-              </a:spcBef>
-              <a:spcAft>
-                <a:spcPts val="0"/>
-              </a:spcAft>
-              <a:buSzPts val="1400"/>
-              <a:buNone/>
-              <a:defRPr sz="1800"/>
-            </a:lvl2pPr>
-            <a:lvl3pPr marL="1371600" lvl="2" indent="-228600">
-              <a:spcBef>
-                <a:spcPts val="0"/>
-              </a:spcBef>
-              <a:spcAft>
-                <a:spcPts val="0"/>
-              </a:spcAft>
-              <a:buSzPts val="1400"/>
-              <a:buNone/>
-              <a:defRPr sz="1800"/>
-            </a:lvl3pPr>
-            <a:lvl4pPr marL="1828800" lvl="3" indent="-228600">
-              <a:spcBef>
-                <a:spcPts val="0"/>
-              </a:spcBef>
-              <a:spcAft>
-                <a:spcPts val="0"/>
-              </a:spcAft>
-              <a:buSzPts val="1400"/>
-              <a:buNone/>
-              <a:defRPr sz="1800"/>
-            </a:lvl4pPr>
-            <a:lvl5pPr marL="2286000" lvl="4" indent="-228600">
-              <a:spcBef>
-                <a:spcPts val="0"/>
-              </a:spcBef>
-              <a:spcAft>
-                <a:spcPts val="0"/>
-              </a:spcAft>
-              <a:buSzPts val="1400"/>
-              <a:buNone/>
-              <a:defRPr sz="1800"/>
-            </a:lvl5pPr>
-            <a:lvl6pPr marL="2743200" lvl="5" indent="-228600">
-              <a:spcBef>
-                <a:spcPts val="0"/>
-              </a:spcBef>
-              <a:spcAft>
-                <a:spcPts val="0"/>
-              </a:spcAft>
-              <a:buSzPts val="1400"/>
-              <a:buNone/>
-              <a:defRPr sz="1800"/>
-            </a:lvl6pPr>
-            <a:lvl7pPr marL="3200400" lvl="6" indent="-228600">
-              <a:spcBef>
-                <a:spcPts val="0"/>
-              </a:spcBef>
-              <a:spcAft>
-                <a:spcPts val="0"/>
-              </a:spcAft>
-              <a:buSzPts val="1400"/>
-              <a:buNone/>
-              <a:defRPr sz="1800"/>
-            </a:lvl7pPr>
-            <a:lvl8pPr marL="3657600" lvl="7" indent="-228600">
-              <a:spcBef>
-                <a:spcPts val="0"/>
-              </a:spcBef>
-              <a:spcAft>
-                <a:spcPts val="0"/>
-              </a:spcAft>
-              <a:buSzPts val="1400"/>
-              <a:buNone/>
-              <a:defRPr sz="1800"/>
-            </a:lvl8pPr>
-            <a:lvl9pPr marL="4114800" lvl="8" indent="-228600">
-              <a:spcBef>
-                <a:spcPts val="0"/>
-              </a:spcBef>
-              <a:spcAft>
-                <a:spcPts val="0"/>
-              </a:spcAft>
-              <a:buSzPts val="1400"/>
-              <a:buNone/>
-              <a:defRPr sz="1800"/>
-            </a:lvl9pPr>
-          </a:lstStyle>
-          <a:p>
-            <a:endParaRPr/>
-          </a:p>
-        </p:txBody>
-      </p:sp>
-      <p:sp>
-        <p:nvSpPr>
-          <p:cNvPr id="45" name="Shape 45"/>
-          <p:cNvSpPr txBox="1">
-            <a:spLocks noGrp="1"/>
-          </p:cNvSpPr>
-          <p:nvPr>
-            <p:ph type="body" idx="2"/>
-          </p:nvPr>
-        </p:nvSpPr>
-        <p:spPr>
-          <a:xfrm>
-            <a:off x="5152680" y="1769040"/>
-            <a:ext cx="4426920" cy="2091240"/>
-          </a:xfrm>
-          <a:prstGeom prst="rect">
-            <a:avLst/>
-          </a:prstGeom>
-          <a:noFill/>
-          <a:ln>
-            <a:noFill/>
-          </a:ln>
-        </p:spPr>
-        <p:txBody>
-          <a:bodyPr spcFirstLastPara="1" wrap="square" lIns="0" tIns="0" rIns="0" bIns="0" anchor="t" anchorCtr="0"/>
-          <a:lstStyle>
-            <a:lvl1pPr marL="457200" lvl="0" indent="-228600">
-              <a:spcBef>
-                <a:spcPts val="0"/>
-              </a:spcBef>
-              <a:spcAft>
-                <a:spcPts val="0"/>
-              </a:spcAft>
-              <a:buSzPts val="1400"/>
-              <a:buNone/>
-              <a:defRPr sz="1800"/>
-            </a:lvl1pPr>
-            <a:lvl2pPr marL="914400" lvl="1" indent="-228600">
-              <a:spcBef>
-                <a:spcPts val="0"/>
-              </a:spcBef>
-              <a:spcAft>
-                <a:spcPts val="0"/>
-              </a:spcAft>
-              <a:buSzPts val="1400"/>
-              <a:buNone/>
-              <a:defRPr sz="1800"/>
-            </a:lvl2pPr>
-            <a:lvl3pPr marL="1371600" lvl="2" indent="-228600">
-              <a:spcBef>
-                <a:spcPts val="0"/>
-              </a:spcBef>
-              <a:spcAft>
-                <a:spcPts val="0"/>
-              </a:spcAft>
-              <a:buSzPts val="1400"/>
-              <a:buNone/>
-              <a:defRPr sz="1800"/>
-            </a:lvl3pPr>
-            <a:lvl4pPr marL="1828800" lvl="3" indent="-228600">
-              <a:spcBef>
-                <a:spcPts val="0"/>
-              </a:spcBef>
-              <a:spcAft>
-                <a:spcPts val="0"/>
-              </a:spcAft>
-              <a:buSzPts val="1400"/>
-              <a:buNone/>
-              <a:defRPr sz="1800"/>
-            </a:lvl4pPr>
-            <a:lvl5pPr marL="2286000" lvl="4" indent="-228600">
-              <a:spcBef>
-                <a:spcPts val="0"/>
-              </a:spcBef>
-              <a:spcAft>
-                <a:spcPts val="0"/>
-              </a:spcAft>
-              <a:buSzPts val="1400"/>
-              <a:buNone/>
-              <a:defRPr sz="1800"/>
-            </a:lvl5pPr>
-            <a:lvl6pPr marL="2743200" lvl="5" indent="-228600">
-              <a:spcBef>
-                <a:spcPts val="0"/>
-              </a:spcBef>
-              <a:spcAft>
-                <a:spcPts val="0"/>
-              </a:spcAft>
-              <a:buSzPts val="1400"/>
-              <a:buNone/>
-              <a:defRPr sz="1800"/>
-            </a:lvl6pPr>
-            <a:lvl7pPr marL="3200400" lvl="6" indent="-228600">
-              <a:spcBef>
-                <a:spcPts val="0"/>
-              </a:spcBef>
-              <a:spcAft>
-                <a:spcPts val="0"/>
-              </a:spcAft>
-              <a:buSzPts val="1400"/>
-              <a:buNone/>
-              <a:defRPr sz="1800"/>
-            </a:lvl7pPr>
-            <a:lvl8pPr marL="3657600" lvl="7" indent="-228600">
-              <a:spcBef>
-                <a:spcPts val="0"/>
-              </a:spcBef>
-              <a:spcAft>
-                <a:spcPts val="0"/>
-              </a:spcAft>
-              <a:buSzPts val="1400"/>
-              <a:buNone/>
-              <a:defRPr sz="1800"/>
-            </a:lvl8pPr>
-            <a:lvl9pPr marL="4114800" lvl="8" indent="-228600">
-              <a:spcBef>
-                <a:spcPts val="0"/>
-              </a:spcBef>
-              <a:spcAft>
-                <a:spcPts val="0"/>
-              </a:spcAft>
-              <a:buSzPts val="1400"/>
-              <a:buNone/>
-              <a:defRPr sz="1800"/>
-            </a:lvl9pPr>
-          </a:lstStyle>
-          <a:p>
-            <a:endParaRPr/>
-          </a:p>
-        </p:txBody>
-      </p:sp>
-      <p:sp>
-        <p:nvSpPr>
-          <p:cNvPr id="46" name="Shape 46"/>
-          <p:cNvSpPr txBox="1">
-            <a:spLocks noGrp="1"/>
-          </p:cNvSpPr>
-          <p:nvPr>
-            <p:ph type="body" idx="3"/>
-          </p:nvPr>
-        </p:nvSpPr>
-        <p:spPr>
-          <a:xfrm>
-            <a:off x="5152680" y="4059360"/>
-            <a:ext cx="4426920" cy="2091240"/>
-          </a:xfrm>
-          <a:prstGeom prst="rect">
-            <a:avLst/>
-          </a:prstGeom>
-          <a:noFill/>
-          <a:ln>
-            <a:noFill/>
-          </a:ln>
-        </p:spPr>
-        <p:txBody>
-          <a:bodyPr spcFirstLastPara="1" wrap="square" lIns="0" tIns="0" rIns="0" bIns="0" anchor="t" anchorCtr="0"/>
-          <a:lstStyle>
-            <a:lvl1pPr marL="457200" lvl="0" indent="-228600">
-              <a:spcBef>
-                <a:spcPts val="0"/>
-              </a:spcBef>
-              <a:spcAft>
-                <a:spcPts val="0"/>
-              </a:spcAft>
-              <a:buSzPts val="1400"/>
-              <a:buNone/>
-              <a:defRPr sz="1800"/>
-            </a:lvl1pPr>
-            <a:lvl2pPr marL="914400" lvl="1" indent="-228600">
-              <a:spcBef>
-                <a:spcPts val="0"/>
-              </a:spcBef>
-              <a:spcAft>
-                <a:spcPts val="0"/>
-              </a:spcAft>
-              <a:buSzPts val="1400"/>
-              <a:buNone/>
-              <a:defRPr sz="1800"/>
-            </a:lvl2pPr>
-            <a:lvl3pPr marL="1371600" lvl="2" indent="-228600">
-              <a:spcBef>
-                <a:spcPts val="0"/>
-              </a:spcBef>
-              <a:spcAft>
-                <a:spcPts val="0"/>
-              </a:spcAft>
-              <a:buSzPts val="1400"/>
-              <a:buNone/>
-              <a:defRPr sz="1800"/>
-            </a:lvl3pPr>
-            <a:lvl4pPr marL="1828800" lvl="3" indent="-228600">
-              <a:spcBef>
-                <a:spcPts val="0"/>
-              </a:spcBef>
-              <a:spcAft>
-                <a:spcPts val="0"/>
-              </a:spcAft>
-              <a:buSzPts val="1400"/>
-              <a:buNone/>
-              <a:defRPr sz="1800"/>
-            </a:lvl4pPr>
-            <a:lvl5pPr marL="2286000" lvl="4" indent="-228600">
-              <a:spcBef>
-                <a:spcPts val="0"/>
-              </a:spcBef>
-              <a:spcAft>
-                <a:spcPts val="0"/>
-              </a:spcAft>
-              <a:buSzPts val="1400"/>
-              <a:buNone/>
-              <a:defRPr sz="1800"/>
-            </a:lvl5pPr>
-            <a:lvl6pPr marL="2743200" lvl="5" indent="-228600">
-              <a:spcBef>
-                <a:spcPts val="0"/>
-              </a:spcBef>
-              <a:spcAft>
-                <a:spcPts val="0"/>
-              </a:spcAft>
-              <a:buSzPts val="1400"/>
-              <a:buNone/>
-              <a:defRPr sz="1800"/>
-            </a:lvl6pPr>
-            <a:lvl7pPr marL="3200400" lvl="6" indent="-228600">
-              <a:spcBef>
-                <a:spcPts val="0"/>
-              </a:spcBef>
-              <a:spcAft>
-                <a:spcPts val="0"/>
-              </a:spcAft>
-              <a:buSzPts val="1400"/>
-              <a:buNone/>
-              <a:defRPr sz="1800"/>
-            </a:lvl7pPr>
-            <a:lvl8pPr marL="3657600" lvl="7" indent="-228600">
-              <a:spcBef>
-                <a:spcPts val="0"/>
-              </a:spcBef>
-              <a:spcAft>
-                <a:spcPts val="0"/>
-              </a:spcAft>
-              <a:buSzPts val="1400"/>
-              <a:buNone/>
-              <a:defRPr sz="1800"/>
-            </a:lvl8pPr>
-            <a:lvl9pPr marL="4114800" lvl="8" indent="-228600">
-              <a:spcBef>
-                <a:spcPts val="0"/>
-              </a:spcBef>
-              <a:spcAft>
-                <a:spcPts val="0"/>
-              </a:spcAft>
-              <a:buSzPts val="1400"/>
-              <a:buNone/>
-              <a:defRPr sz="1800"/>
-            </a:lvl9pPr>
-          </a:lstStyle>
-          <a:p>
-            <a:endParaRPr/>
-          </a:p>
-        </p:txBody>
-      </p:sp>
-    </p:spTree>
-  </p:cSld>
-  <p:clrMapOvr>
-    <a:masterClrMapping/>
-  </p:clrMapOvr>
-</p:sldLayout>
-</file>
-
-<file path=ppt/slideLayouts/slideLayout9.xml><?xml version="1.0" encoding="utf-8"?>
-<p:sldLayout xmlns:a="http://schemas.openxmlformats.org/drawingml/2006/main" xmlns:r="http://schemas.openxmlformats.org/officeDocument/2006/relationships" xmlns:p="http://schemas.openxmlformats.org/presentationml/2006/main" matchingName="Title, 2 Content over Content" type="twoObjOverTx">
-  <p:cSld name="TWO_OBJECTS_OVER_TEXT">
-    <p:spTree>
-      <p:nvGrpSpPr>
-        <p:cNvPr id="1" name="Shape 47"/>
-        <p:cNvGrpSpPr/>
-        <p:nvPr/>
-      </p:nvGrpSpPr>
-      <p:grpSpPr>
-        <a:xfrm>
-          <a:off x="0" y="0"/>
-          <a:ext cx="0" cy="0"/>
-          <a:chOff x="0" y="0"/>
-          <a:chExt cx="0" cy="0"/>
-        </a:xfrm>
-      </p:grpSpPr>
-      <p:sp>
-        <p:nvSpPr>
-          <p:cNvPr id="48" name="Shape 48"/>
-          <p:cNvSpPr txBox="1">
-            <a:spLocks noGrp="1"/>
-          </p:cNvSpPr>
-          <p:nvPr>
-            <p:ph type="title"/>
-          </p:nvPr>
-        </p:nvSpPr>
-        <p:spPr>
-          <a:xfrm>
-            <a:off x="504000" y="301320"/>
-            <a:ext cx="9071640" cy="1262160"/>
-          </a:xfrm>
-          <a:prstGeom prst="rect">
-            <a:avLst/>
-          </a:prstGeom>
-          <a:noFill/>
-          <a:ln>
-            <a:noFill/>
-          </a:ln>
-        </p:spPr>
-        <p:txBody>
-          <a:bodyPr spcFirstLastPara="1" wrap="square" lIns="0" tIns="0" rIns="0" bIns="0" anchor="ctr" anchorCtr="0"/>
-          <a:lstStyle>
-            <a:lvl1pPr lvl="0">
-              <a:spcBef>
-                <a:spcPts val="0"/>
-              </a:spcBef>
-              <a:spcAft>
-                <a:spcPts val="0"/>
-              </a:spcAft>
-              <a:buSzPts val="1400"/>
-              <a:buNone/>
-              <a:defRPr sz="1800"/>
-            </a:lvl1pPr>
-            <a:lvl2pPr lvl="1">
-              <a:spcBef>
-                <a:spcPts val="0"/>
-              </a:spcBef>
-              <a:spcAft>
-                <a:spcPts val="0"/>
-              </a:spcAft>
-              <a:buSzPts val="1400"/>
-              <a:buNone/>
-              <a:defRPr sz="1800"/>
-            </a:lvl2pPr>
-            <a:lvl3pPr lvl="2">
-              <a:spcBef>
-                <a:spcPts val="0"/>
-              </a:spcBef>
-              <a:spcAft>
-                <a:spcPts val="0"/>
-              </a:spcAft>
-              <a:buSzPts val="1400"/>
-              <a:buNone/>
-              <a:defRPr sz="1800"/>
-            </a:lvl3pPr>
-            <a:lvl4pPr lvl="3">
-              <a:spcBef>
-                <a:spcPts val="0"/>
-              </a:spcBef>
-              <a:spcAft>
-                <a:spcPts val="0"/>
-              </a:spcAft>
-              <a:buSzPts val="1400"/>
-              <a:buNone/>
-              <a:defRPr sz="1800"/>
-            </a:lvl4pPr>
-            <a:lvl5pPr lvl="4">
-              <a:spcBef>
-                <a:spcPts val="0"/>
-              </a:spcBef>
-              <a:spcAft>
-                <a:spcPts val="0"/>
-              </a:spcAft>
-              <a:buSzPts val="1400"/>
-              <a:buNone/>
-              <a:defRPr sz="1800"/>
-            </a:lvl5pPr>
-            <a:lvl6pPr lvl="5">
-              <a:spcBef>
-                <a:spcPts val="0"/>
-              </a:spcBef>
-              <a:spcAft>
-                <a:spcPts val="0"/>
-              </a:spcAft>
-              <a:buSzPts val="1400"/>
-              <a:buNone/>
-              <a:defRPr sz="1800"/>
-            </a:lvl6pPr>
-            <a:lvl7pPr lvl="6">
-              <a:spcBef>
-                <a:spcPts val="0"/>
-              </a:spcBef>
-              <a:spcAft>
-                <a:spcPts val="0"/>
-              </a:spcAft>
-              <a:buSzPts val="1400"/>
-              <a:buNone/>
-              <a:defRPr sz="1800"/>
-            </a:lvl7pPr>
-            <a:lvl8pPr lvl="7">
-              <a:spcBef>
-                <a:spcPts val="0"/>
-              </a:spcBef>
-              <a:spcAft>
-                <a:spcPts val="0"/>
-              </a:spcAft>
-              <a:buSzPts val="1400"/>
-              <a:buNone/>
-              <a:defRPr sz="1800"/>
-            </a:lvl8pPr>
-            <a:lvl9pPr lvl="8">
-              <a:spcBef>
-                <a:spcPts val="0"/>
-              </a:spcBef>
-              <a:spcAft>
-                <a:spcPts val="0"/>
-              </a:spcAft>
-              <a:buSzPts val="1400"/>
-              <a:buNone/>
-              <a:defRPr sz="1800"/>
-            </a:lvl9pPr>
-          </a:lstStyle>
-          <a:p>
-            <a:endParaRPr/>
-          </a:p>
-        </p:txBody>
-      </p:sp>
-      <p:sp>
-        <p:nvSpPr>
-          <p:cNvPr id="49" name="Shape 49"/>
-          <p:cNvSpPr txBox="1">
-            <a:spLocks noGrp="1"/>
-          </p:cNvSpPr>
-          <p:nvPr>
-            <p:ph type="body" idx="1"/>
-          </p:nvPr>
-        </p:nvSpPr>
-        <p:spPr>
-          <a:xfrm>
-            <a:off x="504000" y="1769040"/>
-            <a:ext cx="4426920" cy="2091240"/>
-          </a:xfrm>
-          <a:prstGeom prst="rect">
-            <a:avLst/>
-          </a:prstGeom>
-          <a:noFill/>
-          <a:ln>
-            <a:noFill/>
-          </a:ln>
-        </p:spPr>
-        <p:txBody>
-          <a:bodyPr spcFirstLastPara="1" wrap="square" lIns="0" tIns="0" rIns="0" bIns="0" anchor="t" anchorCtr="0"/>
-          <a:lstStyle>
-            <a:lvl1pPr marL="457200" lvl="0" indent="-228600">
-              <a:spcBef>
-                <a:spcPts val="0"/>
-              </a:spcBef>
-              <a:spcAft>
-                <a:spcPts val="0"/>
-              </a:spcAft>
-              <a:buSzPts val="1400"/>
-              <a:buNone/>
-              <a:defRPr sz="1800"/>
-            </a:lvl1pPr>
-            <a:lvl2pPr marL="914400" lvl="1" indent="-228600">
-              <a:spcBef>
-                <a:spcPts val="0"/>
-              </a:spcBef>
-              <a:spcAft>
-                <a:spcPts val="0"/>
-              </a:spcAft>
-              <a:buSzPts val="1400"/>
-              <a:buNone/>
-              <a:defRPr sz="1800"/>
-            </a:lvl2pPr>
-            <a:lvl3pPr marL="1371600" lvl="2" indent="-228600">
-              <a:spcBef>
-                <a:spcPts val="0"/>
-              </a:spcBef>
-              <a:spcAft>
-                <a:spcPts val="0"/>
-              </a:spcAft>
-              <a:buSzPts val="1400"/>
-              <a:buNone/>
-              <a:defRPr sz="1800"/>
-            </a:lvl3pPr>
-            <a:lvl4pPr marL="1828800" lvl="3" indent="-228600">
-              <a:spcBef>
-                <a:spcPts val="0"/>
-              </a:spcBef>
-              <a:spcAft>
-                <a:spcPts val="0"/>
-              </a:spcAft>
-              <a:buSzPts val="1400"/>
-              <a:buNone/>
-              <a:defRPr sz="1800"/>
-            </a:lvl4pPr>
-            <a:lvl5pPr marL="2286000" lvl="4" indent="-228600">
-              <a:spcBef>
-                <a:spcPts val="0"/>
-              </a:spcBef>
-              <a:spcAft>
-                <a:spcPts val="0"/>
-              </a:spcAft>
-              <a:buSzPts val="1400"/>
-              <a:buNone/>
-              <a:defRPr sz="1800"/>
-            </a:lvl5pPr>
-            <a:lvl6pPr marL="2743200" lvl="5" indent="-228600">
-              <a:spcBef>
-                <a:spcPts val="0"/>
-              </a:spcBef>
-              <a:spcAft>
-                <a:spcPts val="0"/>
-              </a:spcAft>
-              <a:buSzPts val="1400"/>
-              <a:buNone/>
-              <a:defRPr sz="1800"/>
-            </a:lvl6pPr>
-            <a:lvl7pPr marL="3200400" lvl="6" indent="-228600">
-              <a:spcBef>
-                <a:spcPts val="0"/>
-              </a:spcBef>
-              <a:spcAft>
-                <a:spcPts val="0"/>
-              </a:spcAft>
-              <a:buSzPts val="1400"/>
-              <a:buNone/>
-              <a:defRPr sz="1800"/>
-            </a:lvl7pPr>
-            <a:lvl8pPr marL="3657600" lvl="7" indent="-228600">
-              <a:spcBef>
-                <a:spcPts val="0"/>
-              </a:spcBef>
-              <a:spcAft>
-                <a:spcPts val="0"/>
-              </a:spcAft>
-              <a:buSzPts val="1400"/>
-              <a:buNone/>
-              <a:defRPr sz="1800"/>
-            </a:lvl8pPr>
-            <a:lvl9pPr marL="4114800" lvl="8" indent="-228600">
-              <a:spcBef>
-                <a:spcPts val="0"/>
-              </a:spcBef>
-              <a:spcAft>
-                <a:spcPts val="0"/>
-              </a:spcAft>
-              <a:buSzPts val="1400"/>
-              <a:buNone/>
-              <a:defRPr sz="1800"/>
-            </a:lvl9pPr>
-          </a:lstStyle>
-          <a:p>
-            <a:endParaRPr/>
-          </a:p>
-        </p:txBody>
-      </p:sp>
-      <p:sp>
-        <p:nvSpPr>
-          <p:cNvPr id="50" name="Shape 50"/>
-          <p:cNvSpPr txBox="1">
-            <a:spLocks noGrp="1"/>
-          </p:cNvSpPr>
-          <p:nvPr>
-            <p:ph type="body" idx="2"/>
-          </p:nvPr>
-        </p:nvSpPr>
-        <p:spPr>
-          <a:xfrm>
-            <a:off x="5152680" y="1769040"/>
-            <a:ext cx="4426920" cy="2091240"/>
-          </a:xfrm>
-          <a:prstGeom prst="rect">
-            <a:avLst/>
-          </a:prstGeom>
-          <a:noFill/>
-          <a:ln>
-            <a:noFill/>
-          </a:ln>
-        </p:spPr>
-        <p:txBody>
-          <a:bodyPr spcFirstLastPara="1" wrap="square" lIns="0" tIns="0" rIns="0" bIns="0" anchor="t" anchorCtr="0"/>
-          <a:lstStyle>
-            <a:lvl1pPr marL="457200" lvl="0" indent="-228600">
-              <a:spcBef>
-                <a:spcPts val="0"/>
-              </a:spcBef>
-              <a:spcAft>
-                <a:spcPts val="0"/>
-              </a:spcAft>
-              <a:buSzPts val="1400"/>
-              <a:buNone/>
-              <a:defRPr sz="1800"/>
-            </a:lvl1pPr>
-            <a:lvl2pPr marL="914400" lvl="1" indent="-228600">
-              <a:spcBef>
-                <a:spcPts val="0"/>
-              </a:spcBef>
-              <a:spcAft>
-                <a:spcPts val="0"/>
-              </a:spcAft>
-              <a:buSzPts val="1400"/>
-              <a:buNone/>
-              <a:defRPr sz="1800"/>
-            </a:lvl2pPr>
-            <a:lvl3pPr marL="1371600" lvl="2" indent="-228600">
-              <a:spcBef>
-                <a:spcPts val="0"/>
-              </a:spcBef>
-              <a:spcAft>
-                <a:spcPts val="0"/>
-              </a:spcAft>
-              <a:buSzPts val="1400"/>
-              <a:buNone/>
-              <a:defRPr sz="1800"/>
-            </a:lvl3pPr>
-            <a:lvl4pPr marL="1828800" lvl="3" indent="-228600">
-              <a:spcBef>
-                <a:spcPts val="0"/>
-              </a:spcBef>
-              <a:spcAft>
-                <a:spcPts val="0"/>
-              </a:spcAft>
-              <a:buSzPts val="1400"/>
-              <a:buNone/>
-              <a:defRPr sz="1800"/>
-            </a:lvl4pPr>
-            <a:lvl5pPr marL="2286000" lvl="4" indent="-228600">
-              <a:spcBef>
-                <a:spcPts val="0"/>
-              </a:spcBef>
-              <a:spcAft>
-                <a:spcPts val="0"/>
-              </a:spcAft>
-              <a:buSzPts val="1400"/>
-              <a:buNone/>
-              <a:defRPr sz="1800"/>
-            </a:lvl5pPr>
-            <a:lvl6pPr marL="2743200" lvl="5" indent="-228600">
-              <a:spcBef>
-                <a:spcPts val="0"/>
-              </a:spcBef>
-              <a:spcAft>
-                <a:spcPts val="0"/>
-              </a:spcAft>
-              <a:buSzPts val="1400"/>
-              <a:buNone/>
-              <a:defRPr sz="1800"/>
-            </a:lvl6pPr>
-            <a:lvl7pPr marL="3200400" lvl="6" indent="-228600">
-              <a:spcBef>
-                <a:spcPts val="0"/>
-              </a:spcBef>
-              <a:spcAft>
-                <a:spcPts val="0"/>
-              </a:spcAft>
-              <a:buSzPts val="1400"/>
-              <a:buNone/>
-              <a:defRPr sz="1800"/>
-            </a:lvl7pPr>
-            <a:lvl8pPr marL="3657600" lvl="7" indent="-228600">
-              <a:spcBef>
-                <a:spcPts val="0"/>
-              </a:spcBef>
-              <a:spcAft>
-                <a:spcPts val="0"/>
-              </a:spcAft>
-              <a:buSzPts val="1400"/>
-              <a:buNone/>
-              <a:defRPr sz="1800"/>
-            </a:lvl8pPr>
-            <a:lvl9pPr marL="4114800" lvl="8" indent="-228600">
-              <a:spcBef>
-                <a:spcPts val="0"/>
-              </a:spcBef>
-              <a:spcAft>
-                <a:spcPts val="0"/>
-              </a:spcAft>
-              <a:buSzPts val="1400"/>
-              <a:buNone/>
-              <a:defRPr sz="1800"/>
-            </a:lvl9pPr>
-          </a:lstStyle>
-          <a:p>
-            <a:endParaRPr/>
-          </a:p>
-        </p:txBody>
-      </p:sp>
-      <p:sp>
-        <p:nvSpPr>
-          <p:cNvPr id="51" name="Shape 51"/>
-          <p:cNvSpPr txBox="1">
-            <a:spLocks noGrp="1"/>
-          </p:cNvSpPr>
-          <p:nvPr>
-            <p:ph type="body" idx="3"/>
           </p:nvPr>
         </p:nvSpPr>
         <p:spPr>
@@ -9599,7 +9506,7 @@
           <a:p>
             <a:fld id="{35354F9B-D08D-4847-B661-16714C1F52DE}" type="datetime1">
               <a:rPr lang="en-US" smtClean="0"/>
-              <a:t>4/15/2019</a:t>
+              <a:t>4/16/2019</a:t>
             </a:fld>
             <a:endParaRPr/>
           </a:p>
@@ -9995,17 +9902,16 @@
   <p:clrMap bg1="lt1" tx1="dk1" bg2="dk2" tx2="lt2" accent1="accent1" accent2="accent2" accent3="accent3" accent4="accent4" accent5="accent5" accent6="accent6" hlink="hlink" folHlink="folHlink"/>
   <p:sldLayoutIdLst>
     <p:sldLayoutId id="2147483648" r:id="rId1"/>
-    <p:sldLayoutId id="2147483650" r:id="rId2"/>
-    <p:sldLayoutId id="2147483651" r:id="rId3"/>
-    <p:sldLayoutId id="2147483652" r:id="rId4"/>
-    <p:sldLayoutId id="2147483653" r:id="rId5"/>
-    <p:sldLayoutId id="2147483654" r:id="rId6"/>
-    <p:sldLayoutId id="2147483655" r:id="rId7"/>
-    <p:sldLayoutId id="2147483656" r:id="rId8"/>
-    <p:sldLayoutId id="2147483657" r:id="rId9"/>
-    <p:sldLayoutId id="2147483658" r:id="rId10"/>
-    <p:sldLayoutId id="2147483659" r:id="rId11"/>
-    <p:sldLayoutId id="2147483660" r:id="rId12"/>
+    <p:sldLayoutId id="2147483651" r:id="rId2"/>
+    <p:sldLayoutId id="2147483652" r:id="rId3"/>
+    <p:sldLayoutId id="2147483653" r:id="rId4"/>
+    <p:sldLayoutId id="2147483654" r:id="rId5"/>
+    <p:sldLayoutId id="2147483655" r:id="rId6"/>
+    <p:sldLayoutId id="2147483656" r:id="rId7"/>
+    <p:sldLayoutId id="2147483657" r:id="rId8"/>
+    <p:sldLayoutId id="2147483658" r:id="rId9"/>
+    <p:sldLayoutId id="2147483659" r:id="rId10"/>
+    <p:sldLayoutId id="2147483660" r:id="rId11"/>
   </p:sldLayoutIdLst>
   <p:hf hdr="0"/>
   <p:txStyles>
@@ -10763,7 +10669,7 @@
                 <a:latin typeface="Avenir"/>
                 <a:sym typeface="Avenir"/>
               </a:rPr>
-              <a:t>4/15/2019</a:t>
+              <a:t>4/16/2019</a:t>
             </a:fld>
             <a:endParaRPr sz="1102" b="0" i="0" u="none" strike="noStrike" cap="none">
               <a:solidFill>
@@ -11150,7 +11056,7 @@
                 <a:latin typeface="Avenir"/>
                 <a:sym typeface="Avenir"/>
               </a:rPr>
-              <a:t>4/15/2019</a:t>
+              <a:t>4/16/2019</a:t>
             </a:fld>
             <a:endParaRPr sz="1102">
               <a:solidFill>
@@ -11830,7 +11736,7 @@
                 <a:latin typeface="Avenir"/>
                 <a:sym typeface="Avenir"/>
               </a:rPr>
-              <a:t>4/15/2019</a:t>
+              <a:t>4/16/2019</a:t>
             </a:fld>
             <a:endParaRPr sz="1102">
               <a:solidFill>
@@ -11905,6 +11811,706 @@
                 <a:sym typeface="Avenir"/>
               </a:rPr>
               <a:t>11</a:t>
+            </a:fld>
+            <a:endParaRPr sz="1102">
+              <a:solidFill>
+                <a:srgbClr val="888888"/>
+              </a:solidFill>
+              <a:latin typeface="Avenir"/>
+              <a:ea typeface="Avenir"/>
+              <a:cs typeface="Avenir"/>
+              <a:sym typeface="Avenir"/>
+            </a:endParaRPr>
+          </a:p>
+        </p:txBody>
+      </p:sp>
+      <p:sp>
+        <p:nvSpPr>
+          <p:cNvPr id="99" name="Shape 99"/>
+          <p:cNvSpPr txBox="1"/>
+          <p:nvPr/>
+        </p:nvSpPr>
+        <p:spPr>
+          <a:xfrm>
+            <a:off x="0" y="890087"/>
+            <a:ext cx="10080600" cy="5779500"/>
+          </a:xfrm>
+          <a:prstGeom prst="rect">
+            <a:avLst/>
+          </a:prstGeom>
+          <a:noFill/>
+          <a:ln>
+            <a:noFill/>
+          </a:ln>
+        </p:spPr>
+        <p:txBody>
+          <a:bodyPr spcFirstLastPara="1" wrap="square" lIns="91425" tIns="45700" rIns="91425" bIns="45700" anchor="t" anchorCtr="0">
+            <a:noAutofit/>
+          </a:bodyPr>
+          <a:lstStyle/>
+          <a:p>
+            <a:pPr marR="0" lvl="0" algn="l" rtl="0">
+              <a:spcBef>
+                <a:spcPts val="0"/>
+              </a:spcBef>
+              <a:spcAft>
+                <a:spcPts val="0"/>
+              </a:spcAft>
+            </a:pPr>
+            <a:r>
+              <a:rPr lang="en-US" sz="2800" dirty="0" err="1">
+                <a:solidFill>
+                  <a:schemeClr val="dk1"/>
+                </a:solidFill>
+                <a:latin typeface="Avenir"/>
+                <a:ea typeface="Avenir"/>
+                <a:cs typeface="Avenir"/>
+                <a:sym typeface="Avenir"/>
+              </a:rPr>
+              <a:t>FAIRshake</a:t>
+            </a:r>
+            <a:r>
+              <a:rPr lang="en-US" sz="2800" dirty="0">
+                <a:solidFill>
+                  <a:schemeClr val="dk1"/>
+                </a:solidFill>
+                <a:latin typeface="Avenir"/>
+                <a:ea typeface="Avenir"/>
+                <a:cs typeface="Avenir"/>
+                <a:sym typeface="Avenir"/>
+              </a:rPr>
+              <a:t> assessment – on FAIR metrics (Rubric 25)</a:t>
+            </a:r>
+            <a:endParaRPr lang="en-US" sz="2400" dirty="0">
+              <a:solidFill>
+                <a:schemeClr val="dk1"/>
+              </a:solidFill>
+              <a:latin typeface="Avenir"/>
+              <a:ea typeface="Avenir"/>
+              <a:cs typeface="Avenir"/>
+              <a:sym typeface="Avenir"/>
+            </a:endParaRPr>
+          </a:p>
+          <a:p>
+            <a:pPr marR="0" lvl="0" algn="l" rtl="0">
+              <a:lnSpc>
+                <a:spcPct val="200000"/>
+              </a:lnSpc>
+              <a:spcBef>
+                <a:spcPts val="0"/>
+              </a:spcBef>
+              <a:spcAft>
+                <a:spcPts val="0"/>
+              </a:spcAft>
+            </a:pPr>
+            <a:endParaRPr lang="en-US" sz="2400" dirty="0">
+              <a:solidFill>
+                <a:schemeClr val="dk1"/>
+              </a:solidFill>
+              <a:latin typeface="Avenir"/>
+              <a:ea typeface="Avenir"/>
+              <a:cs typeface="Avenir"/>
+              <a:sym typeface="Avenir"/>
+            </a:endParaRPr>
+          </a:p>
+          <a:p>
+            <a:pPr marR="0" lvl="0" algn="l" rtl="0">
+              <a:lnSpc>
+                <a:spcPct val="200000"/>
+              </a:lnSpc>
+              <a:spcBef>
+                <a:spcPts val="0"/>
+              </a:spcBef>
+              <a:spcAft>
+                <a:spcPts val="0"/>
+              </a:spcAft>
+            </a:pPr>
+            <a:endParaRPr lang="en-US" sz="2400" dirty="0">
+              <a:solidFill>
+                <a:schemeClr val="dk1"/>
+              </a:solidFill>
+              <a:latin typeface="Avenir"/>
+              <a:ea typeface="Avenir"/>
+              <a:cs typeface="Avenir"/>
+              <a:sym typeface="Avenir"/>
+            </a:endParaRPr>
+          </a:p>
+          <a:p>
+            <a:pPr marL="0" marR="0" lvl="0" indent="0" algn="l" rtl="0">
+              <a:spcBef>
+                <a:spcPts val="0"/>
+              </a:spcBef>
+              <a:spcAft>
+                <a:spcPts val="0"/>
+              </a:spcAft>
+              <a:buNone/>
+            </a:pPr>
+            <a:endParaRPr sz="2000" dirty="0">
+              <a:solidFill>
+                <a:schemeClr val="dk1"/>
+              </a:solidFill>
+              <a:latin typeface="Avenir"/>
+              <a:ea typeface="Avenir"/>
+              <a:cs typeface="Avenir"/>
+              <a:sym typeface="Avenir"/>
+            </a:endParaRPr>
+          </a:p>
+        </p:txBody>
+      </p:sp>
+      <p:sp>
+        <p:nvSpPr>
+          <p:cNvPr id="6" name="Shape 75">
+            <a:extLst>
+              <a:ext uri="{FF2B5EF4-FFF2-40B4-BE49-F238E27FC236}">
+                <a16:creationId xmlns:a16="http://schemas.microsoft.com/office/drawing/2014/main" id="{E843DB18-2F70-F640-96DE-4D240FFD7888}"/>
+              </a:ext>
+            </a:extLst>
+          </p:cNvPr>
+          <p:cNvSpPr txBox="1"/>
+          <p:nvPr/>
+        </p:nvSpPr>
+        <p:spPr>
+          <a:xfrm>
+            <a:off x="2411624" y="206627"/>
+            <a:ext cx="6827624" cy="523220"/>
+          </a:xfrm>
+          <a:prstGeom prst="rect">
+            <a:avLst/>
+          </a:prstGeom>
+          <a:noFill/>
+          <a:ln>
+            <a:noFill/>
+          </a:ln>
+        </p:spPr>
+        <p:txBody>
+          <a:bodyPr spcFirstLastPara="1" wrap="square" lIns="91425" tIns="45700" rIns="91425" bIns="45700" anchor="t" anchorCtr="0">
+            <a:noAutofit/>
+          </a:bodyPr>
+          <a:lstStyle/>
+          <a:p>
+            <a:pPr marL="0" marR="0" lvl="0" indent="0" algn="l" rtl="0">
+              <a:spcBef>
+                <a:spcPts val="0"/>
+              </a:spcBef>
+              <a:spcAft>
+                <a:spcPts val="0"/>
+              </a:spcAft>
+              <a:buNone/>
+            </a:pPr>
+            <a:r>
+              <a:rPr lang="en-US" sz="2800" dirty="0">
+                <a:solidFill>
+                  <a:srgbClr val="7F7F7F"/>
+                </a:solidFill>
+                <a:latin typeface="Avenir"/>
+                <a:sym typeface="Avenir"/>
+              </a:rPr>
+              <a:t>FAIR Beyond Data – Applications as FAIR</a:t>
+            </a:r>
+            <a:endParaRPr dirty="0"/>
+          </a:p>
+        </p:txBody>
+      </p:sp>
+      <p:sp>
+        <p:nvSpPr>
+          <p:cNvPr id="24" name="Rectangle 23">
+            <a:extLst>
+              <a:ext uri="{FF2B5EF4-FFF2-40B4-BE49-F238E27FC236}">
+                <a16:creationId xmlns:a16="http://schemas.microsoft.com/office/drawing/2014/main" id="{A1A41366-FD0C-472C-A55A-D84700D6C938}"/>
+              </a:ext>
+            </a:extLst>
+          </p:cNvPr>
+          <p:cNvSpPr/>
+          <p:nvPr/>
+        </p:nvSpPr>
+        <p:spPr>
+          <a:xfrm>
+            <a:off x="279929" y="6638011"/>
+            <a:ext cx="3905236" cy="307777"/>
+          </a:xfrm>
+          <a:prstGeom prst="rect">
+            <a:avLst/>
+          </a:prstGeom>
+        </p:spPr>
+        <p:txBody>
+          <a:bodyPr wrap="none">
+            <a:spAutoFit/>
+          </a:bodyPr>
+          <a:lstStyle/>
+          <a:p>
+            <a:r>
+              <a:rPr lang="en-US" dirty="0">
+                <a:hlinkClick r:id="rId3"/>
+              </a:rPr>
+              <a:t>https://fairshake.cloud/project/75/assessments/</a:t>
+            </a:r>
+            <a:endParaRPr lang="en-US" dirty="0"/>
+          </a:p>
+        </p:txBody>
+      </p:sp>
+      <p:pic>
+        <p:nvPicPr>
+          <p:cNvPr id="2" name="Picture 1">
+            <a:extLst>
+              <a:ext uri="{FF2B5EF4-FFF2-40B4-BE49-F238E27FC236}">
+                <a16:creationId xmlns:a16="http://schemas.microsoft.com/office/drawing/2014/main" id="{523ECFB2-3E0D-4835-AA9A-753065CA6558}"/>
+              </a:ext>
+            </a:extLst>
+          </p:cNvPr>
+          <p:cNvPicPr>
+            <a:picLocks noChangeAspect="1"/>
+          </p:cNvPicPr>
+          <p:nvPr/>
+        </p:nvPicPr>
+        <p:blipFill>
+          <a:blip r:embed="rId4"/>
+          <a:stretch>
+            <a:fillRect/>
+          </a:stretch>
+        </p:blipFill>
+        <p:spPr>
+          <a:xfrm>
+            <a:off x="3634689" y="1964824"/>
+            <a:ext cx="2524125" cy="3181350"/>
+          </a:xfrm>
+          <a:prstGeom prst="rect">
+            <a:avLst/>
+          </a:prstGeom>
+        </p:spPr>
+      </p:pic>
+      <p:pic>
+        <p:nvPicPr>
+          <p:cNvPr id="7" name="Picture 6">
+            <a:extLst>
+              <a:ext uri="{FF2B5EF4-FFF2-40B4-BE49-F238E27FC236}">
+                <a16:creationId xmlns:a16="http://schemas.microsoft.com/office/drawing/2014/main" id="{776B3AB4-AB41-4F83-A27F-06B2A2408E79}"/>
+              </a:ext>
+            </a:extLst>
+          </p:cNvPr>
+          <p:cNvPicPr>
+            <a:picLocks noChangeAspect="1"/>
+          </p:cNvPicPr>
+          <p:nvPr/>
+        </p:nvPicPr>
+        <p:blipFill>
+          <a:blip r:embed="rId5"/>
+          <a:stretch>
+            <a:fillRect/>
+          </a:stretch>
+        </p:blipFill>
+        <p:spPr>
+          <a:xfrm>
+            <a:off x="3410587" y="1597821"/>
+            <a:ext cx="3124200" cy="457200"/>
+          </a:xfrm>
+          <a:prstGeom prst="rect">
+            <a:avLst/>
+          </a:prstGeom>
+        </p:spPr>
+      </p:pic>
+      <p:pic>
+        <p:nvPicPr>
+          <p:cNvPr id="8" name="Picture 7">
+            <a:extLst>
+              <a:ext uri="{FF2B5EF4-FFF2-40B4-BE49-F238E27FC236}">
+                <a16:creationId xmlns:a16="http://schemas.microsoft.com/office/drawing/2014/main" id="{35AB7AE8-DBE6-4254-A176-B2CA60487293}"/>
+              </a:ext>
+            </a:extLst>
+          </p:cNvPr>
+          <p:cNvPicPr>
+            <a:picLocks noChangeAspect="1"/>
+          </p:cNvPicPr>
+          <p:nvPr/>
+        </p:nvPicPr>
+        <p:blipFill>
+          <a:blip r:embed="rId6"/>
+          <a:stretch>
+            <a:fillRect/>
+          </a:stretch>
+        </p:blipFill>
+        <p:spPr>
+          <a:xfrm>
+            <a:off x="6908895" y="1964824"/>
+            <a:ext cx="2524125" cy="3171825"/>
+          </a:xfrm>
+          <a:prstGeom prst="rect">
+            <a:avLst/>
+          </a:prstGeom>
+        </p:spPr>
+      </p:pic>
+      <p:pic>
+        <p:nvPicPr>
+          <p:cNvPr id="9" name="Picture 8">
+            <a:extLst>
+              <a:ext uri="{FF2B5EF4-FFF2-40B4-BE49-F238E27FC236}">
+                <a16:creationId xmlns:a16="http://schemas.microsoft.com/office/drawing/2014/main" id="{1DC862C8-0BC5-49A3-8BEA-6F560C8D22ED}"/>
+              </a:ext>
+            </a:extLst>
+          </p:cNvPr>
+          <p:cNvPicPr>
+            <a:picLocks noChangeAspect="1"/>
+          </p:cNvPicPr>
+          <p:nvPr/>
+        </p:nvPicPr>
+        <p:blipFill>
+          <a:blip r:embed="rId7"/>
+          <a:stretch>
+            <a:fillRect/>
+          </a:stretch>
+        </p:blipFill>
+        <p:spPr>
+          <a:xfrm>
+            <a:off x="7589932" y="1629328"/>
+            <a:ext cx="1162050" cy="361950"/>
+          </a:xfrm>
+          <a:prstGeom prst="rect">
+            <a:avLst/>
+          </a:prstGeom>
+        </p:spPr>
+      </p:pic>
+      <p:sp>
+        <p:nvSpPr>
+          <p:cNvPr id="11" name="TextBox 10">
+            <a:extLst>
+              <a:ext uri="{FF2B5EF4-FFF2-40B4-BE49-F238E27FC236}">
+                <a16:creationId xmlns:a16="http://schemas.microsoft.com/office/drawing/2014/main" id="{05B52610-8D6B-4448-AA32-50963D9F5C57}"/>
+              </a:ext>
+            </a:extLst>
+          </p:cNvPr>
+          <p:cNvSpPr txBox="1"/>
+          <p:nvPr/>
+        </p:nvSpPr>
+        <p:spPr>
+          <a:xfrm>
+            <a:off x="6908895" y="5533613"/>
+            <a:ext cx="2524125" cy="946241"/>
+          </a:xfrm>
+          <a:prstGeom prst="rect">
+            <a:avLst/>
+          </a:prstGeom>
+          <a:noFill/>
+        </p:spPr>
+        <p:txBody>
+          <a:bodyPr wrap="square" rtlCol="0">
+            <a:spAutoFit/>
+          </a:bodyPr>
+          <a:lstStyle/>
+          <a:p>
+            <a:r>
+              <a:rPr lang="en-US" dirty="0"/>
+              <a:t>Persistence of resource and metadata not applicable</a:t>
+            </a:r>
+          </a:p>
+          <a:p>
+            <a:endParaRPr lang="en-US" dirty="0"/>
+          </a:p>
+          <a:p>
+            <a:r>
+              <a:rPr lang="en-US" dirty="0"/>
+              <a:t>Metadata license missing</a:t>
+            </a:r>
+          </a:p>
+        </p:txBody>
+      </p:sp>
+      <p:sp>
+        <p:nvSpPr>
+          <p:cNvPr id="20" name="TextBox 19">
+            <a:extLst>
+              <a:ext uri="{FF2B5EF4-FFF2-40B4-BE49-F238E27FC236}">
+                <a16:creationId xmlns:a16="http://schemas.microsoft.com/office/drawing/2014/main" id="{194AC0EE-AF8F-4EA7-9D93-4C50DBFC6B36}"/>
+              </a:ext>
+            </a:extLst>
+          </p:cNvPr>
+          <p:cNvSpPr txBox="1"/>
+          <p:nvPr/>
+        </p:nvSpPr>
+        <p:spPr>
+          <a:xfrm>
+            <a:off x="3634689" y="5483289"/>
+            <a:ext cx="2524125" cy="1169551"/>
+          </a:xfrm>
+          <a:prstGeom prst="rect">
+            <a:avLst/>
+          </a:prstGeom>
+          <a:noFill/>
+        </p:spPr>
+        <p:txBody>
+          <a:bodyPr wrap="square" rtlCol="0">
+            <a:spAutoFit/>
+          </a:bodyPr>
+          <a:lstStyle/>
+          <a:p>
+            <a:r>
+              <a:rPr lang="en-US" dirty="0"/>
+              <a:t>Resource discovery through Web missing</a:t>
+            </a:r>
+          </a:p>
+          <a:p>
+            <a:endParaRPr lang="en-US" dirty="0"/>
+          </a:p>
+          <a:p>
+            <a:r>
+              <a:rPr lang="en-US" dirty="0"/>
+              <a:t>Certificate of compliance to community standard missing</a:t>
+            </a:r>
+          </a:p>
+        </p:txBody>
+      </p:sp>
+      <p:pic>
+        <p:nvPicPr>
+          <p:cNvPr id="12" name="Picture 11">
+            <a:extLst>
+              <a:ext uri="{FF2B5EF4-FFF2-40B4-BE49-F238E27FC236}">
+                <a16:creationId xmlns:a16="http://schemas.microsoft.com/office/drawing/2014/main" id="{44760261-06A4-4A42-9D1F-55A2CC6DB254}"/>
+              </a:ext>
+            </a:extLst>
+          </p:cNvPr>
+          <p:cNvPicPr>
+            <a:picLocks noChangeAspect="1"/>
+          </p:cNvPicPr>
+          <p:nvPr/>
+        </p:nvPicPr>
+        <p:blipFill>
+          <a:blip r:embed="rId8"/>
+          <a:stretch>
+            <a:fillRect/>
+          </a:stretch>
+        </p:blipFill>
+        <p:spPr>
+          <a:xfrm>
+            <a:off x="224474" y="1640683"/>
+            <a:ext cx="2505075" cy="371475"/>
+          </a:xfrm>
+          <a:prstGeom prst="rect">
+            <a:avLst/>
+          </a:prstGeom>
+        </p:spPr>
+      </p:pic>
+      <p:pic>
+        <p:nvPicPr>
+          <p:cNvPr id="16" name="Picture 15">
+            <a:extLst>
+              <a:ext uri="{FF2B5EF4-FFF2-40B4-BE49-F238E27FC236}">
+                <a16:creationId xmlns:a16="http://schemas.microsoft.com/office/drawing/2014/main" id="{B5F8FFAA-F678-474B-8EAA-07C03AC26959}"/>
+              </a:ext>
+            </a:extLst>
+          </p:cNvPr>
+          <p:cNvPicPr>
+            <a:picLocks noChangeAspect="1"/>
+          </p:cNvPicPr>
+          <p:nvPr/>
+        </p:nvPicPr>
+        <p:blipFill>
+          <a:blip r:embed="rId9"/>
+          <a:stretch>
+            <a:fillRect/>
+          </a:stretch>
+        </p:blipFill>
+        <p:spPr>
+          <a:xfrm>
+            <a:off x="279929" y="2119639"/>
+            <a:ext cx="2505075" cy="3124200"/>
+          </a:xfrm>
+          <a:prstGeom prst="rect">
+            <a:avLst/>
+          </a:prstGeom>
+        </p:spPr>
+      </p:pic>
+      <p:sp>
+        <p:nvSpPr>
+          <p:cNvPr id="17" name="TextBox 16">
+            <a:extLst>
+              <a:ext uri="{FF2B5EF4-FFF2-40B4-BE49-F238E27FC236}">
+                <a16:creationId xmlns:a16="http://schemas.microsoft.com/office/drawing/2014/main" id="{5D6250D3-1D85-48FE-92DA-AAA84BA01D2D}"/>
+              </a:ext>
+            </a:extLst>
+          </p:cNvPr>
+          <p:cNvSpPr txBox="1"/>
+          <p:nvPr/>
+        </p:nvSpPr>
+        <p:spPr>
+          <a:xfrm>
+            <a:off x="429288" y="5483289"/>
+            <a:ext cx="2095445" cy="738664"/>
+          </a:xfrm>
+          <a:prstGeom prst="rect">
+            <a:avLst/>
+          </a:prstGeom>
+          <a:noFill/>
+        </p:spPr>
+        <p:txBody>
+          <a:bodyPr wrap="none" rtlCol="0">
+            <a:spAutoFit/>
+          </a:bodyPr>
+          <a:lstStyle/>
+          <a:p>
+            <a:r>
+              <a:rPr lang="en-US" dirty="0"/>
+              <a:t>No Provenance scheme</a:t>
+            </a:r>
+          </a:p>
+          <a:p>
+            <a:endParaRPr lang="en-US" dirty="0"/>
+          </a:p>
+          <a:p>
+            <a:r>
+              <a:rPr lang="en-US" dirty="0"/>
+              <a:t>No Standardized data </a:t>
+            </a:r>
+          </a:p>
+        </p:txBody>
+      </p:sp>
+    </p:spTree>
+    <p:extLst>
+      <p:ext uri="{BB962C8B-B14F-4D97-AF65-F5344CB8AC3E}">
+        <p14:creationId xmlns:p14="http://schemas.microsoft.com/office/powerpoint/2010/main" val="2350517084"/>
+      </p:ext>
+    </p:extLst>
+  </p:cSld>
+  <p:clrMapOvr>
+    <a:masterClrMapping/>
+  </p:clrMapOvr>
+</p:sld>
+</file>
+
+<file path=ppt/slides/slide12.xml><?xml version="1.0" encoding="utf-8"?>
+<p:sld xmlns:a="http://schemas.openxmlformats.org/drawingml/2006/main" xmlns:r="http://schemas.openxmlformats.org/officeDocument/2006/relationships" xmlns:p="http://schemas.openxmlformats.org/presentationml/2006/main">
+  <p:cSld>
+    <p:spTree>
+      <p:nvGrpSpPr>
+        <p:cNvPr id="1" name="Shape 95"/>
+        <p:cNvGrpSpPr/>
+        <p:nvPr/>
+      </p:nvGrpSpPr>
+      <p:grpSpPr>
+        <a:xfrm>
+          <a:off x="0" y="0"/>
+          <a:ext cx="0" cy="0"/>
+          <a:chOff x="0" y="0"/>
+          <a:chExt cx="0" cy="0"/>
+        </a:xfrm>
+      </p:grpSpPr>
+      <p:sp>
+        <p:nvSpPr>
+          <p:cNvPr id="96" name="Shape 96"/>
+          <p:cNvSpPr txBox="1">
+            <a:spLocks noGrp="1"/>
+          </p:cNvSpPr>
+          <p:nvPr>
+            <p:ph type="dt" idx="10"/>
+          </p:nvPr>
+        </p:nvSpPr>
+        <p:spPr>
+          <a:xfrm>
+            <a:off x="504031" y="7006701"/>
+            <a:ext cx="2352146" cy="402483"/>
+          </a:xfrm>
+          <a:prstGeom prst="rect">
+            <a:avLst/>
+          </a:prstGeom>
+          <a:noFill/>
+          <a:ln>
+            <a:noFill/>
+          </a:ln>
+        </p:spPr>
+        <p:txBody>
+          <a:bodyPr spcFirstLastPara="1" wrap="square" lIns="91425" tIns="45700" rIns="91425" bIns="45700" anchor="ctr" anchorCtr="0">
+            <a:noAutofit/>
+          </a:bodyPr>
+          <a:lstStyle/>
+          <a:p>
+            <a:pPr marL="0" marR="0" lvl="0" indent="0" algn="l" rtl="0">
+              <a:spcBef>
+                <a:spcPts val="0"/>
+              </a:spcBef>
+              <a:spcAft>
+                <a:spcPts val="0"/>
+              </a:spcAft>
+              <a:buNone/>
+            </a:pPr>
+            <a:fld id="{4206624B-54B6-6741-BE80-C2D8DE5CFDDB}" type="datetime1">
+              <a:rPr lang="en-US" sz="1102" smtClean="0">
+                <a:solidFill>
+                  <a:srgbClr val="888888"/>
+                </a:solidFill>
+                <a:latin typeface="Avenir"/>
+                <a:sym typeface="Avenir"/>
+              </a:rPr>
+              <a:t>4/16/2019</a:t>
+            </a:fld>
+            <a:endParaRPr sz="1102">
+              <a:solidFill>
+                <a:srgbClr val="888888"/>
+              </a:solidFill>
+              <a:latin typeface="Avenir"/>
+              <a:ea typeface="Avenir"/>
+              <a:cs typeface="Avenir"/>
+              <a:sym typeface="Avenir"/>
+            </a:endParaRPr>
+          </a:p>
+        </p:txBody>
+      </p:sp>
+      <p:sp>
+        <p:nvSpPr>
+          <p:cNvPr id="97" name="Shape 97"/>
+          <p:cNvSpPr txBox="1">
+            <a:spLocks noGrp="1"/>
+          </p:cNvSpPr>
+          <p:nvPr>
+            <p:ph type="sldNum" idx="12"/>
+          </p:nvPr>
+        </p:nvSpPr>
+        <p:spPr>
+          <a:xfrm>
+            <a:off x="7224448" y="7006701"/>
+            <a:ext cx="2352146" cy="402483"/>
+          </a:xfrm>
+          <a:prstGeom prst="rect">
+            <a:avLst/>
+          </a:prstGeom>
+          <a:noFill/>
+          <a:ln>
+            <a:noFill/>
+          </a:ln>
+        </p:spPr>
+        <p:txBody>
+          <a:bodyPr spcFirstLastPara="1" wrap="square" lIns="91425" tIns="45700" rIns="91425" bIns="45700" anchor="ctr" anchorCtr="0">
+            <a:noAutofit/>
+          </a:bodyPr>
+          <a:lstStyle/>
+          <a:p>
+            <a:pPr marL="0" marR="0" lvl="0" indent="0" algn="r" rtl="0">
+              <a:spcBef>
+                <a:spcPts val="0"/>
+              </a:spcBef>
+              <a:spcAft>
+                <a:spcPts val="0"/>
+              </a:spcAft>
+              <a:buNone/>
+            </a:pPr>
+            <a:r>
+              <a:rPr lang="en-US" sz="1102">
+                <a:solidFill>
+                  <a:srgbClr val="888888"/>
+                </a:solidFill>
+                <a:latin typeface="Avenir"/>
+                <a:ea typeface="Avenir"/>
+                <a:cs typeface="Avenir"/>
+                <a:sym typeface="Avenir"/>
+              </a:rPr>
+              <a:t>| </a:t>
+            </a:r>
+            <a:fld id="{00000000-1234-1234-1234-123412341234}" type="slidenum">
+              <a:rPr lang="en-US" sz="1102">
+                <a:solidFill>
+                  <a:srgbClr val="888888"/>
+                </a:solidFill>
+                <a:latin typeface="Avenir"/>
+                <a:ea typeface="Avenir"/>
+                <a:cs typeface="Avenir"/>
+                <a:sym typeface="Avenir"/>
+              </a:rPr>
+              <a:t>12</a:t>
             </a:fld>
             <a:endParaRPr sz="1102">
               <a:solidFill>
@@ -13831,7 +14437,7 @@
                 <a:latin typeface="Avenir"/>
                 <a:sym typeface="Avenir"/>
               </a:rPr>
-              <a:t>4/15/2019</a:t>
+              <a:t>4/16/2019</a:t>
             </a:fld>
             <a:endParaRPr sz="1102">
               <a:solidFill>
@@ -14261,7 +14867,7 @@
                 <a:latin typeface="Avenir"/>
                 <a:sym typeface="Avenir"/>
               </a:rPr>
-              <a:t>4/15/2019</a:t>
+              <a:t>4/16/2019</a:t>
             </a:fld>
             <a:endParaRPr sz="1102">
               <a:solidFill>
@@ -15982,7 +16588,7 @@
                 <a:latin typeface="Avenir"/>
                 <a:sym typeface="Avenir"/>
               </a:rPr>
-              <a:t>4/15/2019</a:t>
+              <a:t>4/16/2019</a:t>
             </a:fld>
             <a:endParaRPr sz="1102">
               <a:solidFill>
@@ -16566,7 +17172,7 @@
                 <a:latin typeface="Avenir"/>
                 <a:sym typeface="Avenir"/>
               </a:rPr>
-              <a:t>4/15/2019</a:t>
+              <a:t>4/16/2019</a:t>
             </a:fld>
             <a:endParaRPr sz="1102">
               <a:solidFill>
@@ -16964,7 +17570,7 @@
                 <a:latin typeface="Avenir"/>
                 <a:sym typeface="Avenir"/>
               </a:rPr>
-              <a:t>4/15/2019</a:t>
+              <a:t>4/16/2019</a:t>
             </a:fld>
             <a:endParaRPr sz="1102">
               <a:solidFill>
@@ -17345,7 +17951,7 @@
                 <a:latin typeface="Avenir"/>
                 <a:sym typeface="Avenir"/>
               </a:rPr>
-              <a:t>4/15/2019</a:t>
+              <a:t>4/16/2019</a:t>
             </a:fld>
             <a:endParaRPr sz="1102">
               <a:solidFill>
@@ -18117,7 +18723,7 @@
                 <a:latin typeface="Avenir"/>
                 <a:sym typeface="Avenir"/>
               </a:rPr>
-              <a:t>4/15/2019</a:t>
+              <a:t>4/16/2019</a:t>
             </a:fld>
             <a:endParaRPr sz="1102">
               <a:solidFill>
